--- a/Presentations/Singleton.pptx
+++ b/Presentations/Singleton.pptx
@@ -5,19 +5,29 @@
     <p:sldMasterId id="2147483648" r:id="rId2"/>
   </p:sldMasterIdLst>
   <p:notesMasterIdLst>
-    <p:notesMasterId r:id="rId10"/>
+    <p:notesMasterId r:id="rId20"/>
   </p:notesMasterIdLst>
   <p:handoutMasterIdLst>
-    <p:handoutMasterId r:id="rId11"/>
+    <p:handoutMasterId r:id="rId21"/>
   </p:handoutMasterIdLst>
   <p:sldIdLst>
     <p:sldId id="261" r:id="rId3"/>
-    <p:sldId id="262" r:id="rId4"/>
-    <p:sldId id="263" r:id="rId5"/>
-    <p:sldId id="264" r:id="rId6"/>
-    <p:sldId id="265" r:id="rId7"/>
-    <p:sldId id="266" r:id="rId8"/>
-    <p:sldId id="267" r:id="rId9"/>
+    <p:sldId id="270" r:id="rId4"/>
+    <p:sldId id="262" r:id="rId5"/>
+    <p:sldId id="280" r:id="rId6"/>
+    <p:sldId id="284" r:id="rId7"/>
+    <p:sldId id="272" r:id="rId8"/>
+    <p:sldId id="271" r:id="rId9"/>
+    <p:sldId id="274" r:id="rId10"/>
+    <p:sldId id="275" r:id="rId11"/>
+    <p:sldId id="276" r:id="rId12"/>
+    <p:sldId id="286" r:id="rId13"/>
+    <p:sldId id="285" r:id="rId14"/>
+    <p:sldId id="283" r:id="rId15"/>
+    <p:sldId id="278" r:id="rId16"/>
+    <p:sldId id="282" r:id="rId17"/>
+    <p:sldId id="288" r:id="rId18"/>
+    <p:sldId id="287" r:id="rId19"/>
   </p:sldIdLst>
   <p:sldSz cx="12192000" cy="6858000"/>
   <p:notesSz cx="6858000" cy="9144000"/>
@@ -725,6 +735,701 @@
     <p:extLst>
       <p:ext uri="{BB962C8B-B14F-4D97-AF65-F5344CB8AC3E}">
         <p14:creationId xmlns:p14="http://schemas.microsoft.com/office/powerpoint/2010/main" val="1546500086"/>
+      </p:ext>
+    </p:extLst>
+  </p:cSld>
+  <p:clrMapOvr>
+    <a:masterClrMapping/>
+  </p:clrMapOvr>
+</p:notes>
+</file>
+
+<file path=ppt/notesSlides/notesSlide10.xml><?xml version="1.0" encoding="utf-8"?>
+<p:notes xmlns:a="http://schemas.openxmlformats.org/drawingml/2006/main" xmlns:r="http://schemas.openxmlformats.org/officeDocument/2006/relationships" xmlns:p="http://schemas.openxmlformats.org/presentationml/2006/main">
+  <p:cSld>
+    <p:spTree>
+      <p:nvGrpSpPr>
+        <p:cNvPr id="1" name=""/>
+        <p:cNvGrpSpPr/>
+        <p:nvPr/>
+      </p:nvGrpSpPr>
+      <p:grpSpPr>
+        <a:xfrm>
+          <a:off x="0" y="0"/>
+          <a:ext cx="0" cy="0"/>
+          <a:chOff x="0" y="0"/>
+          <a:chExt cx="0" cy="0"/>
+        </a:xfrm>
+      </p:grpSpPr>
+      <p:sp>
+        <p:nvSpPr>
+          <p:cNvPr id="2" name="Slide Image Placeholder 1"/>
+          <p:cNvSpPr>
+            <a:spLocks noGrp="1" noRot="1" noChangeAspect="1"/>
+          </p:cNvSpPr>
+          <p:nvPr>
+            <p:ph type="sldImg"/>
+          </p:nvPr>
+        </p:nvSpPr>
+        <p:spPr/>
+      </p:sp>
+      <p:sp>
+        <p:nvSpPr>
+          <p:cNvPr id="3" name="Notes Placeholder 2"/>
+          <p:cNvSpPr>
+            <a:spLocks noGrp="1"/>
+          </p:cNvSpPr>
+          <p:nvPr>
+            <p:ph type="body" idx="1"/>
+          </p:nvPr>
+        </p:nvSpPr>
+        <p:spPr/>
+        <p:txBody>
+          <a:bodyPr/>
+          <a:lstStyle/>
+          <a:p>
+            <a:endParaRPr lang="ru-RU" dirty="0"/>
+          </a:p>
+        </p:txBody>
+      </p:sp>
+    </p:spTree>
+    <p:extLst>
+      <p:ext uri="{BB962C8B-B14F-4D97-AF65-F5344CB8AC3E}">
+        <p14:creationId xmlns:p14="http://schemas.microsoft.com/office/powerpoint/2010/main" val="1555418117"/>
+      </p:ext>
+    </p:extLst>
+  </p:cSld>
+  <p:clrMapOvr>
+    <a:masterClrMapping/>
+  </p:clrMapOvr>
+</p:notes>
+</file>
+
+<file path=ppt/notesSlides/notesSlide11.xml><?xml version="1.0" encoding="utf-8"?>
+<p:notes xmlns:a="http://schemas.openxmlformats.org/drawingml/2006/main" xmlns:r="http://schemas.openxmlformats.org/officeDocument/2006/relationships" xmlns:p="http://schemas.openxmlformats.org/presentationml/2006/main">
+  <p:cSld>
+    <p:spTree>
+      <p:nvGrpSpPr>
+        <p:cNvPr id="1" name=""/>
+        <p:cNvGrpSpPr/>
+        <p:nvPr/>
+      </p:nvGrpSpPr>
+      <p:grpSpPr>
+        <a:xfrm>
+          <a:off x="0" y="0"/>
+          <a:ext cx="0" cy="0"/>
+          <a:chOff x="0" y="0"/>
+          <a:chExt cx="0" cy="0"/>
+        </a:xfrm>
+      </p:grpSpPr>
+      <p:sp>
+        <p:nvSpPr>
+          <p:cNvPr id="2" name="Slide Image Placeholder 1"/>
+          <p:cNvSpPr>
+            <a:spLocks noGrp="1" noRot="1" noChangeAspect="1"/>
+          </p:cNvSpPr>
+          <p:nvPr>
+            <p:ph type="sldImg"/>
+          </p:nvPr>
+        </p:nvSpPr>
+        <p:spPr/>
+      </p:sp>
+      <p:sp>
+        <p:nvSpPr>
+          <p:cNvPr id="3" name="Notes Placeholder 2"/>
+          <p:cNvSpPr>
+            <a:spLocks noGrp="1"/>
+          </p:cNvSpPr>
+          <p:nvPr>
+            <p:ph type="body" idx="1"/>
+          </p:nvPr>
+        </p:nvSpPr>
+        <p:spPr/>
+        <p:txBody>
+          <a:bodyPr/>
+          <a:lstStyle/>
+          <a:p>
+            <a:endParaRPr lang="ru-RU" dirty="0"/>
+          </a:p>
+        </p:txBody>
+      </p:sp>
+    </p:spTree>
+    <p:extLst>
+      <p:ext uri="{BB962C8B-B14F-4D97-AF65-F5344CB8AC3E}">
+        <p14:creationId xmlns:p14="http://schemas.microsoft.com/office/powerpoint/2010/main" val="1427959299"/>
+      </p:ext>
+    </p:extLst>
+  </p:cSld>
+  <p:clrMapOvr>
+    <a:masterClrMapping/>
+  </p:clrMapOvr>
+</p:notes>
+</file>
+
+<file path=ppt/notesSlides/notesSlide2.xml><?xml version="1.0" encoding="utf-8"?>
+<p:notes xmlns:a="http://schemas.openxmlformats.org/drawingml/2006/main" xmlns:r="http://schemas.openxmlformats.org/officeDocument/2006/relationships" xmlns:p="http://schemas.openxmlformats.org/presentationml/2006/main">
+  <p:cSld>
+    <p:spTree>
+      <p:nvGrpSpPr>
+        <p:cNvPr id="1" name=""/>
+        <p:cNvGrpSpPr/>
+        <p:nvPr/>
+      </p:nvGrpSpPr>
+      <p:grpSpPr>
+        <a:xfrm>
+          <a:off x="0" y="0"/>
+          <a:ext cx="0" cy="0"/>
+          <a:chOff x="0" y="0"/>
+          <a:chExt cx="0" cy="0"/>
+        </a:xfrm>
+      </p:grpSpPr>
+      <p:sp>
+        <p:nvSpPr>
+          <p:cNvPr id="2" name="Slide Image Placeholder 1"/>
+          <p:cNvSpPr>
+            <a:spLocks noGrp="1" noRot="1" noChangeAspect="1"/>
+          </p:cNvSpPr>
+          <p:nvPr>
+            <p:ph type="sldImg"/>
+          </p:nvPr>
+        </p:nvSpPr>
+        <p:spPr/>
+      </p:sp>
+      <p:sp>
+        <p:nvSpPr>
+          <p:cNvPr id="3" name="Notes Placeholder 2"/>
+          <p:cNvSpPr>
+            <a:spLocks noGrp="1"/>
+          </p:cNvSpPr>
+          <p:nvPr>
+            <p:ph type="body" idx="1"/>
+          </p:nvPr>
+        </p:nvSpPr>
+        <p:spPr/>
+        <p:txBody>
+          <a:bodyPr/>
+          <a:lstStyle/>
+          <a:p>
+            <a:endParaRPr lang="en-US" dirty="0" smtClean="0"/>
+          </a:p>
+        </p:txBody>
+      </p:sp>
+    </p:spTree>
+    <p:extLst>
+      <p:ext uri="{BB962C8B-B14F-4D97-AF65-F5344CB8AC3E}">
+        <p14:creationId xmlns:p14="http://schemas.microsoft.com/office/powerpoint/2010/main" val="3648125758"/>
+      </p:ext>
+    </p:extLst>
+  </p:cSld>
+  <p:clrMapOvr>
+    <a:masterClrMapping/>
+  </p:clrMapOvr>
+</p:notes>
+</file>
+
+<file path=ppt/notesSlides/notesSlide3.xml><?xml version="1.0" encoding="utf-8"?>
+<p:notes xmlns:a="http://schemas.openxmlformats.org/drawingml/2006/main" xmlns:r="http://schemas.openxmlformats.org/officeDocument/2006/relationships" xmlns:p="http://schemas.openxmlformats.org/presentationml/2006/main">
+  <p:cSld>
+    <p:spTree>
+      <p:nvGrpSpPr>
+        <p:cNvPr id="1" name=""/>
+        <p:cNvGrpSpPr/>
+        <p:nvPr/>
+      </p:nvGrpSpPr>
+      <p:grpSpPr>
+        <a:xfrm>
+          <a:off x="0" y="0"/>
+          <a:ext cx="0" cy="0"/>
+          <a:chOff x="0" y="0"/>
+          <a:chExt cx="0" cy="0"/>
+        </a:xfrm>
+      </p:grpSpPr>
+      <p:sp>
+        <p:nvSpPr>
+          <p:cNvPr id="2" name="Slide Image Placeholder 1"/>
+          <p:cNvSpPr>
+            <a:spLocks noGrp="1" noRot="1" noChangeAspect="1"/>
+          </p:cNvSpPr>
+          <p:nvPr>
+            <p:ph type="sldImg"/>
+          </p:nvPr>
+        </p:nvSpPr>
+        <p:spPr/>
+      </p:sp>
+      <p:sp>
+        <p:nvSpPr>
+          <p:cNvPr id="3" name="Notes Placeholder 2"/>
+          <p:cNvSpPr>
+            <a:spLocks noGrp="1"/>
+          </p:cNvSpPr>
+          <p:nvPr>
+            <p:ph type="body" idx="1"/>
+          </p:nvPr>
+        </p:nvSpPr>
+        <p:spPr/>
+        <p:txBody>
+          <a:bodyPr/>
+          <a:lstStyle/>
+          <a:p>
+            <a:r>
+              <a:rPr lang="en-US" dirty="0" smtClean="0"/>
+              <a:t>If your singleton class is not using a lot of resources, this is the approach to use. </a:t>
+            </a:r>
+          </a:p>
+          <a:p>
+            <a:r>
+              <a:rPr lang="en-US" dirty="0" smtClean="0"/>
+              <a:t>But in most of the scenarios, Singleton classes are created for resources such as File System, Database connections etc. </a:t>
+            </a:r>
+          </a:p>
+          <a:p>
+            <a:r>
+              <a:rPr lang="en-US" dirty="0" smtClean="0"/>
+              <a:t>Preferable</a:t>
+            </a:r>
+            <a:r>
+              <a:rPr lang="en-US" baseline="0" dirty="0" smtClean="0"/>
+              <a:t> to </a:t>
+            </a:r>
+            <a:r>
+              <a:rPr lang="en-US" dirty="0" smtClean="0"/>
+              <a:t>avoid the instantiation until client calls the </a:t>
+            </a:r>
+            <a:r>
+              <a:rPr lang="en-US" dirty="0" err="1" smtClean="0"/>
+              <a:t>getInstance</a:t>
+            </a:r>
+            <a:r>
+              <a:rPr lang="en-US" dirty="0" smtClean="0"/>
+              <a:t> method.</a:t>
+            </a:r>
+            <a:endParaRPr lang="ru-RU" dirty="0"/>
+          </a:p>
+        </p:txBody>
+      </p:sp>
+    </p:spTree>
+    <p:extLst>
+      <p:ext uri="{BB962C8B-B14F-4D97-AF65-F5344CB8AC3E}">
+        <p14:creationId xmlns:p14="http://schemas.microsoft.com/office/powerpoint/2010/main" val="1251400295"/>
+      </p:ext>
+    </p:extLst>
+  </p:cSld>
+  <p:clrMapOvr>
+    <a:masterClrMapping/>
+  </p:clrMapOvr>
+</p:notes>
+</file>
+
+<file path=ppt/notesSlides/notesSlide4.xml><?xml version="1.0" encoding="utf-8"?>
+<p:notes xmlns:a="http://schemas.openxmlformats.org/drawingml/2006/main" xmlns:r="http://schemas.openxmlformats.org/officeDocument/2006/relationships" xmlns:p="http://schemas.openxmlformats.org/presentationml/2006/main">
+  <p:cSld>
+    <p:spTree>
+      <p:nvGrpSpPr>
+        <p:cNvPr id="1" name=""/>
+        <p:cNvGrpSpPr/>
+        <p:nvPr/>
+      </p:nvGrpSpPr>
+      <p:grpSpPr>
+        <a:xfrm>
+          <a:off x="0" y="0"/>
+          <a:ext cx="0" cy="0"/>
+          <a:chOff x="0" y="0"/>
+          <a:chExt cx="0" cy="0"/>
+        </a:xfrm>
+      </p:grpSpPr>
+      <p:sp>
+        <p:nvSpPr>
+          <p:cNvPr id="2" name="Slide Image Placeholder 1"/>
+          <p:cNvSpPr>
+            <a:spLocks noGrp="1" noRot="1" noChangeAspect="1"/>
+          </p:cNvSpPr>
+          <p:nvPr>
+            <p:ph type="sldImg"/>
+          </p:nvPr>
+        </p:nvSpPr>
+        <p:spPr/>
+      </p:sp>
+      <p:sp>
+        <p:nvSpPr>
+          <p:cNvPr id="3" name="Notes Placeholder 2"/>
+          <p:cNvSpPr>
+            <a:spLocks noGrp="1"/>
+          </p:cNvSpPr>
+          <p:nvPr>
+            <p:ph type="body" idx="1"/>
+          </p:nvPr>
+        </p:nvSpPr>
+        <p:spPr/>
+        <p:txBody>
+          <a:bodyPr/>
+          <a:lstStyle/>
+          <a:p>
+            <a:r>
+              <a:rPr lang="en-US" sz="1200" b="0" i="0" kern="1200" dirty="0" smtClean="0">
+                <a:solidFill>
+                  <a:schemeClr val="tx1"/>
+                </a:solidFill>
+                <a:effectLst/>
+                <a:latin typeface="+mn-lt"/>
+                <a:ea typeface="+mn-ea"/>
+                <a:cs typeface="+mn-cs"/>
+              </a:rPr>
+              <a:t>The above implementation works fine in case of the single-threaded environment but when it comes to multithreaded systems, it can cause issues if multiple threads are inside the if condition at the same time. </a:t>
+            </a:r>
+          </a:p>
+          <a:p>
+            <a:r>
+              <a:rPr lang="en-US" sz="1200" b="0" i="0" kern="1200" dirty="0" smtClean="0">
+                <a:solidFill>
+                  <a:schemeClr val="tx1"/>
+                </a:solidFill>
+                <a:effectLst/>
+                <a:latin typeface="+mn-lt"/>
+                <a:ea typeface="+mn-ea"/>
+                <a:cs typeface="+mn-cs"/>
+              </a:rPr>
+              <a:t>It will destroy the singleton pattern and both threads will get the different instances of the singleton class.</a:t>
+            </a:r>
+            <a:endParaRPr lang="ru-RU" dirty="0"/>
+          </a:p>
+        </p:txBody>
+      </p:sp>
+    </p:spTree>
+    <p:extLst>
+      <p:ext uri="{BB962C8B-B14F-4D97-AF65-F5344CB8AC3E}">
+        <p14:creationId xmlns:p14="http://schemas.microsoft.com/office/powerpoint/2010/main" val="1854862642"/>
+      </p:ext>
+    </p:extLst>
+  </p:cSld>
+  <p:clrMapOvr>
+    <a:masterClrMapping/>
+  </p:clrMapOvr>
+</p:notes>
+</file>
+
+<file path=ppt/notesSlides/notesSlide5.xml><?xml version="1.0" encoding="utf-8"?>
+<p:notes xmlns:a="http://schemas.openxmlformats.org/drawingml/2006/main" xmlns:r="http://schemas.openxmlformats.org/officeDocument/2006/relationships" xmlns:p="http://schemas.openxmlformats.org/presentationml/2006/main">
+  <p:cSld>
+    <p:spTree>
+      <p:nvGrpSpPr>
+        <p:cNvPr id="1" name=""/>
+        <p:cNvGrpSpPr/>
+        <p:nvPr/>
+      </p:nvGrpSpPr>
+      <p:grpSpPr>
+        <a:xfrm>
+          <a:off x="0" y="0"/>
+          <a:ext cx="0" cy="0"/>
+          <a:chOff x="0" y="0"/>
+          <a:chExt cx="0" cy="0"/>
+        </a:xfrm>
+      </p:grpSpPr>
+      <p:sp>
+        <p:nvSpPr>
+          <p:cNvPr id="2" name="Slide Image Placeholder 1"/>
+          <p:cNvSpPr>
+            <a:spLocks noGrp="1" noRot="1" noChangeAspect="1"/>
+          </p:cNvSpPr>
+          <p:nvPr>
+            <p:ph type="sldImg"/>
+          </p:nvPr>
+        </p:nvSpPr>
+        <p:spPr/>
+      </p:sp>
+      <p:sp>
+        <p:nvSpPr>
+          <p:cNvPr id="3" name="Notes Placeholder 2"/>
+          <p:cNvSpPr>
+            <a:spLocks noGrp="1"/>
+          </p:cNvSpPr>
+          <p:nvPr>
+            <p:ph type="body" idx="1"/>
+          </p:nvPr>
+        </p:nvSpPr>
+        <p:spPr/>
+        <p:txBody>
+          <a:bodyPr/>
+          <a:lstStyle/>
+          <a:p>
+            <a:r>
+              <a:rPr lang="en-US" dirty="0" smtClean="0"/>
+              <a:t>Almost</a:t>
+            </a:r>
+            <a:r>
+              <a:rPr lang="en-US" baseline="0" dirty="0" smtClean="0"/>
+              <a:t> good, but guard locks every thread</a:t>
+            </a:r>
+          </a:p>
+        </p:txBody>
+      </p:sp>
+    </p:spTree>
+    <p:extLst>
+      <p:ext uri="{BB962C8B-B14F-4D97-AF65-F5344CB8AC3E}">
+        <p14:creationId xmlns:p14="http://schemas.microsoft.com/office/powerpoint/2010/main" val="1304003843"/>
+      </p:ext>
+    </p:extLst>
+  </p:cSld>
+  <p:clrMapOvr>
+    <a:masterClrMapping/>
+  </p:clrMapOvr>
+</p:notes>
+</file>
+
+<file path=ppt/notesSlides/notesSlide6.xml><?xml version="1.0" encoding="utf-8"?>
+<p:notes xmlns:a="http://schemas.openxmlformats.org/drawingml/2006/main" xmlns:r="http://schemas.openxmlformats.org/officeDocument/2006/relationships" xmlns:p="http://schemas.openxmlformats.org/presentationml/2006/main">
+  <p:cSld>
+    <p:spTree>
+      <p:nvGrpSpPr>
+        <p:cNvPr id="1" name=""/>
+        <p:cNvGrpSpPr/>
+        <p:nvPr/>
+      </p:nvGrpSpPr>
+      <p:grpSpPr>
+        <a:xfrm>
+          <a:off x="0" y="0"/>
+          <a:ext cx="0" cy="0"/>
+          <a:chOff x="0" y="0"/>
+          <a:chExt cx="0" cy="0"/>
+        </a:xfrm>
+      </p:grpSpPr>
+      <p:sp>
+        <p:nvSpPr>
+          <p:cNvPr id="2" name="Slide Image Placeholder 1"/>
+          <p:cNvSpPr>
+            <a:spLocks noGrp="1" noRot="1" noChangeAspect="1"/>
+          </p:cNvSpPr>
+          <p:nvPr>
+            <p:ph type="sldImg"/>
+          </p:nvPr>
+        </p:nvSpPr>
+        <p:spPr/>
+      </p:sp>
+      <p:sp>
+        <p:nvSpPr>
+          <p:cNvPr id="3" name="Notes Placeholder 2"/>
+          <p:cNvSpPr>
+            <a:spLocks noGrp="1"/>
+          </p:cNvSpPr>
+          <p:nvPr>
+            <p:ph type="body" idx="1"/>
+          </p:nvPr>
+        </p:nvSpPr>
+        <p:spPr/>
+        <p:txBody>
+          <a:bodyPr/>
+          <a:lstStyle/>
+          <a:p>
+            <a:r>
+              <a:rPr lang="en-US" sz="1200" b="0" i="0" kern="1200" dirty="0" smtClean="0">
+                <a:solidFill>
+                  <a:schemeClr val="tx1"/>
+                </a:solidFill>
+                <a:effectLst/>
+                <a:latin typeface="+mn-lt"/>
+                <a:ea typeface="+mn-ea"/>
+                <a:cs typeface="+mn-cs"/>
+              </a:rPr>
+              <a:t>Guard works properly</a:t>
+            </a:r>
+            <a:endParaRPr lang="ru-RU" dirty="0"/>
+          </a:p>
+        </p:txBody>
+      </p:sp>
+    </p:spTree>
+    <p:extLst>
+      <p:ext uri="{BB962C8B-B14F-4D97-AF65-F5344CB8AC3E}">
+        <p14:creationId xmlns:p14="http://schemas.microsoft.com/office/powerpoint/2010/main" val="679454927"/>
+      </p:ext>
+    </p:extLst>
+  </p:cSld>
+  <p:clrMapOvr>
+    <a:masterClrMapping/>
+  </p:clrMapOvr>
+</p:notes>
+</file>
+
+<file path=ppt/notesSlides/notesSlide7.xml><?xml version="1.0" encoding="utf-8"?>
+<p:notes xmlns:a="http://schemas.openxmlformats.org/drawingml/2006/main" xmlns:r="http://schemas.openxmlformats.org/officeDocument/2006/relationships" xmlns:p="http://schemas.openxmlformats.org/presentationml/2006/main">
+  <p:cSld>
+    <p:spTree>
+      <p:nvGrpSpPr>
+        <p:cNvPr id="1" name=""/>
+        <p:cNvGrpSpPr/>
+        <p:nvPr/>
+      </p:nvGrpSpPr>
+      <p:grpSpPr>
+        <a:xfrm>
+          <a:off x="0" y="0"/>
+          <a:ext cx="0" cy="0"/>
+          <a:chOff x="0" y="0"/>
+          <a:chExt cx="0" cy="0"/>
+        </a:xfrm>
+      </p:grpSpPr>
+      <p:sp>
+        <p:nvSpPr>
+          <p:cNvPr id="2" name="Slide Image Placeholder 1"/>
+          <p:cNvSpPr>
+            <a:spLocks noGrp="1" noRot="1" noChangeAspect="1"/>
+          </p:cNvSpPr>
+          <p:nvPr>
+            <p:ph type="sldImg"/>
+          </p:nvPr>
+        </p:nvSpPr>
+        <p:spPr/>
+      </p:sp>
+      <p:sp>
+        <p:nvSpPr>
+          <p:cNvPr id="3" name="Notes Placeholder 2"/>
+          <p:cNvSpPr>
+            <a:spLocks noGrp="1"/>
+          </p:cNvSpPr>
+          <p:nvPr>
+            <p:ph type="body" idx="1"/>
+          </p:nvPr>
+        </p:nvSpPr>
+        <p:spPr/>
+        <p:txBody>
+          <a:bodyPr/>
+          <a:lstStyle/>
+          <a:p>
+            <a:r>
+              <a:rPr lang="en-US" dirty="0" smtClean="0"/>
+              <a:t>Image</a:t>
+            </a:r>
+            <a:r>
+              <a:rPr lang="en-US" baseline="0" dirty="0" smtClean="0"/>
+              <a:t> resource: https://www.shutterstock.com/cs/video/clip-6419210-savior-salvation-religion-concept-mountain-man-snow</a:t>
+            </a:r>
+            <a:endParaRPr lang="ru-RU" dirty="0"/>
+          </a:p>
+        </p:txBody>
+      </p:sp>
+    </p:spTree>
+    <p:extLst>
+      <p:ext uri="{BB962C8B-B14F-4D97-AF65-F5344CB8AC3E}">
+        <p14:creationId xmlns:p14="http://schemas.microsoft.com/office/powerpoint/2010/main" val="4208817173"/>
+      </p:ext>
+    </p:extLst>
+  </p:cSld>
+  <p:clrMapOvr>
+    <a:masterClrMapping/>
+  </p:clrMapOvr>
+</p:notes>
+</file>
+
+<file path=ppt/notesSlides/notesSlide8.xml><?xml version="1.0" encoding="utf-8"?>
+<p:notes xmlns:a="http://schemas.openxmlformats.org/drawingml/2006/main" xmlns:r="http://schemas.openxmlformats.org/officeDocument/2006/relationships" xmlns:p="http://schemas.openxmlformats.org/presentationml/2006/main">
+  <p:cSld>
+    <p:spTree>
+      <p:nvGrpSpPr>
+        <p:cNvPr id="1" name=""/>
+        <p:cNvGrpSpPr/>
+        <p:nvPr/>
+      </p:nvGrpSpPr>
+      <p:grpSpPr>
+        <a:xfrm>
+          <a:off x="0" y="0"/>
+          <a:ext cx="0" cy="0"/>
+          <a:chOff x="0" y="0"/>
+          <a:chExt cx="0" cy="0"/>
+        </a:xfrm>
+      </p:grpSpPr>
+      <p:sp>
+        <p:nvSpPr>
+          <p:cNvPr id="2" name="Slide Image Placeholder 1"/>
+          <p:cNvSpPr>
+            <a:spLocks noGrp="1" noRot="1" noChangeAspect="1"/>
+          </p:cNvSpPr>
+          <p:nvPr>
+            <p:ph type="sldImg"/>
+          </p:nvPr>
+        </p:nvSpPr>
+        <p:spPr/>
+      </p:sp>
+      <p:sp>
+        <p:nvSpPr>
+          <p:cNvPr id="3" name="Notes Placeholder 2"/>
+          <p:cNvSpPr>
+            <a:spLocks noGrp="1"/>
+          </p:cNvSpPr>
+          <p:nvPr>
+            <p:ph type="body" idx="1"/>
+          </p:nvPr>
+        </p:nvSpPr>
+        <p:spPr/>
+        <p:txBody>
+          <a:bodyPr/>
+          <a:lstStyle/>
+          <a:p>
+            <a:endParaRPr lang="ru-RU" dirty="0"/>
+          </a:p>
+        </p:txBody>
+      </p:sp>
+    </p:spTree>
+    <p:extLst>
+      <p:ext uri="{BB962C8B-B14F-4D97-AF65-F5344CB8AC3E}">
+        <p14:creationId xmlns:p14="http://schemas.microsoft.com/office/powerpoint/2010/main" val="3160359283"/>
+      </p:ext>
+    </p:extLst>
+  </p:cSld>
+  <p:clrMapOvr>
+    <a:masterClrMapping/>
+  </p:clrMapOvr>
+</p:notes>
+</file>
+
+<file path=ppt/notesSlides/notesSlide9.xml><?xml version="1.0" encoding="utf-8"?>
+<p:notes xmlns:a="http://schemas.openxmlformats.org/drawingml/2006/main" xmlns:r="http://schemas.openxmlformats.org/officeDocument/2006/relationships" xmlns:p="http://schemas.openxmlformats.org/presentationml/2006/main">
+  <p:cSld>
+    <p:spTree>
+      <p:nvGrpSpPr>
+        <p:cNvPr id="1" name=""/>
+        <p:cNvGrpSpPr/>
+        <p:nvPr/>
+      </p:nvGrpSpPr>
+      <p:grpSpPr>
+        <a:xfrm>
+          <a:off x="0" y="0"/>
+          <a:ext cx="0" cy="0"/>
+          <a:chOff x="0" y="0"/>
+          <a:chExt cx="0" cy="0"/>
+        </a:xfrm>
+      </p:grpSpPr>
+      <p:sp>
+        <p:nvSpPr>
+          <p:cNvPr id="2" name="Slide Image Placeholder 1"/>
+          <p:cNvSpPr>
+            <a:spLocks noGrp="1" noRot="1" noChangeAspect="1"/>
+          </p:cNvSpPr>
+          <p:nvPr>
+            <p:ph type="sldImg"/>
+          </p:nvPr>
+        </p:nvSpPr>
+        <p:spPr/>
+      </p:sp>
+      <p:sp>
+        <p:nvSpPr>
+          <p:cNvPr id="3" name="Notes Placeholder 2"/>
+          <p:cNvSpPr>
+            <a:spLocks noGrp="1"/>
+          </p:cNvSpPr>
+          <p:nvPr>
+            <p:ph type="body" idx="1"/>
+          </p:nvPr>
+        </p:nvSpPr>
+        <p:spPr/>
+        <p:txBody>
+          <a:bodyPr/>
+          <a:lstStyle/>
+          <a:p>
+            <a:endParaRPr lang="ru-RU" dirty="0"/>
+          </a:p>
+        </p:txBody>
+      </p:sp>
+    </p:spTree>
+    <p:extLst>
+      <p:ext uri="{BB962C8B-B14F-4D97-AF65-F5344CB8AC3E}">
+        <p14:creationId xmlns:p14="http://schemas.microsoft.com/office/powerpoint/2010/main" val="2987268854"/>
       </p:ext>
     </p:extLst>
   </p:cSld>
@@ -3844,9 +4549,6 @@
           <a:p>
             <a:r>
               <a:rPr lang="en-US" b="1" dirty="0" smtClean="0">
-                <a:solidFill>
-                  <a:srgbClr val="65FF00"/>
-                </a:solidFill>
                 <a:latin typeface="Arial" panose="020B0604020202020204" pitchFamily="34" charset="0"/>
                 <a:cs typeface="Arial" panose="020B0604020202020204" pitchFamily="34" charset="0"/>
               </a:rPr>
@@ -3854,73 +4556,24 @@
             </a:r>
             <a:br>
               <a:rPr lang="en-US" b="1" dirty="0" smtClean="0">
-                <a:solidFill>
-                  <a:srgbClr val="65FF00"/>
-                </a:solidFill>
                 <a:latin typeface="Arial" panose="020B0604020202020204" pitchFamily="34" charset="0"/>
                 <a:cs typeface="Arial" panose="020B0604020202020204" pitchFamily="34" charset="0"/>
               </a:rPr>
             </a:br>
             <a:r>
               <a:rPr lang="en-US" b="1" dirty="0" smtClean="0">
-                <a:solidFill>
-                  <a:srgbClr val="65FF00"/>
-                </a:solidFill>
                 <a:latin typeface="Arial" panose="020B0604020202020204" pitchFamily="34" charset="0"/>
                 <a:cs typeface="Arial" panose="020B0604020202020204" pitchFamily="34" charset="0"/>
               </a:rPr>
               <a:t>Patterns</a:t>
             </a:r>
             <a:endParaRPr lang="ru-RU" b="1" dirty="0">
-              <a:solidFill>
-                <a:srgbClr val="65FF00"/>
-              </a:solidFill>
               <a:latin typeface="Arial" panose="020B0604020202020204" pitchFamily="34" charset="0"/>
               <a:cs typeface="Arial" panose="020B0604020202020204" pitchFamily="34" charset="0"/>
             </a:endParaRPr>
           </a:p>
         </p:txBody>
       </p:sp>
-      <p:pic>
-        <p:nvPicPr>
-          <p:cNvPr id="12" name="Picture 11"/>
-          <p:cNvPicPr>
-            <a:picLocks noChangeAspect="1"/>
-          </p:cNvPicPr>
-          <p:nvPr/>
-        </p:nvPicPr>
-        <p:blipFill>
-          <a:blip r:embed="rId5" cstate="print">
-            <a:extLst>
-              <a:ext uri="{28A0092B-C50C-407E-A947-70E740481C1C}">
-                <a14:useLocalDpi xmlns:a14="http://schemas.microsoft.com/office/drawing/2010/main" val="0"/>
-              </a:ext>
-            </a:extLst>
-          </a:blip>
-          <a:stretch>
-            <a:fillRect/>
-          </a:stretch>
-        </p:blipFill>
-        <p:spPr>
-          <a:xfrm>
-            <a:off x="0" y="113104"/>
-            <a:ext cx="1449604" cy="1449604"/>
-          </a:xfrm>
-          <a:prstGeom prst="ellipse">
-            <a:avLst/>
-          </a:prstGeom>
-          <a:ln w="63500" cap="rnd">
-            <a:noFill/>
-          </a:ln>
-          <a:effectLst>
-            <a:outerShdw blurRad="381000" dist="292100" dir="5400000" sx="-80000" sy="-18000" rotWithShape="0">
-              <a:srgbClr val="000000">
-                <a:alpha val="22000"/>
-              </a:srgbClr>
-            </a:outerShdw>
-          </a:effectLst>
-        </p:spPr>
-      </p:pic>
       <p:sp>
         <p:nvSpPr>
           <p:cNvPr id="22" name="Title 1">
@@ -4224,7 +4877,7 @@
           <p:nvPr/>
         </p:nvPicPr>
         <p:blipFill>
-          <a:blip r:embed="rId6" cstate="print">
+          <a:blip r:embed="rId5" cstate="print">
             <a:extLst>
               <a:ext uri="{28A0092B-C50C-407E-A947-70E740481C1C}">
                 <a14:useLocalDpi xmlns:a14="http://schemas.microsoft.com/office/drawing/2010/main" val="0"/>
@@ -4832,7 +5485,7 @@
           <p:nvPr/>
         </p:nvPicPr>
         <p:blipFill>
-          <a:blip r:embed="rId7" cstate="print">
+          <a:blip r:embed="rId6" cstate="print">
             <a:extLst>
               <a:ext uri="{28A0092B-C50C-407E-A947-70E740481C1C}">
                 <a14:useLocalDpi xmlns:a14="http://schemas.microsoft.com/office/drawing/2010/main" val="0"/>
@@ -4886,7 +5539,7 @@
           <p:nvPr/>
         </p:nvPicPr>
         <p:blipFill>
-          <a:blip r:embed="rId8" cstate="print">
+          <a:blip r:embed="rId7" cstate="print">
             <a:extLst>
               <a:ext uri="{28A0092B-C50C-407E-A947-70E740481C1C}">
                 <a14:useLocalDpi xmlns:a14="http://schemas.microsoft.com/office/drawing/2010/main" val="0"/>
@@ -5022,7 +5675,7 @@
         </p:nvGrpSpPr>
         <p:grpSpPr>
           <a:xfrm>
-            <a:off x="10079991" y="1355619"/>
+            <a:off x="10267453" y="1346299"/>
             <a:ext cx="720000" cy="720000"/>
             <a:chOff x="10079991" y="1355619"/>
             <a:chExt cx="720000" cy="720000"/>
@@ -5043,11 +5696,11 @@
               <a:avLst/>
             </a:prstGeom>
             <a:solidFill>
-              <a:srgbClr val="65FF00"/>
+              <a:schemeClr val="bg1"/>
             </a:solidFill>
             <a:ln>
               <a:solidFill>
-                <a:srgbClr val="65FF00"/>
+                <a:schemeClr val="tx1"/>
               </a:solidFill>
             </a:ln>
           </p:spPr>
@@ -5090,12 +5743,20 @@
           </p:nvSpPr>
           <p:spPr>
             <a:xfrm rot="5400000">
-              <a:off x="10307661" y="1535619"/>
+              <a:off x="10321446" y="1526299"/>
               <a:ext cx="360000" cy="360000"/>
             </a:xfrm>
             <a:prstGeom prst="triangle">
               <a:avLst/>
             </a:prstGeom>
+            <a:solidFill>
+              <a:schemeClr val="tx1"/>
+            </a:solidFill>
+            <a:ln>
+              <a:solidFill>
+                <a:schemeClr val="tx1"/>
+              </a:solidFill>
+            </a:ln>
           </p:spPr>
           <p:style>
             <a:lnRef idx="2">
@@ -5121,6 +5782,65 @@
           </p:txBody>
         </p:sp>
       </p:grpSp>
+      <p:pic>
+        <p:nvPicPr>
+          <p:cNvPr id="6" name="Picture 5"/>
+          <p:cNvPicPr>
+            <a:picLocks noChangeAspect="1"/>
+          </p:cNvPicPr>
+          <p:nvPr/>
+        </p:nvPicPr>
+        <p:blipFill>
+          <a:blip r:embed="rId8" cstate="print">
+            <a:extLst>
+              <a:ext uri="{28A0092B-C50C-407E-A947-70E740481C1C}">
+                <a14:useLocalDpi xmlns:a14="http://schemas.microsoft.com/office/drawing/2010/main" val="0"/>
+              </a:ext>
+            </a:extLst>
+          </a:blip>
+          <a:stretch>
+            <a:fillRect/>
+          </a:stretch>
+        </p:blipFill>
+        <p:spPr>
+          <a:xfrm>
+            <a:off x="83678" y="1035939"/>
+            <a:ext cx="1425214" cy="356304"/>
+          </a:xfrm>
+          <a:prstGeom prst="rect">
+            <a:avLst/>
+          </a:prstGeom>
+        </p:spPr>
+      </p:pic>
+      <p:pic>
+        <p:nvPicPr>
+          <p:cNvPr id="26" name="Picture 25"/>
+          <p:cNvPicPr>
+            <a:picLocks noChangeAspect="1"/>
+          </p:cNvPicPr>
+          <p:nvPr/>
+        </p:nvPicPr>
+        <p:blipFill rotWithShape="1">
+          <a:blip r:embed="rId9" cstate="print">
+            <a:extLst>
+              <a:ext uri="{28A0092B-C50C-407E-A947-70E740481C1C}">
+                <a14:useLocalDpi xmlns:a14="http://schemas.microsoft.com/office/drawing/2010/main" val="0"/>
+              </a:ext>
+            </a:extLst>
+          </a:blip>
+          <a:srcRect l="20401" t="25502" r="20401" b="25502"/>
+          <a:stretch/>
+        </p:blipFill>
+        <p:spPr>
+          <a:xfrm>
+            <a:off x="227786" y="59853"/>
+            <a:ext cx="1136998" cy="941010"/>
+          </a:xfrm>
+          <a:prstGeom prst="rect">
+            <a:avLst/>
+          </a:prstGeom>
+        </p:spPr>
+      </p:pic>
     </p:spTree>
     <p:extLst>
       <p:ext uri="{BB962C8B-B14F-4D97-AF65-F5344CB8AC3E}">
@@ -5131,12 +5851,12 @@
   <p:clrMapOvr>
     <a:masterClrMapping/>
   </p:clrMapOvr>
-  <mc:AlternateContent xmlns:mc="http://schemas.openxmlformats.org/markup-compatibility/2006" xmlns:p14="http://schemas.microsoft.com/office/powerpoint/2010/main">
-    <mc:Choice Requires="p14">
-      <p:transition p14:dur="10" advClick="0"/>
+  <mc:AlternateContent xmlns:mc="http://schemas.openxmlformats.org/markup-compatibility/2006">
+    <mc:Choice xmlns:p14="http://schemas.microsoft.com/office/powerpoint/2010/main" Requires="p14">
+      <p:transition p14:dur="10"/>
     </mc:Choice>
-    <mc:Fallback xmlns="">
-      <p:transition advClick="0"/>
+    <mc:Fallback>
+      <p:transition/>
     </mc:Fallback>
   </mc:AlternateContent>
   <p:timing>
@@ -5145,22 +5865,12 @@
         <p:cTn id="1" dur="indefinite" restart="never" nodeType="tmRoot">
           <p:childTnLst>
             <p:seq concurrent="1" nextAc="seek">
-              <p:cTn id="2" restart="whenNotActive" fill="hold" evtFilter="cancelBubble" nodeType="interactiveSeq">
-                <p:stCondLst>
-                  <p:cond evt="onClick" delay="0">
-                    <p:tgtEl>
-                      <p:spTgt spid="18"/>
-                    </p:tgtEl>
-                  </p:cond>
-                </p:stCondLst>
-                <p:endSync evt="end" delay="0">
-                  <p:rtn val="all"/>
-                </p:endSync>
+              <p:cTn id="2" dur="indefinite" nodeType="mainSeq">
                 <p:childTnLst>
                   <p:par>
                     <p:cTn id="3" fill="hold">
                       <p:stCondLst>
-                        <p:cond delay="0"/>
+                        <p:cond delay="indefinite"/>
                       </p:stCondLst>
                       <p:childTnLst>
                         <p:par>
@@ -5201,6 +5911,252 @@
                       </p:childTnLst>
                     </p:cTn>
                   </p:par>
+                  <p:par>
+                    <p:cTn id="8" fill="hold">
+                      <p:stCondLst>
+                        <p:cond delay="indefinite"/>
+                      </p:stCondLst>
+                      <p:childTnLst>
+                        <p:par>
+                          <p:cTn id="9" fill="hold">
+                            <p:stCondLst>
+                              <p:cond delay="0"/>
+                            </p:stCondLst>
+                            <p:childTnLst>
+                              <p:par>
+                                <p:cTn id="10" presetID="26" presetClass="emph" presetSubtype="0" fill="hold" nodeType="clickEffect">
+                                  <p:stCondLst>
+                                    <p:cond delay="0"/>
+                                  </p:stCondLst>
+                                  <p:childTnLst>
+                                    <p:animEffect transition="out" filter="fade">
+                                      <p:cBhvr>
+                                        <p:cTn id="11" dur="500" tmFilter="0, 0; .2, .5; .8, .5; 1, 0"/>
+                                        <p:tgtEl>
+                                          <p:spTgt spid="15"/>
+                                        </p:tgtEl>
+                                      </p:cBhvr>
+                                    </p:animEffect>
+                                    <p:animScale>
+                                      <p:cBhvr>
+                                        <p:cTn id="12" dur="250" autoRev="1" fill="hold"/>
+                                        <p:tgtEl>
+                                          <p:spTgt spid="15"/>
+                                        </p:tgtEl>
+                                      </p:cBhvr>
+                                      <p:by x="105000" y="105000"/>
+                                    </p:animScale>
+                                  </p:childTnLst>
+                                </p:cTn>
+                              </p:par>
+                            </p:childTnLst>
+                          </p:cTn>
+                        </p:par>
+                      </p:childTnLst>
+                    </p:cTn>
+                  </p:par>
+                  <p:par>
+                    <p:cTn id="13" fill="hold">
+                      <p:stCondLst>
+                        <p:cond delay="indefinite"/>
+                      </p:stCondLst>
+                      <p:childTnLst>
+                        <p:par>
+                          <p:cTn id="14" fill="hold">
+                            <p:stCondLst>
+                              <p:cond delay="0"/>
+                            </p:stCondLst>
+                            <p:childTnLst>
+                              <p:par>
+                                <p:cTn id="15" presetID="26" presetClass="emph" presetSubtype="0" fill="hold" nodeType="clickEffect">
+                                  <p:stCondLst>
+                                    <p:cond delay="0"/>
+                                  </p:stCondLst>
+                                  <p:childTnLst>
+                                    <p:animEffect transition="out" filter="fade">
+                                      <p:cBhvr>
+                                        <p:cTn id="16" dur="500" tmFilter="0, 0; .2, .5; .8, .5; 1, 0"/>
+                                        <p:tgtEl>
+                                          <p:spTgt spid="27"/>
+                                        </p:tgtEl>
+                                      </p:cBhvr>
+                                    </p:animEffect>
+                                    <p:animScale>
+                                      <p:cBhvr>
+                                        <p:cTn id="17" dur="250" autoRev="1" fill="hold"/>
+                                        <p:tgtEl>
+                                          <p:spTgt spid="27"/>
+                                        </p:tgtEl>
+                                      </p:cBhvr>
+                                      <p:by x="105000" y="105000"/>
+                                    </p:animScale>
+                                  </p:childTnLst>
+                                </p:cTn>
+                              </p:par>
+                            </p:childTnLst>
+                          </p:cTn>
+                        </p:par>
+                      </p:childTnLst>
+                    </p:cTn>
+                  </p:par>
+                </p:childTnLst>
+              </p:cTn>
+              <p:prevCondLst>
+                <p:cond evt="onPrev" delay="0">
+                  <p:tgtEl>
+                    <p:sldTgt/>
+                  </p:tgtEl>
+                </p:cond>
+              </p:prevCondLst>
+              <p:nextCondLst>
+                <p:cond evt="onNext" delay="0">
+                  <p:tgtEl>
+                    <p:sldTgt/>
+                  </p:tgtEl>
+                </p:cond>
+              </p:nextCondLst>
+            </p:seq>
+            <p:seq concurrent="1" nextAc="seek">
+              <p:cTn id="18" restart="whenNotActive" fill="hold" evtFilter="cancelBubble" nodeType="interactiveSeq">
+                <p:stCondLst>
+                  <p:cond evt="onClick" delay="0">
+                    <p:tgtEl>
+                      <p:spTgt spid="18"/>
+                    </p:tgtEl>
+                  </p:cond>
+                </p:stCondLst>
+                <p:endSync evt="end" delay="0">
+                  <p:rtn val="all"/>
+                </p:endSync>
+                <p:childTnLst>
+                  <p:par>
+                    <p:cTn id="19" fill="hold">
+                      <p:stCondLst>
+                        <p:cond delay="0"/>
+                      </p:stCondLst>
+                      <p:childTnLst>
+                        <p:par>
+                          <p:cTn id="20" fill="hold">
+                            <p:stCondLst>
+                              <p:cond delay="0"/>
+                            </p:stCondLst>
+                            <p:childTnLst>
+                              <p:par>
+                                <p:cTn id="21" presetID="26" presetClass="emph" presetSubtype="0" fill="hold" nodeType="clickEffect">
+                                  <p:stCondLst>
+                                    <p:cond delay="0"/>
+                                  </p:stCondLst>
+                                  <p:childTnLst>
+                                    <p:animEffect transition="out" filter="fade">
+                                      <p:cBhvr>
+                                        <p:cTn id="22" dur="500" tmFilter="0, 0; .2, .5; .8, .5; 1, 0"/>
+                                        <p:tgtEl>
+                                          <p:spTgt spid="18"/>
+                                        </p:tgtEl>
+                                      </p:cBhvr>
+                                    </p:animEffect>
+                                    <p:animScale>
+                                      <p:cBhvr>
+                                        <p:cTn id="23" dur="250" autoRev="1" fill="hold"/>
+                                        <p:tgtEl>
+                                          <p:spTgt spid="18"/>
+                                        </p:tgtEl>
+                                      </p:cBhvr>
+                                      <p:by x="105000" y="105000"/>
+                                    </p:animScale>
+                                  </p:childTnLst>
+                                </p:cTn>
+                              </p:par>
+                              <p:par>
+                                <p:cTn id="24" presetID="32" presetClass="emph" presetSubtype="0" fill="hold" nodeType="withEffect">
+                                  <p:stCondLst>
+                                    <p:cond delay="0"/>
+                                  </p:stCondLst>
+                                  <p:childTnLst>
+                                    <p:animRot by="120000">
+                                      <p:cBhvr>
+                                        <p:cTn id="25" dur="100" fill="hold">
+                                          <p:stCondLst>
+                                            <p:cond delay="0"/>
+                                          </p:stCondLst>
+                                        </p:cTn>
+                                        <p:tgtEl>
+                                          <p:spTgt spid="26"/>
+                                        </p:tgtEl>
+                                        <p:attrNameLst>
+                                          <p:attrName>r</p:attrName>
+                                        </p:attrNameLst>
+                                      </p:cBhvr>
+                                    </p:animRot>
+                                    <p:animRot by="-240000">
+                                      <p:cBhvr>
+                                        <p:cTn id="26" dur="200" fill="hold">
+                                          <p:stCondLst>
+                                            <p:cond delay="200"/>
+                                          </p:stCondLst>
+                                        </p:cTn>
+                                        <p:tgtEl>
+                                          <p:spTgt spid="26"/>
+                                        </p:tgtEl>
+                                        <p:attrNameLst>
+                                          <p:attrName>r</p:attrName>
+                                        </p:attrNameLst>
+                                      </p:cBhvr>
+                                    </p:animRot>
+                                    <p:animRot by="240000">
+                                      <p:cBhvr>
+                                        <p:cTn id="27" dur="200" fill="hold">
+                                          <p:stCondLst>
+                                            <p:cond delay="400"/>
+                                          </p:stCondLst>
+                                        </p:cTn>
+                                        <p:tgtEl>
+                                          <p:spTgt spid="26"/>
+                                        </p:tgtEl>
+                                        <p:attrNameLst>
+                                          <p:attrName>r</p:attrName>
+                                        </p:attrNameLst>
+                                      </p:cBhvr>
+                                    </p:animRot>
+                                    <p:animRot by="-240000">
+                                      <p:cBhvr>
+                                        <p:cTn id="28" dur="200" fill="hold">
+                                          <p:stCondLst>
+                                            <p:cond delay="600"/>
+                                          </p:stCondLst>
+                                        </p:cTn>
+                                        <p:tgtEl>
+                                          <p:spTgt spid="26"/>
+                                        </p:tgtEl>
+                                        <p:attrNameLst>
+                                          <p:attrName>r</p:attrName>
+                                        </p:attrNameLst>
+                                      </p:cBhvr>
+                                    </p:animRot>
+                                    <p:animRot by="120000">
+                                      <p:cBhvr>
+                                        <p:cTn id="29" dur="200" fill="hold">
+                                          <p:stCondLst>
+                                            <p:cond delay="800"/>
+                                          </p:stCondLst>
+                                        </p:cTn>
+                                        <p:tgtEl>
+                                          <p:spTgt spid="26"/>
+                                        </p:tgtEl>
+                                        <p:attrNameLst>
+                                          <p:attrName>r</p:attrName>
+                                        </p:attrNameLst>
+                                      </p:cBhvr>
+                                    </p:animRot>
+                                  </p:childTnLst>
+                                </p:cTn>
+                              </p:par>
+                            </p:childTnLst>
+                          </p:cTn>
+                        </p:par>
+                      </p:childTnLst>
+                    </p:cTn>
+                  </p:par>
                 </p:childTnLst>
               </p:cTn>
               <p:nextCondLst>
@@ -5212,7 +6168,7 @@
               </p:nextCondLst>
             </p:seq>
             <p:seq concurrent="1" nextAc="seek">
-              <p:cTn id="8" restart="whenNotActive" fill="hold" evtFilter="cancelBubble" nodeType="interactiveSeq">
+              <p:cTn id="30" restart="whenNotActive" fill="hold" evtFilter="cancelBubble" nodeType="interactiveSeq">
                 <p:stCondLst>
                   <p:cond evt="onClick" delay="0">
                     <p:tgtEl>
@@ -5225,26 +6181,26 @@
                 </p:endSync>
                 <p:childTnLst>
                   <p:par>
-                    <p:cTn id="9" fill="hold">
+                    <p:cTn id="31" fill="hold">
                       <p:stCondLst>
                         <p:cond delay="0"/>
                       </p:stCondLst>
                       <p:childTnLst>
                         <p:par>
-                          <p:cTn id="10" fill="hold">
+                          <p:cTn id="32" fill="hold">
                             <p:stCondLst>
                               <p:cond delay="0"/>
                             </p:stCondLst>
                             <p:childTnLst>
                               <p:par>
-                                <p:cTn id="11" presetID="26" presetClass="emph" presetSubtype="0" fill="hold" nodeType="clickEffect">
+                                <p:cTn id="33" presetID="26" presetClass="emph" presetSubtype="0" fill="hold" nodeType="clickEffect">
                                   <p:stCondLst>
                                     <p:cond delay="0"/>
                                   </p:stCondLst>
                                   <p:childTnLst>
                                     <p:animEffect transition="out" filter="fade">
                                       <p:cBhvr>
-                                        <p:cTn id="12" dur="500" tmFilter="0, 0; .2, .5; .8, .5; 1, 0"/>
+                                        <p:cTn id="34" dur="500" tmFilter="0, 0; .2, .5; .8, .5; 1, 0"/>
                                         <p:tgtEl>
                                           <p:spTgt spid="15"/>
                                         </p:tgtEl>
@@ -5252,13 +6208,97 @@
                                     </p:animEffect>
                                     <p:animScale>
                                       <p:cBhvr>
-                                        <p:cTn id="13" dur="250" autoRev="1" fill="hold"/>
+                                        <p:cTn id="35" dur="250" autoRev="1" fill="hold"/>
                                         <p:tgtEl>
                                           <p:spTgt spid="15"/>
                                         </p:tgtEl>
                                       </p:cBhvr>
                                       <p:by x="105000" y="105000"/>
                                     </p:animScale>
+                                  </p:childTnLst>
+                                </p:cTn>
+                              </p:par>
+                              <p:par>
+                                <p:cTn id="36" presetID="32" presetClass="emph" presetSubtype="0" fill="hold" nodeType="withEffect">
+                                  <p:stCondLst>
+                                    <p:cond delay="0"/>
+                                  </p:stCondLst>
+                                  <p:childTnLst>
+                                    <p:animRot by="120000">
+                                      <p:cBhvr>
+                                        <p:cTn id="37" dur="100" fill="hold">
+                                          <p:stCondLst>
+                                            <p:cond delay="0"/>
+                                          </p:stCondLst>
+                                        </p:cTn>
+                                        <p:tgtEl>
+                                          <p:spTgt spid="26"/>
+                                        </p:tgtEl>
+                                        <p:attrNameLst>
+                                          <p:attrName>r</p:attrName>
+                                        </p:attrNameLst>
+                                      </p:cBhvr>
+                                    </p:animRot>
+                                    <p:animRot by="-240000">
+                                      <p:cBhvr>
+                                        <p:cTn id="38" dur="200" fill="hold">
+                                          <p:stCondLst>
+                                            <p:cond delay="200"/>
+                                          </p:stCondLst>
+                                        </p:cTn>
+                                        <p:tgtEl>
+                                          <p:spTgt spid="26"/>
+                                        </p:tgtEl>
+                                        <p:attrNameLst>
+                                          <p:attrName>r</p:attrName>
+                                        </p:attrNameLst>
+                                      </p:cBhvr>
+                                    </p:animRot>
+                                    <p:animRot by="240000">
+                                      <p:cBhvr>
+                                        <p:cTn id="39" dur="200" fill="hold">
+                                          <p:stCondLst>
+                                            <p:cond delay="400"/>
+                                          </p:stCondLst>
+                                        </p:cTn>
+                                        <p:tgtEl>
+                                          <p:spTgt spid="26"/>
+                                        </p:tgtEl>
+                                        <p:attrNameLst>
+                                          <p:attrName>r</p:attrName>
+                                        </p:attrNameLst>
+                                      </p:cBhvr>
+                                    </p:animRot>
+                                    <p:animRot by="-240000">
+                                      <p:cBhvr>
+                                        <p:cTn id="40" dur="200" fill="hold">
+                                          <p:stCondLst>
+                                            <p:cond delay="600"/>
+                                          </p:stCondLst>
+                                        </p:cTn>
+                                        <p:tgtEl>
+                                          <p:spTgt spid="26"/>
+                                        </p:tgtEl>
+                                        <p:attrNameLst>
+                                          <p:attrName>r</p:attrName>
+                                        </p:attrNameLst>
+                                      </p:cBhvr>
+                                    </p:animRot>
+                                    <p:animRot by="120000">
+                                      <p:cBhvr>
+                                        <p:cTn id="41" dur="200" fill="hold">
+                                          <p:stCondLst>
+                                            <p:cond delay="800"/>
+                                          </p:stCondLst>
+                                        </p:cTn>
+                                        <p:tgtEl>
+                                          <p:spTgt spid="26"/>
+                                        </p:tgtEl>
+                                        <p:attrNameLst>
+                                          <p:attrName>r</p:attrName>
+                                        </p:attrNameLst>
+                                      </p:cBhvr>
+                                    </p:animRot>
                                   </p:childTnLst>
                                 </p:cTn>
                               </p:par>
@@ -5279,7 +6319,7 @@
               </p:nextCondLst>
             </p:seq>
             <p:seq concurrent="1" nextAc="seek">
-              <p:cTn id="14" restart="whenNotActive" fill="hold" evtFilter="cancelBubble" nodeType="interactiveSeq">
+              <p:cTn id="42" restart="whenNotActive" fill="hold" evtFilter="cancelBubble" nodeType="interactiveSeq">
                 <p:stCondLst>
                   <p:cond evt="onClick" delay="0">
                     <p:tgtEl>
@@ -5292,26 +6332,26 @@
                 </p:endSync>
                 <p:childTnLst>
                   <p:par>
-                    <p:cTn id="15" fill="hold">
+                    <p:cTn id="43" fill="hold">
                       <p:stCondLst>
                         <p:cond delay="0"/>
                       </p:stCondLst>
                       <p:childTnLst>
                         <p:par>
-                          <p:cTn id="16" fill="hold">
+                          <p:cTn id="44" fill="hold">
                             <p:stCondLst>
                               <p:cond delay="0"/>
                             </p:stCondLst>
                             <p:childTnLst>
                               <p:par>
-                                <p:cTn id="17" presetID="26" presetClass="emph" presetSubtype="0" fill="hold" nodeType="clickEffect">
+                                <p:cTn id="45" presetID="26" presetClass="emph" presetSubtype="0" fill="hold" nodeType="clickEffect">
                                   <p:stCondLst>
                                     <p:cond delay="0"/>
                                   </p:stCondLst>
                                   <p:childTnLst>
                                     <p:animEffect transition="out" filter="fade">
                                       <p:cBhvr>
-                                        <p:cTn id="18" dur="500" tmFilter="0, 0; .2, .5; .8, .5; 1, 0"/>
+                                        <p:cTn id="46" dur="500" tmFilter="0, 0; .2, .5; .8, .5; 1, 0"/>
                                         <p:tgtEl>
                                           <p:spTgt spid="27"/>
                                         </p:tgtEl>
@@ -5319,13 +6359,97 @@
                                     </p:animEffect>
                                     <p:animScale>
                                       <p:cBhvr>
-                                        <p:cTn id="19" dur="250" autoRev="1" fill="hold"/>
+                                        <p:cTn id="47" dur="250" autoRev="1" fill="hold"/>
                                         <p:tgtEl>
                                           <p:spTgt spid="27"/>
                                         </p:tgtEl>
                                       </p:cBhvr>
                                       <p:by x="105000" y="105000"/>
                                     </p:animScale>
+                                  </p:childTnLst>
+                                </p:cTn>
+                              </p:par>
+                              <p:par>
+                                <p:cTn id="48" presetID="32" presetClass="emph" presetSubtype="0" fill="hold" nodeType="withEffect">
+                                  <p:stCondLst>
+                                    <p:cond delay="0"/>
+                                  </p:stCondLst>
+                                  <p:childTnLst>
+                                    <p:animRot by="120000">
+                                      <p:cBhvr>
+                                        <p:cTn id="49" dur="100" fill="hold">
+                                          <p:stCondLst>
+                                            <p:cond delay="0"/>
+                                          </p:stCondLst>
+                                        </p:cTn>
+                                        <p:tgtEl>
+                                          <p:spTgt spid="26"/>
+                                        </p:tgtEl>
+                                        <p:attrNameLst>
+                                          <p:attrName>r</p:attrName>
+                                        </p:attrNameLst>
+                                      </p:cBhvr>
+                                    </p:animRot>
+                                    <p:animRot by="-240000">
+                                      <p:cBhvr>
+                                        <p:cTn id="50" dur="200" fill="hold">
+                                          <p:stCondLst>
+                                            <p:cond delay="200"/>
+                                          </p:stCondLst>
+                                        </p:cTn>
+                                        <p:tgtEl>
+                                          <p:spTgt spid="26"/>
+                                        </p:tgtEl>
+                                        <p:attrNameLst>
+                                          <p:attrName>r</p:attrName>
+                                        </p:attrNameLst>
+                                      </p:cBhvr>
+                                    </p:animRot>
+                                    <p:animRot by="240000">
+                                      <p:cBhvr>
+                                        <p:cTn id="51" dur="200" fill="hold">
+                                          <p:stCondLst>
+                                            <p:cond delay="400"/>
+                                          </p:stCondLst>
+                                        </p:cTn>
+                                        <p:tgtEl>
+                                          <p:spTgt spid="26"/>
+                                        </p:tgtEl>
+                                        <p:attrNameLst>
+                                          <p:attrName>r</p:attrName>
+                                        </p:attrNameLst>
+                                      </p:cBhvr>
+                                    </p:animRot>
+                                    <p:animRot by="-240000">
+                                      <p:cBhvr>
+                                        <p:cTn id="52" dur="200" fill="hold">
+                                          <p:stCondLst>
+                                            <p:cond delay="600"/>
+                                          </p:stCondLst>
+                                        </p:cTn>
+                                        <p:tgtEl>
+                                          <p:spTgt spid="26"/>
+                                        </p:tgtEl>
+                                        <p:attrNameLst>
+                                          <p:attrName>r</p:attrName>
+                                        </p:attrNameLst>
+                                      </p:cBhvr>
+                                    </p:animRot>
+                                    <p:animRot by="120000">
+                                      <p:cBhvr>
+                                        <p:cTn id="53" dur="200" fill="hold">
+                                          <p:stCondLst>
+                                            <p:cond delay="800"/>
+                                          </p:stCondLst>
+                                        </p:cTn>
+                                        <p:tgtEl>
+                                          <p:spTgt spid="26"/>
+                                        </p:tgtEl>
+                                        <p:attrNameLst>
+                                          <p:attrName>r</p:attrName>
+                                        </p:attrNameLst>
+                                      </p:cBhvr>
+                                    </p:animRot>
                                   </p:childTnLst>
                                 </p:cTn>
                               </p:par>
@@ -5353,6 +6477,3330 @@
 </p:sld>
 </file>
 
+<file path=ppt/slides/slide10.xml><?xml version="1.0" encoding="utf-8"?>
+<p:sld xmlns:a="http://schemas.openxmlformats.org/drawingml/2006/main" xmlns:r="http://schemas.openxmlformats.org/officeDocument/2006/relationships" xmlns:p="http://schemas.openxmlformats.org/presentationml/2006/main">
+  <p:cSld>
+    <p:spTree>
+      <p:nvGrpSpPr>
+        <p:cNvPr id="1" name=""/>
+        <p:cNvGrpSpPr/>
+        <p:nvPr/>
+      </p:nvGrpSpPr>
+      <p:grpSpPr>
+        <a:xfrm>
+          <a:off x="0" y="0"/>
+          <a:ext cx="0" cy="0"/>
+          <a:chOff x="0" y="0"/>
+          <a:chExt cx="0" cy="0"/>
+        </a:xfrm>
+      </p:grpSpPr>
+      <p:sp>
+        <p:nvSpPr>
+          <p:cNvPr id="3" name="Date Placeholder 2"/>
+          <p:cNvSpPr>
+            <a:spLocks noGrp="1"/>
+          </p:cNvSpPr>
+          <p:nvPr>
+            <p:ph type="dt" sz="half" idx="10"/>
+          </p:nvPr>
+        </p:nvSpPr>
+        <p:spPr/>
+        <p:txBody>
+          <a:bodyPr/>
+          <a:lstStyle/>
+          <a:p>
+            <a:fld id="{AB18DE3F-9B93-4889-A323-6EC312FABF66}" type="datetime3">
+              <a:rPr lang="en-US" smtClean="0">
+                <a:solidFill>
+                  <a:schemeClr val="tx1"/>
+                </a:solidFill>
+              </a:rPr>
+              <a:t>23 February 2019</a:t>
+            </a:fld>
+            <a:endParaRPr lang="ru-RU">
+              <a:solidFill>
+                <a:schemeClr val="tx1"/>
+              </a:solidFill>
+            </a:endParaRPr>
+          </a:p>
+        </p:txBody>
+      </p:sp>
+      <p:sp>
+        <p:nvSpPr>
+          <p:cNvPr id="11" name="Google Shape;196;p27"/>
+          <p:cNvSpPr txBox="1">
+            <a:spLocks noGrp="1"/>
+          </p:cNvSpPr>
+          <p:nvPr>
+            <p:ph type="title"/>
+          </p:nvPr>
+        </p:nvSpPr>
+        <p:spPr>
+          <a:xfrm>
+            <a:off x="0" y="0"/>
+            <a:ext cx="10515600" cy="1325563"/>
+          </a:xfrm>
+        </p:spPr>
+        <p:txBody>
+          <a:bodyPr>
+            <a:normAutofit/>
+          </a:bodyPr>
+          <a:lstStyle/>
+          <a:p>
+            <a:pPr lvl="0"/>
+            <a:r>
+              <a:rPr lang="en-US" sz="5400" dirty="0" smtClean="0"/>
+              <a:t>Double checked locking</a:t>
+            </a:r>
+            <a:endParaRPr lang="en-US" sz="5400" dirty="0">
+              <a:latin typeface="+mn-lt"/>
+            </a:endParaRPr>
+          </a:p>
+        </p:txBody>
+      </p:sp>
+      <p:sp>
+        <p:nvSpPr>
+          <p:cNvPr id="20" name="TextBox 19"/>
+          <p:cNvSpPr txBox="1"/>
+          <p:nvPr/>
+        </p:nvSpPr>
+        <p:spPr>
+          <a:xfrm>
+            <a:off x="8354242" y="2179772"/>
+            <a:ext cx="1844835" cy="646331"/>
+          </a:xfrm>
+          <a:prstGeom prst="rect">
+            <a:avLst/>
+          </a:prstGeom>
+          <a:noFill/>
+        </p:spPr>
+        <p:txBody>
+          <a:bodyPr wrap="square" rtlCol="0">
+            <a:spAutoFit/>
+          </a:bodyPr>
+          <a:lstStyle/>
+          <a:p>
+            <a:pPr marL="571500" indent="-571500">
+              <a:buFont typeface="Arial" panose="020B0604020202020204" pitchFamily="34" charset="0"/>
+              <a:buChar char="•"/>
+            </a:pPr>
+            <a:r>
+              <a:rPr lang="en-US" sz="3600" b="1" dirty="0" smtClean="0"/>
+              <a:t>Lazy</a:t>
+            </a:r>
+            <a:endParaRPr lang="ru-RU" sz="3600" b="1" dirty="0"/>
+          </a:p>
+        </p:txBody>
+      </p:sp>
+      <p:sp>
+        <p:nvSpPr>
+          <p:cNvPr id="21" name="TextBox 20"/>
+          <p:cNvSpPr txBox="1"/>
+          <p:nvPr/>
+        </p:nvSpPr>
+        <p:spPr>
+          <a:xfrm>
+            <a:off x="8354242" y="3313321"/>
+            <a:ext cx="3159284" cy="646331"/>
+          </a:xfrm>
+          <a:prstGeom prst="rect">
+            <a:avLst/>
+          </a:prstGeom>
+          <a:noFill/>
+        </p:spPr>
+        <p:txBody>
+          <a:bodyPr wrap="square" rtlCol="0">
+            <a:spAutoFit/>
+          </a:bodyPr>
+          <a:lstStyle/>
+          <a:p>
+            <a:pPr marL="571500" indent="-571500">
+              <a:buFont typeface="Arial" panose="020B0604020202020204" pitchFamily="34" charset="0"/>
+              <a:buChar char="•"/>
+            </a:pPr>
+            <a:r>
+              <a:rPr lang="en-US" sz="3600" b="1" dirty="0" smtClean="0"/>
+              <a:t>Thread safe</a:t>
+            </a:r>
+            <a:endParaRPr lang="ru-RU" sz="3600" b="1" dirty="0"/>
+          </a:p>
+        </p:txBody>
+      </p:sp>
+      <p:sp>
+        <p:nvSpPr>
+          <p:cNvPr id="14" name="TextBox 13"/>
+          <p:cNvSpPr txBox="1"/>
+          <p:nvPr/>
+        </p:nvSpPr>
+        <p:spPr>
+          <a:xfrm>
+            <a:off x="8354242" y="4446870"/>
+            <a:ext cx="3159284" cy="646331"/>
+          </a:xfrm>
+          <a:prstGeom prst="rect">
+            <a:avLst/>
+          </a:prstGeom>
+          <a:noFill/>
+        </p:spPr>
+        <p:txBody>
+          <a:bodyPr wrap="square" rtlCol="0">
+            <a:spAutoFit/>
+          </a:bodyPr>
+          <a:lstStyle/>
+          <a:p>
+            <a:pPr marL="571500" indent="-571500">
+              <a:buFont typeface="Arial" panose="020B0604020202020204" pitchFamily="34" charset="0"/>
+              <a:buChar char="•"/>
+            </a:pPr>
+            <a:r>
+              <a:rPr lang="en-US" sz="3600" b="1" dirty="0" smtClean="0"/>
+              <a:t>Fast</a:t>
+            </a:r>
+            <a:endParaRPr lang="ru-RU" sz="3600" b="1" dirty="0"/>
+          </a:p>
+        </p:txBody>
+      </p:sp>
+      <p:pic>
+        <p:nvPicPr>
+          <p:cNvPr id="2" name="Picture 1"/>
+          <p:cNvPicPr>
+            <a:picLocks noChangeAspect="1"/>
+          </p:cNvPicPr>
+          <p:nvPr/>
+        </p:nvPicPr>
+        <p:blipFill>
+          <a:blip r:embed="rId3"/>
+          <a:stretch>
+            <a:fillRect/>
+          </a:stretch>
+        </p:blipFill>
+        <p:spPr>
+          <a:xfrm>
+            <a:off x="0" y="1325563"/>
+            <a:ext cx="8074716" cy="4724468"/>
+          </a:xfrm>
+          <a:prstGeom prst="rect">
+            <a:avLst/>
+          </a:prstGeom>
+          <a:ln>
+            <a:solidFill>
+              <a:schemeClr val="tx1"/>
+            </a:solidFill>
+          </a:ln>
+        </p:spPr>
+      </p:pic>
+      <p:pic>
+        <p:nvPicPr>
+          <p:cNvPr id="16" name="Picture 15"/>
+          <p:cNvPicPr>
+            <a:picLocks noChangeAspect="1"/>
+          </p:cNvPicPr>
+          <p:nvPr/>
+        </p:nvPicPr>
+        <p:blipFill rotWithShape="1">
+          <a:blip r:embed="rId4" cstate="print">
+            <a:extLst>
+              <a:ext uri="{28A0092B-C50C-407E-A947-70E740481C1C}">
+                <a14:useLocalDpi xmlns:a14="http://schemas.microsoft.com/office/drawing/2010/main" val="0"/>
+              </a:ext>
+            </a:extLst>
+          </a:blip>
+          <a:srcRect l="20401" t="25502" r="20401" b="25502"/>
+          <a:stretch/>
+        </p:blipFill>
+        <p:spPr>
+          <a:xfrm>
+            <a:off x="11055002" y="0"/>
+            <a:ext cx="1136998" cy="941010"/>
+          </a:xfrm>
+          <a:prstGeom prst="rect">
+            <a:avLst/>
+          </a:prstGeom>
+        </p:spPr>
+      </p:pic>
+      <p:sp>
+        <p:nvSpPr>
+          <p:cNvPr id="17" name="Slide Number Placeholder 54"/>
+          <p:cNvSpPr>
+            <a:spLocks noGrp="1"/>
+          </p:cNvSpPr>
+          <p:nvPr>
+            <p:ph type="sldNum" sz="quarter" idx="12"/>
+          </p:nvPr>
+        </p:nvSpPr>
+        <p:spPr>
+          <a:xfrm>
+            <a:off x="8610600" y="6356350"/>
+            <a:ext cx="2743200" cy="365125"/>
+          </a:xfrm>
+        </p:spPr>
+        <p:txBody>
+          <a:bodyPr/>
+          <a:lstStyle/>
+          <a:p>
+            <a:r>
+              <a:rPr lang="en-US" dirty="0" smtClean="0">
+                <a:solidFill>
+                  <a:schemeClr val="tx1"/>
+                </a:solidFill>
+              </a:rPr>
+              <a:t>9 </a:t>
+            </a:r>
+            <a:r>
+              <a:rPr lang="en-US" dirty="0" smtClean="0">
+                <a:solidFill>
+                  <a:schemeClr val="tx1"/>
+                </a:solidFill>
+              </a:rPr>
+              <a:t>out </a:t>
+            </a:r>
+            <a:r>
+              <a:rPr lang="en-US" dirty="0" smtClean="0">
+                <a:solidFill>
+                  <a:schemeClr val="tx1"/>
+                </a:solidFill>
+              </a:rPr>
+              <a:t>of 14</a:t>
+            </a:r>
+            <a:endParaRPr lang="en-US" dirty="0" smtClean="0">
+              <a:solidFill>
+                <a:schemeClr val="tx1"/>
+              </a:solidFill>
+            </a:endParaRPr>
+          </a:p>
+        </p:txBody>
+      </p:sp>
+    </p:spTree>
+    <p:extLst>
+      <p:ext uri="{BB962C8B-B14F-4D97-AF65-F5344CB8AC3E}">
+        <p14:creationId xmlns:p14="http://schemas.microsoft.com/office/powerpoint/2010/main" val="402658652"/>
+      </p:ext>
+    </p:extLst>
+  </p:cSld>
+  <p:clrMapOvr>
+    <a:masterClrMapping/>
+  </p:clrMapOvr>
+  <mc:AlternateContent xmlns:mc="http://schemas.openxmlformats.org/markup-compatibility/2006">
+    <mc:Choice xmlns:p14="http://schemas.microsoft.com/office/powerpoint/2010/main" Requires="p14">
+      <p:transition p14:dur="10"/>
+    </mc:Choice>
+    <mc:Fallback>
+      <p:transition/>
+    </mc:Fallback>
+  </mc:AlternateContent>
+  <p:timing>
+    <p:tnLst>
+      <p:par>
+        <p:cTn id="1" dur="indefinite" restart="never" nodeType="tmRoot">
+          <p:childTnLst>
+            <p:seq concurrent="1" nextAc="seek">
+              <p:cTn id="2" dur="indefinite" nodeType="mainSeq">
+                <p:childTnLst>
+                  <p:par>
+                    <p:cTn id="3" fill="hold">
+                      <p:stCondLst>
+                        <p:cond delay="indefinite"/>
+                      </p:stCondLst>
+                      <p:childTnLst>
+                        <p:par>
+                          <p:cTn id="4" fill="hold">
+                            <p:stCondLst>
+                              <p:cond delay="0"/>
+                            </p:stCondLst>
+                            <p:childTnLst>
+                              <p:par>
+                                <p:cTn id="5" presetID="2" presetClass="entr" presetSubtype="8" fill="hold" nodeType="clickEffect">
+                                  <p:stCondLst>
+                                    <p:cond delay="0"/>
+                                  </p:stCondLst>
+                                  <p:childTnLst>
+                                    <p:set>
+                                      <p:cBhvr>
+                                        <p:cTn id="6" dur="1" fill="hold">
+                                          <p:stCondLst>
+                                            <p:cond delay="0"/>
+                                          </p:stCondLst>
+                                        </p:cTn>
+                                        <p:tgtEl>
+                                          <p:spTgt spid="2"/>
+                                        </p:tgtEl>
+                                        <p:attrNameLst>
+                                          <p:attrName>style.visibility</p:attrName>
+                                        </p:attrNameLst>
+                                      </p:cBhvr>
+                                      <p:to>
+                                        <p:strVal val="visible"/>
+                                      </p:to>
+                                    </p:set>
+                                    <p:anim calcmode="lin" valueType="num">
+                                      <p:cBhvr additive="base">
+                                        <p:cTn id="7" dur="500" fill="hold"/>
+                                        <p:tgtEl>
+                                          <p:spTgt spid="2"/>
+                                        </p:tgtEl>
+                                        <p:attrNameLst>
+                                          <p:attrName>ppt_x</p:attrName>
+                                        </p:attrNameLst>
+                                      </p:cBhvr>
+                                      <p:tavLst>
+                                        <p:tav tm="0">
+                                          <p:val>
+                                            <p:strVal val="0-#ppt_w/2"/>
+                                          </p:val>
+                                        </p:tav>
+                                        <p:tav tm="100000">
+                                          <p:val>
+                                            <p:strVal val="#ppt_x"/>
+                                          </p:val>
+                                        </p:tav>
+                                      </p:tavLst>
+                                    </p:anim>
+                                    <p:anim calcmode="lin" valueType="num">
+                                      <p:cBhvr additive="base">
+                                        <p:cTn id="8" dur="500" fill="hold"/>
+                                        <p:tgtEl>
+                                          <p:spTgt spid="2"/>
+                                        </p:tgtEl>
+                                        <p:attrNameLst>
+                                          <p:attrName>ppt_y</p:attrName>
+                                        </p:attrNameLst>
+                                      </p:cBhvr>
+                                      <p:tavLst>
+                                        <p:tav tm="0">
+                                          <p:val>
+                                            <p:strVal val="#ppt_y"/>
+                                          </p:val>
+                                        </p:tav>
+                                        <p:tav tm="100000">
+                                          <p:val>
+                                            <p:strVal val="#ppt_y"/>
+                                          </p:val>
+                                        </p:tav>
+                                      </p:tavLst>
+                                    </p:anim>
+                                  </p:childTnLst>
+                                </p:cTn>
+                              </p:par>
+                            </p:childTnLst>
+                          </p:cTn>
+                        </p:par>
+                      </p:childTnLst>
+                    </p:cTn>
+                  </p:par>
+                  <p:par>
+                    <p:cTn id="9" fill="hold">
+                      <p:stCondLst>
+                        <p:cond delay="indefinite"/>
+                      </p:stCondLst>
+                      <p:childTnLst>
+                        <p:par>
+                          <p:cTn id="10" fill="hold">
+                            <p:stCondLst>
+                              <p:cond delay="0"/>
+                            </p:stCondLst>
+                            <p:childTnLst>
+                              <p:par>
+                                <p:cTn id="11" presetID="10" presetClass="entr" presetSubtype="0" fill="hold" grpId="0" nodeType="clickEffect">
+                                  <p:stCondLst>
+                                    <p:cond delay="0"/>
+                                  </p:stCondLst>
+                                  <p:childTnLst>
+                                    <p:set>
+                                      <p:cBhvr>
+                                        <p:cTn id="12" dur="1" fill="hold">
+                                          <p:stCondLst>
+                                            <p:cond delay="0"/>
+                                          </p:stCondLst>
+                                        </p:cTn>
+                                        <p:tgtEl>
+                                          <p:spTgt spid="20"/>
+                                        </p:tgtEl>
+                                        <p:attrNameLst>
+                                          <p:attrName>style.visibility</p:attrName>
+                                        </p:attrNameLst>
+                                      </p:cBhvr>
+                                      <p:to>
+                                        <p:strVal val="visible"/>
+                                      </p:to>
+                                    </p:set>
+                                    <p:animEffect transition="in" filter="fade">
+                                      <p:cBhvr>
+                                        <p:cTn id="13" dur="500"/>
+                                        <p:tgtEl>
+                                          <p:spTgt spid="20"/>
+                                        </p:tgtEl>
+                                      </p:cBhvr>
+                                    </p:animEffect>
+                                  </p:childTnLst>
+                                </p:cTn>
+                              </p:par>
+                            </p:childTnLst>
+                          </p:cTn>
+                        </p:par>
+                      </p:childTnLst>
+                    </p:cTn>
+                  </p:par>
+                  <p:par>
+                    <p:cTn id="14" fill="hold">
+                      <p:stCondLst>
+                        <p:cond delay="indefinite"/>
+                      </p:stCondLst>
+                      <p:childTnLst>
+                        <p:par>
+                          <p:cTn id="15" fill="hold">
+                            <p:stCondLst>
+                              <p:cond delay="0"/>
+                            </p:stCondLst>
+                            <p:childTnLst>
+                              <p:par>
+                                <p:cTn id="16" presetID="10" presetClass="entr" presetSubtype="0" fill="hold" grpId="0" nodeType="clickEffect">
+                                  <p:stCondLst>
+                                    <p:cond delay="0"/>
+                                  </p:stCondLst>
+                                  <p:childTnLst>
+                                    <p:set>
+                                      <p:cBhvr>
+                                        <p:cTn id="17" dur="1" fill="hold">
+                                          <p:stCondLst>
+                                            <p:cond delay="0"/>
+                                          </p:stCondLst>
+                                        </p:cTn>
+                                        <p:tgtEl>
+                                          <p:spTgt spid="21"/>
+                                        </p:tgtEl>
+                                        <p:attrNameLst>
+                                          <p:attrName>style.visibility</p:attrName>
+                                        </p:attrNameLst>
+                                      </p:cBhvr>
+                                      <p:to>
+                                        <p:strVal val="visible"/>
+                                      </p:to>
+                                    </p:set>
+                                    <p:animEffect transition="in" filter="fade">
+                                      <p:cBhvr>
+                                        <p:cTn id="18" dur="500"/>
+                                        <p:tgtEl>
+                                          <p:spTgt spid="21"/>
+                                        </p:tgtEl>
+                                      </p:cBhvr>
+                                    </p:animEffect>
+                                  </p:childTnLst>
+                                </p:cTn>
+                              </p:par>
+                            </p:childTnLst>
+                          </p:cTn>
+                        </p:par>
+                      </p:childTnLst>
+                    </p:cTn>
+                  </p:par>
+                  <p:par>
+                    <p:cTn id="19" fill="hold">
+                      <p:stCondLst>
+                        <p:cond delay="indefinite"/>
+                      </p:stCondLst>
+                      <p:childTnLst>
+                        <p:par>
+                          <p:cTn id="20" fill="hold">
+                            <p:stCondLst>
+                              <p:cond delay="0"/>
+                            </p:stCondLst>
+                            <p:childTnLst>
+                              <p:par>
+                                <p:cTn id="21" presetID="10" presetClass="entr" presetSubtype="0" fill="hold" grpId="0" nodeType="clickEffect">
+                                  <p:stCondLst>
+                                    <p:cond delay="0"/>
+                                  </p:stCondLst>
+                                  <p:childTnLst>
+                                    <p:set>
+                                      <p:cBhvr>
+                                        <p:cTn id="22" dur="1" fill="hold">
+                                          <p:stCondLst>
+                                            <p:cond delay="0"/>
+                                          </p:stCondLst>
+                                        </p:cTn>
+                                        <p:tgtEl>
+                                          <p:spTgt spid="14"/>
+                                        </p:tgtEl>
+                                        <p:attrNameLst>
+                                          <p:attrName>style.visibility</p:attrName>
+                                        </p:attrNameLst>
+                                      </p:cBhvr>
+                                      <p:to>
+                                        <p:strVal val="visible"/>
+                                      </p:to>
+                                    </p:set>
+                                    <p:animEffect transition="in" filter="fade">
+                                      <p:cBhvr>
+                                        <p:cTn id="23" dur="500"/>
+                                        <p:tgtEl>
+                                          <p:spTgt spid="14"/>
+                                        </p:tgtEl>
+                                      </p:cBhvr>
+                                    </p:animEffect>
+                                  </p:childTnLst>
+                                </p:cTn>
+                              </p:par>
+                              <p:par>
+                                <p:cTn id="24" presetID="32" presetClass="emph" presetSubtype="0" fill="hold" nodeType="withEffect">
+                                  <p:stCondLst>
+                                    <p:cond delay="0"/>
+                                  </p:stCondLst>
+                                  <p:childTnLst>
+                                    <p:animRot by="120000">
+                                      <p:cBhvr>
+                                        <p:cTn id="25" dur="100" fill="hold">
+                                          <p:stCondLst>
+                                            <p:cond delay="0"/>
+                                          </p:stCondLst>
+                                        </p:cTn>
+                                        <p:tgtEl>
+                                          <p:spTgt spid="16"/>
+                                        </p:tgtEl>
+                                        <p:attrNameLst>
+                                          <p:attrName>r</p:attrName>
+                                        </p:attrNameLst>
+                                      </p:cBhvr>
+                                    </p:animRot>
+                                    <p:animRot by="-240000">
+                                      <p:cBhvr>
+                                        <p:cTn id="26" dur="200" fill="hold">
+                                          <p:stCondLst>
+                                            <p:cond delay="200"/>
+                                          </p:stCondLst>
+                                        </p:cTn>
+                                        <p:tgtEl>
+                                          <p:spTgt spid="16"/>
+                                        </p:tgtEl>
+                                        <p:attrNameLst>
+                                          <p:attrName>r</p:attrName>
+                                        </p:attrNameLst>
+                                      </p:cBhvr>
+                                    </p:animRot>
+                                    <p:animRot by="240000">
+                                      <p:cBhvr>
+                                        <p:cTn id="27" dur="200" fill="hold">
+                                          <p:stCondLst>
+                                            <p:cond delay="400"/>
+                                          </p:stCondLst>
+                                        </p:cTn>
+                                        <p:tgtEl>
+                                          <p:spTgt spid="16"/>
+                                        </p:tgtEl>
+                                        <p:attrNameLst>
+                                          <p:attrName>r</p:attrName>
+                                        </p:attrNameLst>
+                                      </p:cBhvr>
+                                    </p:animRot>
+                                    <p:animRot by="-240000">
+                                      <p:cBhvr>
+                                        <p:cTn id="28" dur="200" fill="hold">
+                                          <p:stCondLst>
+                                            <p:cond delay="600"/>
+                                          </p:stCondLst>
+                                        </p:cTn>
+                                        <p:tgtEl>
+                                          <p:spTgt spid="16"/>
+                                        </p:tgtEl>
+                                        <p:attrNameLst>
+                                          <p:attrName>r</p:attrName>
+                                        </p:attrNameLst>
+                                      </p:cBhvr>
+                                    </p:animRot>
+                                    <p:animRot by="120000">
+                                      <p:cBhvr>
+                                        <p:cTn id="29" dur="200" fill="hold">
+                                          <p:stCondLst>
+                                            <p:cond delay="800"/>
+                                          </p:stCondLst>
+                                        </p:cTn>
+                                        <p:tgtEl>
+                                          <p:spTgt spid="16"/>
+                                        </p:tgtEl>
+                                        <p:attrNameLst>
+                                          <p:attrName>r</p:attrName>
+                                        </p:attrNameLst>
+                                      </p:cBhvr>
+                                    </p:animRot>
+                                  </p:childTnLst>
+                                </p:cTn>
+                              </p:par>
+                            </p:childTnLst>
+                          </p:cTn>
+                        </p:par>
+                      </p:childTnLst>
+                    </p:cTn>
+                  </p:par>
+                </p:childTnLst>
+              </p:cTn>
+              <p:prevCondLst>
+                <p:cond evt="onPrev" delay="0">
+                  <p:tgtEl>
+                    <p:sldTgt/>
+                  </p:tgtEl>
+                </p:cond>
+              </p:prevCondLst>
+              <p:nextCondLst>
+                <p:cond evt="onNext" delay="0">
+                  <p:tgtEl>
+                    <p:sldTgt/>
+                  </p:tgtEl>
+                </p:cond>
+              </p:nextCondLst>
+            </p:seq>
+          </p:childTnLst>
+        </p:cTn>
+      </p:par>
+    </p:tnLst>
+    <p:bldLst>
+      <p:bldP spid="20" grpId="0"/>
+      <p:bldP spid="21" grpId="0"/>
+      <p:bldP spid="14" grpId="0"/>
+    </p:bldLst>
+  </p:timing>
+</p:sld>
+</file>
+
+<file path=ppt/slides/slide11.xml><?xml version="1.0" encoding="utf-8"?>
+<p:sld xmlns:a="http://schemas.openxmlformats.org/drawingml/2006/main" xmlns:r="http://schemas.openxmlformats.org/officeDocument/2006/relationships" xmlns:p="http://schemas.openxmlformats.org/presentationml/2006/main">
+  <p:cSld>
+    <p:spTree>
+      <p:nvGrpSpPr>
+        <p:cNvPr id="1" name=""/>
+        <p:cNvGrpSpPr/>
+        <p:nvPr/>
+      </p:nvGrpSpPr>
+      <p:grpSpPr>
+        <a:xfrm>
+          <a:off x="0" y="0"/>
+          <a:ext cx="0" cy="0"/>
+          <a:chOff x="0" y="0"/>
+          <a:chExt cx="0" cy="0"/>
+        </a:xfrm>
+      </p:grpSpPr>
+      <p:pic>
+        <p:nvPicPr>
+          <p:cNvPr id="3" name="Picture 2"/>
+          <p:cNvPicPr>
+            <a:picLocks noChangeAspect="1"/>
+          </p:cNvPicPr>
+          <p:nvPr/>
+        </p:nvPicPr>
+        <p:blipFill>
+          <a:blip r:embed="rId3"/>
+          <a:stretch>
+            <a:fillRect/>
+          </a:stretch>
+        </p:blipFill>
+        <p:spPr>
+          <a:xfrm>
+            <a:off x="0" y="0"/>
+            <a:ext cx="12192000" cy="6878932"/>
+          </a:xfrm>
+          <a:prstGeom prst="rect">
+            <a:avLst/>
+          </a:prstGeom>
+          <a:noFill/>
+          <a:ln w="9525" cap="flat" cmpd="sng" algn="ctr">
+            <a:solidFill>
+              <a:schemeClr val="dk1"/>
+            </a:solidFill>
+            <a:prstDash val="solid"/>
+            <a:round/>
+            <a:headEnd type="none" w="med" len="med"/>
+            <a:tailEnd type="none" w="med" len="med"/>
+          </a:ln>
+        </p:spPr>
+        <p:style>
+          <a:lnRef idx="0">
+            <a:scrgbClr r="0" g="0" b="0"/>
+          </a:lnRef>
+          <a:fillRef idx="0">
+            <a:scrgbClr r="0" g="0" b="0"/>
+          </a:fillRef>
+          <a:effectRef idx="0">
+            <a:scrgbClr r="0" g="0" b="0"/>
+          </a:effectRef>
+          <a:fontRef idx="minor">
+            <a:schemeClr val="dk1"/>
+          </a:fontRef>
+        </p:style>
+      </p:pic>
+      <p:sp>
+        <p:nvSpPr>
+          <p:cNvPr id="2" name="Title 1"/>
+          <p:cNvSpPr>
+            <a:spLocks noGrp="1"/>
+          </p:cNvSpPr>
+          <p:nvPr>
+            <p:ph type="title"/>
+          </p:nvPr>
+        </p:nvSpPr>
+        <p:spPr>
+          <a:xfrm>
+            <a:off x="0" y="2776684"/>
+            <a:ext cx="12192000" cy="1325563"/>
+          </a:xfrm>
+          <a:solidFill>
+            <a:schemeClr val="dk1">
+              <a:alpha val="50000"/>
+            </a:schemeClr>
+          </a:solidFill>
+          <a:ln>
+            <a:noFill/>
+          </a:ln>
+        </p:spPr>
+        <p:style>
+          <a:lnRef idx="0">
+            <a:scrgbClr r="0" g="0" b="0"/>
+          </a:lnRef>
+          <a:fillRef idx="0">
+            <a:scrgbClr r="0" g="0" b="0"/>
+          </a:fillRef>
+          <a:effectRef idx="0">
+            <a:scrgbClr r="0" g="0" b="0"/>
+          </a:effectRef>
+          <a:fontRef idx="minor">
+            <a:schemeClr val="lt1"/>
+          </a:fontRef>
+        </p:style>
+        <p:txBody>
+          <a:bodyPr>
+            <a:noAutofit/>
+          </a:bodyPr>
+          <a:lstStyle/>
+          <a:p>
+            <a:pPr algn="ctr"/>
+            <a:r>
+              <a:rPr lang="en-US" sz="9600" dirty="0" smtClean="0"/>
+              <a:t>Mistakes</a:t>
+            </a:r>
+            <a:endParaRPr lang="ru-RU" sz="9600" dirty="0"/>
+          </a:p>
+        </p:txBody>
+      </p:sp>
+    </p:spTree>
+    <p:extLst>
+      <p:ext uri="{BB962C8B-B14F-4D97-AF65-F5344CB8AC3E}">
+        <p14:creationId xmlns:p14="http://schemas.microsoft.com/office/powerpoint/2010/main" val="2000644550"/>
+      </p:ext>
+    </p:extLst>
+  </p:cSld>
+  <p:clrMapOvr>
+    <a:masterClrMapping/>
+  </p:clrMapOvr>
+  <mc:AlternateContent xmlns:mc="http://schemas.openxmlformats.org/markup-compatibility/2006">
+    <mc:Choice xmlns:p14="http://schemas.microsoft.com/office/powerpoint/2010/main" Requires="p14">
+      <p:transition spd="slow">
+        <p14:flash/>
+      </p:transition>
+    </mc:Choice>
+    <mc:Fallback>
+      <p:transition spd="slow">
+        <p:fade/>
+      </p:transition>
+    </mc:Fallback>
+  </mc:AlternateContent>
+  <p:timing>
+    <p:tnLst>
+      <p:par>
+        <p:cTn id="1" dur="indefinite" restart="never" nodeType="tmRoot"/>
+      </p:par>
+    </p:tnLst>
+  </p:timing>
+</p:sld>
+</file>
+
+<file path=ppt/slides/slide12.xml><?xml version="1.0" encoding="utf-8"?>
+<p:sld xmlns:a="http://schemas.openxmlformats.org/drawingml/2006/main" xmlns:r="http://schemas.openxmlformats.org/officeDocument/2006/relationships" xmlns:p="http://schemas.openxmlformats.org/presentationml/2006/main">
+  <p:cSld>
+    <p:spTree>
+      <p:nvGrpSpPr>
+        <p:cNvPr id="1" name=""/>
+        <p:cNvGrpSpPr/>
+        <p:nvPr/>
+      </p:nvGrpSpPr>
+      <p:grpSpPr>
+        <a:xfrm>
+          <a:off x="0" y="0"/>
+          <a:ext cx="0" cy="0"/>
+          <a:chOff x="0" y="0"/>
+          <a:chExt cx="0" cy="0"/>
+        </a:xfrm>
+      </p:grpSpPr>
+      <p:sp>
+        <p:nvSpPr>
+          <p:cNvPr id="3" name="Date Placeholder 2"/>
+          <p:cNvSpPr>
+            <a:spLocks noGrp="1"/>
+          </p:cNvSpPr>
+          <p:nvPr>
+            <p:ph type="dt" sz="half" idx="10"/>
+          </p:nvPr>
+        </p:nvSpPr>
+        <p:spPr/>
+        <p:txBody>
+          <a:bodyPr/>
+          <a:lstStyle/>
+          <a:p>
+            <a:fld id="{AB18DE3F-9B93-4889-A323-6EC312FABF66}" type="datetime3">
+              <a:rPr lang="en-US" smtClean="0">
+                <a:solidFill>
+                  <a:schemeClr val="tx1"/>
+                </a:solidFill>
+              </a:rPr>
+              <a:t>23 February 2019</a:t>
+            </a:fld>
+            <a:endParaRPr lang="ru-RU">
+              <a:solidFill>
+                <a:schemeClr val="tx1"/>
+              </a:solidFill>
+            </a:endParaRPr>
+          </a:p>
+        </p:txBody>
+      </p:sp>
+      <p:sp>
+        <p:nvSpPr>
+          <p:cNvPr id="6" name="Title 3"/>
+          <p:cNvSpPr>
+            <a:spLocks noGrp="1"/>
+          </p:cNvSpPr>
+          <p:nvPr>
+            <p:ph type="title"/>
+          </p:nvPr>
+        </p:nvSpPr>
+        <p:spPr>
+          <a:xfrm>
+            <a:off x="0" y="0"/>
+            <a:ext cx="10515600" cy="1325563"/>
+          </a:xfrm>
+        </p:spPr>
+        <p:txBody>
+          <a:bodyPr>
+            <a:normAutofit/>
+          </a:bodyPr>
+          <a:lstStyle/>
+          <a:p>
+            <a:r>
+              <a:rPr lang="en-US" sz="5400" dirty="0" smtClean="0"/>
+              <a:t>How to destroy your architecture</a:t>
+            </a:r>
+            <a:endParaRPr lang="ru-RU" sz="5400" dirty="0"/>
+          </a:p>
+        </p:txBody>
+      </p:sp>
+      <p:sp>
+        <p:nvSpPr>
+          <p:cNvPr id="7" name="TextBox 6"/>
+          <p:cNvSpPr txBox="1"/>
+          <p:nvPr/>
+        </p:nvSpPr>
+        <p:spPr>
+          <a:xfrm>
+            <a:off x="0" y="1610974"/>
+            <a:ext cx="11325981" cy="646331"/>
+          </a:xfrm>
+          <a:prstGeom prst="rect">
+            <a:avLst/>
+          </a:prstGeom>
+          <a:noFill/>
+        </p:spPr>
+        <p:txBody>
+          <a:bodyPr wrap="square" rtlCol="0">
+            <a:spAutoFit/>
+          </a:bodyPr>
+          <a:lstStyle/>
+          <a:p>
+            <a:pPr marL="571500" indent="-571500">
+              <a:buFont typeface="Arial" panose="020B0604020202020204" pitchFamily="34" charset="0"/>
+              <a:buChar char="•"/>
+            </a:pPr>
+            <a:r>
+              <a:rPr lang="en-US" sz="3600" b="1" dirty="0" smtClean="0"/>
+              <a:t>Forget</a:t>
+            </a:r>
+            <a:r>
+              <a:rPr lang="en-US" sz="3600" dirty="0" smtClean="0"/>
+              <a:t> </a:t>
+            </a:r>
+            <a:r>
+              <a:rPr lang="en-US" sz="3600" dirty="0"/>
+              <a:t>about Single Responsibility </a:t>
+            </a:r>
+            <a:r>
+              <a:rPr lang="en-US" sz="3600" dirty="0" smtClean="0"/>
+              <a:t>principle</a:t>
+            </a:r>
+            <a:endParaRPr lang="ru-RU" sz="3600" dirty="0"/>
+          </a:p>
+        </p:txBody>
+      </p:sp>
+      <p:pic>
+        <p:nvPicPr>
+          <p:cNvPr id="12" name="Picture 11"/>
+          <p:cNvPicPr>
+            <a:picLocks noChangeAspect="1"/>
+          </p:cNvPicPr>
+          <p:nvPr/>
+        </p:nvPicPr>
+        <p:blipFill rotWithShape="1">
+          <a:blip r:embed="rId3" cstate="print">
+            <a:extLst>
+              <a:ext uri="{28A0092B-C50C-407E-A947-70E740481C1C}">
+                <a14:useLocalDpi xmlns:a14="http://schemas.microsoft.com/office/drawing/2010/main" val="0"/>
+              </a:ext>
+            </a:extLst>
+          </a:blip>
+          <a:srcRect l="20401" t="25502" r="20401" b="25502"/>
+          <a:stretch/>
+        </p:blipFill>
+        <p:spPr>
+          <a:xfrm>
+            <a:off x="11055002" y="0"/>
+            <a:ext cx="1136998" cy="941010"/>
+          </a:xfrm>
+          <a:prstGeom prst="rect">
+            <a:avLst/>
+          </a:prstGeom>
+        </p:spPr>
+      </p:pic>
+      <p:sp>
+        <p:nvSpPr>
+          <p:cNvPr id="19" name="TextBox 18"/>
+          <p:cNvSpPr txBox="1"/>
+          <p:nvPr/>
+        </p:nvSpPr>
+        <p:spPr>
+          <a:xfrm>
+            <a:off x="-1" y="2542716"/>
+            <a:ext cx="11325981" cy="646331"/>
+          </a:xfrm>
+          <a:prstGeom prst="rect">
+            <a:avLst/>
+          </a:prstGeom>
+          <a:noFill/>
+        </p:spPr>
+        <p:txBody>
+          <a:bodyPr wrap="square" rtlCol="0">
+            <a:spAutoFit/>
+          </a:bodyPr>
+          <a:lstStyle/>
+          <a:p>
+            <a:pPr marL="571500" indent="-571500">
+              <a:buFont typeface="Arial" panose="020B0604020202020204" pitchFamily="34" charset="0"/>
+              <a:buChar char="•"/>
+            </a:pPr>
+            <a:r>
+              <a:rPr lang="en-US" sz="3600" dirty="0" smtClean="0"/>
+              <a:t>Stuff up your singleton with “helpful” functionality</a:t>
+            </a:r>
+            <a:endParaRPr lang="ru-RU" sz="3600" b="1" dirty="0"/>
+          </a:p>
+        </p:txBody>
+      </p:sp>
+      <p:sp>
+        <p:nvSpPr>
+          <p:cNvPr id="22" name="TextBox 21"/>
+          <p:cNvSpPr txBox="1"/>
+          <p:nvPr/>
+        </p:nvSpPr>
+        <p:spPr>
+          <a:xfrm>
+            <a:off x="0" y="3474458"/>
+            <a:ext cx="12056533" cy="646331"/>
+          </a:xfrm>
+          <a:prstGeom prst="rect">
+            <a:avLst/>
+          </a:prstGeom>
+          <a:noFill/>
+        </p:spPr>
+        <p:txBody>
+          <a:bodyPr wrap="square" rtlCol="0">
+            <a:spAutoFit/>
+          </a:bodyPr>
+          <a:lstStyle/>
+          <a:p>
+            <a:pPr marL="571500" indent="-571500">
+              <a:buFont typeface="Arial" panose="020B0604020202020204" pitchFamily="34" charset="0"/>
+              <a:buChar char="•"/>
+            </a:pPr>
+            <a:r>
+              <a:rPr lang="en-US" sz="3600" dirty="0" smtClean="0"/>
+              <a:t>When almost every class knows about your singleton:</a:t>
+            </a:r>
+            <a:endParaRPr lang="ru-RU" sz="3600" dirty="0"/>
+          </a:p>
+        </p:txBody>
+      </p:sp>
+      <p:sp>
+        <p:nvSpPr>
+          <p:cNvPr id="23" name="TextBox 22"/>
+          <p:cNvSpPr txBox="1"/>
+          <p:nvPr/>
+        </p:nvSpPr>
+        <p:spPr>
+          <a:xfrm>
+            <a:off x="0" y="4406200"/>
+            <a:ext cx="12056533" cy="584775"/>
+          </a:xfrm>
+          <a:prstGeom prst="rect">
+            <a:avLst/>
+          </a:prstGeom>
+          <a:noFill/>
+        </p:spPr>
+        <p:txBody>
+          <a:bodyPr wrap="square" rtlCol="0">
+            <a:spAutoFit/>
+          </a:bodyPr>
+          <a:lstStyle/>
+          <a:p>
+            <a:pPr marL="1028700" lvl="1" indent="-571500">
+              <a:buFont typeface="Courier New" panose="02070309020205020404" pitchFamily="49" charset="0"/>
+              <a:buChar char="o"/>
+            </a:pPr>
+            <a:r>
+              <a:rPr lang="en-US" sz="3200" dirty="0" smtClean="0"/>
+              <a:t>Congratulation, you have a </a:t>
+            </a:r>
+            <a:r>
+              <a:rPr lang="en-US" sz="3200" b="1" dirty="0" smtClean="0"/>
+              <a:t>God object</a:t>
+            </a:r>
+            <a:endParaRPr lang="ru-RU" sz="3200" dirty="0"/>
+          </a:p>
+        </p:txBody>
+      </p:sp>
+      <p:sp>
+        <p:nvSpPr>
+          <p:cNvPr id="24" name="TextBox 23"/>
+          <p:cNvSpPr txBox="1"/>
+          <p:nvPr/>
+        </p:nvSpPr>
+        <p:spPr>
+          <a:xfrm>
+            <a:off x="48722" y="5381275"/>
+            <a:ext cx="12056533" cy="584775"/>
+          </a:xfrm>
+          <a:prstGeom prst="rect">
+            <a:avLst/>
+          </a:prstGeom>
+          <a:noFill/>
+        </p:spPr>
+        <p:txBody>
+          <a:bodyPr wrap="square" rtlCol="0">
+            <a:spAutoFit/>
+          </a:bodyPr>
+          <a:lstStyle/>
+          <a:p>
+            <a:pPr marL="1028700" lvl="1" indent="-571500">
+              <a:buFont typeface="Courier New" panose="02070309020205020404" pitchFamily="49" charset="0"/>
+              <a:buChar char="o"/>
+            </a:pPr>
+            <a:r>
+              <a:rPr lang="en-US" sz="3200" dirty="0"/>
+              <a:t>How about creating non-thread </a:t>
+            </a:r>
+            <a:r>
+              <a:rPr lang="en-US" sz="3200" dirty="0" smtClean="0"/>
+              <a:t>safe implementation?</a:t>
+            </a:r>
+            <a:endParaRPr lang="ru-RU" sz="3200" dirty="0"/>
+          </a:p>
+        </p:txBody>
+      </p:sp>
+      <p:sp>
+        <p:nvSpPr>
+          <p:cNvPr id="25" name="Slide Number Placeholder 54"/>
+          <p:cNvSpPr>
+            <a:spLocks noGrp="1"/>
+          </p:cNvSpPr>
+          <p:nvPr>
+            <p:ph type="sldNum" sz="quarter" idx="12"/>
+          </p:nvPr>
+        </p:nvSpPr>
+        <p:spPr>
+          <a:xfrm>
+            <a:off x="8610600" y="6356350"/>
+            <a:ext cx="2743200" cy="365125"/>
+          </a:xfrm>
+        </p:spPr>
+        <p:txBody>
+          <a:bodyPr/>
+          <a:lstStyle/>
+          <a:p>
+            <a:r>
+              <a:rPr lang="en-US" dirty="0" smtClean="0">
+                <a:solidFill>
+                  <a:schemeClr val="tx1"/>
+                </a:solidFill>
+              </a:rPr>
+              <a:t>11 </a:t>
+            </a:r>
+            <a:r>
+              <a:rPr lang="en-US" dirty="0" smtClean="0">
+                <a:solidFill>
+                  <a:schemeClr val="tx1"/>
+                </a:solidFill>
+              </a:rPr>
+              <a:t>out </a:t>
+            </a:r>
+            <a:r>
+              <a:rPr lang="en-US" dirty="0" smtClean="0">
+                <a:solidFill>
+                  <a:schemeClr val="tx1"/>
+                </a:solidFill>
+              </a:rPr>
+              <a:t>of 14</a:t>
+            </a:r>
+            <a:endParaRPr lang="en-US" dirty="0" smtClean="0">
+              <a:solidFill>
+                <a:schemeClr val="tx1"/>
+              </a:solidFill>
+            </a:endParaRPr>
+          </a:p>
+        </p:txBody>
+      </p:sp>
+    </p:spTree>
+    <p:extLst>
+      <p:ext uri="{BB962C8B-B14F-4D97-AF65-F5344CB8AC3E}">
+        <p14:creationId xmlns:p14="http://schemas.microsoft.com/office/powerpoint/2010/main" val="1126161229"/>
+      </p:ext>
+    </p:extLst>
+  </p:cSld>
+  <p:clrMapOvr>
+    <a:masterClrMapping/>
+  </p:clrMapOvr>
+  <mc:AlternateContent xmlns:mc="http://schemas.openxmlformats.org/markup-compatibility/2006">
+    <mc:Choice xmlns:p14="http://schemas.microsoft.com/office/powerpoint/2010/main" Requires="p14">
+      <p:transition p14:dur="10"/>
+    </mc:Choice>
+    <mc:Fallback>
+      <p:transition/>
+    </mc:Fallback>
+  </mc:AlternateContent>
+  <p:timing>
+    <p:tnLst>
+      <p:par>
+        <p:cTn id="1" dur="indefinite" restart="never" nodeType="tmRoot">
+          <p:childTnLst>
+            <p:seq concurrent="1" nextAc="seek">
+              <p:cTn id="2" dur="indefinite" nodeType="mainSeq">
+                <p:childTnLst>
+                  <p:par>
+                    <p:cTn id="3" fill="hold">
+                      <p:stCondLst>
+                        <p:cond delay="indefinite"/>
+                      </p:stCondLst>
+                      <p:childTnLst>
+                        <p:par>
+                          <p:cTn id="4" fill="hold">
+                            <p:stCondLst>
+                              <p:cond delay="0"/>
+                            </p:stCondLst>
+                            <p:childTnLst>
+                              <p:par>
+                                <p:cTn id="5" presetID="10" presetClass="entr" presetSubtype="0" fill="hold" grpId="0" nodeType="clickEffect">
+                                  <p:stCondLst>
+                                    <p:cond delay="0"/>
+                                  </p:stCondLst>
+                                  <p:childTnLst>
+                                    <p:set>
+                                      <p:cBhvr>
+                                        <p:cTn id="6" dur="1" fill="hold">
+                                          <p:stCondLst>
+                                            <p:cond delay="0"/>
+                                          </p:stCondLst>
+                                        </p:cTn>
+                                        <p:tgtEl>
+                                          <p:spTgt spid="7"/>
+                                        </p:tgtEl>
+                                        <p:attrNameLst>
+                                          <p:attrName>style.visibility</p:attrName>
+                                        </p:attrNameLst>
+                                      </p:cBhvr>
+                                      <p:to>
+                                        <p:strVal val="visible"/>
+                                      </p:to>
+                                    </p:set>
+                                    <p:animEffect transition="in" filter="fade">
+                                      <p:cBhvr>
+                                        <p:cTn id="7" dur="500"/>
+                                        <p:tgtEl>
+                                          <p:spTgt spid="7"/>
+                                        </p:tgtEl>
+                                      </p:cBhvr>
+                                    </p:animEffect>
+                                  </p:childTnLst>
+                                </p:cTn>
+                              </p:par>
+                            </p:childTnLst>
+                          </p:cTn>
+                        </p:par>
+                      </p:childTnLst>
+                    </p:cTn>
+                  </p:par>
+                  <p:par>
+                    <p:cTn id="8" fill="hold">
+                      <p:stCondLst>
+                        <p:cond delay="indefinite"/>
+                      </p:stCondLst>
+                      <p:childTnLst>
+                        <p:par>
+                          <p:cTn id="9" fill="hold">
+                            <p:stCondLst>
+                              <p:cond delay="0"/>
+                            </p:stCondLst>
+                            <p:childTnLst>
+                              <p:par>
+                                <p:cTn id="10" presetID="10" presetClass="entr" presetSubtype="0" fill="hold" grpId="0" nodeType="clickEffect">
+                                  <p:stCondLst>
+                                    <p:cond delay="0"/>
+                                  </p:stCondLst>
+                                  <p:childTnLst>
+                                    <p:set>
+                                      <p:cBhvr>
+                                        <p:cTn id="11" dur="1" fill="hold">
+                                          <p:stCondLst>
+                                            <p:cond delay="0"/>
+                                          </p:stCondLst>
+                                        </p:cTn>
+                                        <p:tgtEl>
+                                          <p:spTgt spid="19"/>
+                                        </p:tgtEl>
+                                        <p:attrNameLst>
+                                          <p:attrName>style.visibility</p:attrName>
+                                        </p:attrNameLst>
+                                      </p:cBhvr>
+                                      <p:to>
+                                        <p:strVal val="visible"/>
+                                      </p:to>
+                                    </p:set>
+                                    <p:animEffect transition="in" filter="fade">
+                                      <p:cBhvr>
+                                        <p:cTn id="12" dur="500"/>
+                                        <p:tgtEl>
+                                          <p:spTgt spid="19"/>
+                                        </p:tgtEl>
+                                      </p:cBhvr>
+                                    </p:animEffect>
+                                  </p:childTnLst>
+                                </p:cTn>
+                              </p:par>
+                            </p:childTnLst>
+                          </p:cTn>
+                        </p:par>
+                      </p:childTnLst>
+                    </p:cTn>
+                  </p:par>
+                  <p:par>
+                    <p:cTn id="13" fill="hold">
+                      <p:stCondLst>
+                        <p:cond delay="indefinite"/>
+                      </p:stCondLst>
+                      <p:childTnLst>
+                        <p:par>
+                          <p:cTn id="14" fill="hold">
+                            <p:stCondLst>
+                              <p:cond delay="0"/>
+                            </p:stCondLst>
+                            <p:childTnLst>
+                              <p:par>
+                                <p:cTn id="15" presetID="10" presetClass="entr" presetSubtype="0" fill="hold" grpId="0" nodeType="clickEffect">
+                                  <p:stCondLst>
+                                    <p:cond delay="0"/>
+                                  </p:stCondLst>
+                                  <p:childTnLst>
+                                    <p:set>
+                                      <p:cBhvr>
+                                        <p:cTn id="16" dur="1" fill="hold">
+                                          <p:stCondLst>
+                                            <p:cond delay="0"/>
+                                          </p:stCondLst>
+                                        </p:cTn>
+                                        <p:tgtEl>
+                                          <p:spTgt spid="22"/>
+                                        </p:tgtEl>
+                                        <p:attrNameLst>
+                                          <p:attrName>style.visibility</p:attrName>
+                                        </p:attrNameLst>
+                                      </p:cBhvr>
+                                      <p:to>
+                                        <p:strVal val="visible"/>
+                                      </p:to>
+                                    </p:set>
+                                    <p:animEffect transition="in" filter="fade">
+                                      <p:cBhvr>
+                                        <p:cTn id="17" dur="500"/>
+                                        <p:tgtEl>
+                                          <p:spTgt spid="22"/>
+                                        </p:tgtEl>
+                                      </p:cBhvr>
+                                    </p:animEffect>
+                                  </p:childTnLst>
+                                </p:cTn>
+                              </p:par>
+                            </p:childTnLst>
+                          </p:cTn>
+                        </p:par>
+                      </p:childTnLst>
+                    </p:cTn>
+                  </p:par>
+                  <p:par>
+                    <p:cTn id="18" fill="hold">
+                      <p:stCondLst>
+                        <p:cond delay="indefinite"/>
+                      </p:stCondLst>
+                      <p:childTnLst>
+                        <p:par>
+                          <p:cTn id="19" fill="hold">
+                            <p:stCondLst>
+                              <p:cond delay="0"/>
+                            </p:stCondLst>
+                            <p:childTnLst>
+                              <p:par>
+                                <p:cTn id="20" presetID="10" presetClass="entr" presetSubtype="0" fill="hold" grpId="0" nodeType="clickEffect">
+                                  <p:stCondLst>
+                                    <p:cond delay="0"/>
+                                  </p:stCondLst>
+                                  <p:childTnLst>
+                                    <p:set>
+                                      <p:cBhvr>
+                                        <p:cTn id="21" dur="1" fill="hold">
+                                          <p:stCondLst>
+                                            <p:cond delay="0"/>
+                                          </p:stCondLst>
+                                        </p:cTn>
+                                        <p:tgtEl>
+                                          <p:spTgt spid="23"/>
+                                        </p:tgtEl>
+                                        <p:attrNameLst>
+                                          <p:attrName>style.visibility</p:attrName>
+                                        </p:attrNameLst>
+                                      </p:cBhvr>
+                                      <p:to>
+                                        <p:strVal val="visible"/>
+                                      </p:to>
+                                    </p:set>
+                                    <p:animEffect transition="in" filter="fade">
+                                      <p:cBhvr>
+                                        <p:cTn id="22" dur="500"/>
+                                        <p:tgtEl>
+                                          <p:spTgt spid="23"/>
+                                        </p:tgtEl>
+                                      </p:cBhvr>
+                                    </p:animEffect>
+                                  </p:childTnLst>
+                                </p:cTn>
+                              </p:par>
+                            </p:childTnLst>
+                          </p:cTn>
+                        </p:par>
+                      </p:childTnLst>
+                    </p:cTn>
+                  </p:par>
+                  <p:par>
+                    <p:cTn id="23" fill="hold">
+                      <p:stCondLst>
+                        <p:cond delay="indefinite"/>
+                      </p:stCondLst>
+                      <p:childTnLst>
+                        <p:par>
+                          <p:cTn id="24" fill="hold">
+                            <p:stCondLst>
+                              <p:cond delay="0"/>
+                            </p:stCondLst>
+                            <p:childTnLst>
+                              <p:par>
+                                <p:cTn id="25" presetID="10" presetClass="entr" presetSubtype="0" fill="hold" grpId="0" nodeType="clickEffect">
+                                  <p:stCondLst>
+                                    <p:cond delay="0"/>
+                                  </p:stCondLst>
+                                  <p:childTnLst>
+                                    <p:set>
+                                      <p:cBhvr>
+                                        <p:cTn id="26" dur="1" fill="hold">
+                                          <p:stCondLst>
+                                            <p:cond delay="0"/>
+                                          </p:stCondLst>
+                                        </p:cTn>
+                                        <p:tgtEl>
+                                          <p:spTgt spid="24"/>
+                                        </p:tgtEl>
+                                        <p:attrNameLst>
+                                          <p:attrName>style.visibility</p:attrName>
+                                        </p:attrNameLst>
+                                      </p:cBhvr>
+                                      <p:to>
+                                        <p:strVal val="visible"/>
+                                      </p:to>
+                                    </p:set>
+                                    <p:animEffect transition="in" filter="fade">
+                                      <p:cBhvr>
+                                        <p:cTn id="27" dur="500"/>
+                                        <p:tgtEl>
+                                          <p:spTgt spid="24"/>
+                                        </p:tgtEl>
+                                      </p:cBhvr>
+                                    </p:animEffect>
+                                  </p:childTnLst>
+                                </p:cTn>
+                              </p:par>
+                            </p:childTnLst>
+                          </p:cTn>
+                        </p:par>
+                      </p:childTnLst>
+                    </p:cTn>
+                  </p:par>
+                </p:childTnLst>
+              </p:cTn>
+              <p:prevCondLst>
+                <p:cond evt="onPrev" delay="0">
+                  <p:tgtEl>
+                    <p:sldTgt/>
+                  </p:tgtEl>
+                </p:cond>
+              </p:prevCondLst>
+              <p:nextCondLst>
+                <p:cond evt="onNext" delay="0">
+                  <p:tgtEl>
+                    <p:sldTgt/>
+                  </p:tgtEl>
+                </p:cond>
+              </p:nextCondLst>
+            </p:seq>
+          </p:childTnLst>
+        </p:cTn>
+      </p:par>
+    </p:tnLst>
+    <p:bldLst>
+      <p:bldP spid="7" grpId="0"/>
+      <p:bldP spid="19" grpId="0"/>
+      <p:bldP spid="22" grpId="0"/>
+      <p:bldP spid="23" grpId="0"/>
+      <p:bldP spid="24" grpId="0"/>
+    </p:bldLst>
+  </p:timing>
+</p:sld>
+</file>
+
+<file path=ppt/slides/slide13.xml><?xml version="1.0" encoding="utf-8"?>
+<p:sld xmlns:a="http://schemas.openxmlformats.org/drawingml/2006/main" xmlns:r="http://schemas.openxmlformats.org/officeDocument/2006/relationships" xmlns:p="http://schemas.openxmlformats.org/presentationml/2006/main">
+  <p:cSld>
+    <p:spTree>
+      <p:nvGrpSpPr>
+        <p:cNvPr id="1" name=""/>
+        <p:cNvGrpSpPr/>
+        <p:nvPr/>
+      </p:nvGrpSpPr>
+      <p:grpSpPr>
+        <a:xfrm>
+          <a:off x="0" y="0"/>
+          <a:ext cx="0" cy="0"/>
+          <a:chOff x="0" y="0"/>
+          <a:chExt cx="0" cy="0"/>
+        </a:xfrm>
+      </p:grpSpPr>
+      <p:sp>
+        <p:nvSpPr>
+          <p:cNvPr id="2" name="Title 1"/>
+          <p:cNvSpPr>
+            <a:spLocks noGrp="1"/>
+          </p:cNvSpPr>
+          <p:nvPr>
+            <p:ph type="title"/>
+          </p:nvPr>
+        </p:nvSpPr>
+        <p:spPr>
+          <a:xfrm>
+            <a:off x="0" y="2597337"/>
+            <a:ext cx="12192000" cy="1325563"/>
+          </a:xfrm>
+        </p:spPr>
+        <p:txBody>
+          <a:bodyPr>
+            <a:noAutofit/>
+          </a:bodyPr>
+          <a:lstStyle/>
+          <a:p>
+            <a:pPr algn="ctr"/>
+            <a:r>
+              <a:rPr lang="en-US" sz="9600" dirty="0" smtClean="0"/>
+              <a:t>Applicability </a:t>
+            </a:r>
+            <a:br>
+              <a:rPr lang="en-US" sz="9600" dirty="0" smtClean="0"/>
+            </a:br>
+            <a:r>
+              <a:rPr lang="en-US" sz="9600" dirty="0" smtClean="0"/>
+              <a:t>and </a:t>
+            </a:r>
+            <a:br>
+              <a:rPr lang="en-US" sz="9600" dirty="0" smtClean="0"/>
+            </a:br>
+            <a:r>
+              <a:rPr lang="en-US" sz="9600" dirty="0" smtClean="0"/>
+              <a:t>relationships</a:t>
+            </a:r>
+            <a:endParaRPr lang="ru-RU" sz="9600" dirty="0"/>
+          </a:p>
+        </p:txBody>
+      </p:sp>
+    </p:spTree>
+    <p:extLst>
+      <p:ext uri="{BB962C8B-B14F-4D97-AF65-F5344CB8AC3E}">
+        <p14:creationId xmlns:p14="http://schemas.microsoft.com/office/powerpoint/2010/main" val="609331931"/>
+      </p:ext>
+    </p:extLst>
+  </p:cSld>
+  <p:clrMapOvr>
+    <a:masterClrMapping/>
+  </p:clrMapOvr>
+  <mc:AlternateContent xmlns:mc="http://schemas.openxmlformats.org/markup-compatibility/2006">
+    <mc:Choice xmlns:p14="http://schemas.microsoft.com/office/powerpoint/2010/main" Requires="p14">
+      <p:transition spd="slow">
+        <p14:flash/>
+      </p:transition>
+    </mc:Choice>
+    <mc:Fallback>
+      <p:transition spd="slow">
+        <p:fade/>
+      </p:transition>
+    </mc:Fallback>
+  </mc:AlternateContent>
+  <p:timing>
+    <p:tnLst>
+      <p:par>
+        <p:cTn id="1" dur="indefinite" restart="never" nodeType="tmRoot"/>
+      </p:par>
+    </p:tnLst>
+  </p:timing>
+</p:sld>
+</file>
+
+<file path=ppt/slides/slide14.xml><?xml version="1.0" encoding="utf-8"?>
+<p:sld xmlns:a="http://schemas.openxmlformats.org/drawingml/2006/main" xmlns:r="http://schemas.openxmlformats.org/officeDocument/2006/relationships" xmlns:p="http://schemas.openxmlformats.org/presentationml/2006/main">
+  <p:cSld>
+    <p:spTree>
+      <p:nvGrpSpPr>
+        <p:cNvPr id="1" name=""/>
+        <p:cNvGrpSpPr/>
+        <p:nvPr/>
+      </p:nvGrpSpPr>
+      <p:grpSpPr>
+        <a:xfrm>
+          <a:off x="0" y="0"/>
+          <a:ext cx="0" cy="0"/>
+          <a:chOff x="0" y="0"/>
+          <a:chExt cx="0" cy="0"/>
+        </a:xfrm>
+      </p:grpSpPr>
+      <p:sp>
+        <p:nvSpPr>
+          <p:cNvPr id="3" name="Date Placeholder 2"/>
+          <p:cNvSpPr>
+            <a:spLocks noGrp="1"/>
+          </p:cNvSpPr>
+          <p:nvPr>
+            <p:ph type="dt" sz="half" idx="10"/>
+          </p:nvPr>
+        </p:nvSpPr>
+        <p:spPr/>
+        <p:txBody>
+          <a:bodyPr/>
+          <a:lstStyle/>
+          <a:p>
+            <a:fld id="{AB18DE3F-9B93-4889-A323-6EC312FABF66}" type="datetime3">
+              <a:rPr lang="en-US" smtClean="0">
+                <a:solidFill>
+                  <a:schemeClr val="tx1"/>
+                </a:solidFill>
+              </a:rPr>
+              <a:t>23 February 2019</a:t>
+            </a:fld>
+            <a:endParaRPr lang="ru-RU">
+              <a:solidFill>
+                <a:schemeClr val="tx1"/>
+              </a:solidFill>
+            </a:endParaRPr>
+          </a:p>
+        </p:txBody>
+      </p:sp>
+      <p:pic>
+        <p:nvPicPr>
+          <p:cNvPr id="16" name="Picture 15"/>
+          <p:cNvPicPr>
+            <a:picLocks noChangeAspect="1"/>
+          </p:cNvPicPr>
+          <p:nvPr/>
+        </p:nvPicPr>
+        <p:blipFill rotWithShape="1">
+          <a:blip r:embed="rId3" cstate="print">
+            <a:extLst>
+              <a:ext uri="{28A0092B-C50C-407E-A947-70E740481C1C}">
+                <a14:useLocalDpi xmlns:a14="http://schemas.microsoft.com/office/drawing/2010/main" val="0"/>
+              </a:ext>
+            </a:extLst>
+          </a:blip>
+          <a:srcRect l="20401" t="25502" r="20401" b="25502"/>
+          <a:stretch/>
+        </p:blipFill>
+        <p:spPr>
+          <a:xfrm>
+            <a:off x="11055002" y="0"/>
+            <a:ext cx="1136998" cy="941010"/>
+          </a:xfrm>
+          <a:prstGeom prst="rect">
+            <a:avLst/>
+          </a:prstGeom>
+        </p:spPr>
+      </p:pic>
+      <p:sp>
+        <p:nvSpPr>
+          <p:cNvPr id="4" name="Title 3"/>
+          <p:cNvSpPr>
+            <a:spLocks noGrp="1"/>
+          </p:cNvSpPr>
+          <p:nvPr>
+            <p:ph type="title"/>
+          </p:nvPr>
+        </p:nvSpPr>
+        <p:spPr>
+          <a:xfrm>
+            <a:off x="0" y="0"/>
+            <a:ext cx="10515600" cy="1325563"/>
+          </a:xfrm>
+        </p:spPr>
+        <p:txBody>
+          <a:bodyPr>
+            <a:normAutofit/>
+          </a:bodyPr>
+          <a:lstStyle/>
+          <a:p>
+            <a:r>
+              <a:rPr lang="en-US" sz="5400" dirty="0" smtClean="0"/>
+              <a:t>Singleton minor applicability</a:t>
+            </a:r>
+            <a:endParaRPr lang="ru-RU" sz="5400" dirty="0"/>
+          </a:p>
+        </p:txBody>
+      </p:sp>
+      <p:sp>
+        <p:nvSpPr>
+          <p:cNvPr id="6" name="TextBox 5"/>
+          <p:cNvSpPr txBox="1"/>
+          <p:nvPr/>
+        </p:nvSpPr>
+        <p:spPr>
+          <a:xfrm>
+            <a:off x="0" y="1494896"/>
+            <a:ext cx="11325981" cy="646331"/>
+          </a:xfrm>
+          <a:prstGeom prst="rect">
+            <a:avLst/>
+          </a:prstGeom>
+          <a:noFill/>
+        </p:spPr>
+        <p:txBody>
+          <a:bodyPr wrap="square" rtlCol="0">
+            <a:spAutoFit/>
+          </a:bodyPr>
+          <a:lstStyle/>
+          <a:p>
+            <a:pPr marL="571500" indent="-571500">
+              <a:buFont typeface="Arial" panose="020B0604020202020204" pitchFamily="34" charset="0"/>
+              <a:buChar char="•"/>
+            </a:pPr>
+            <a:r>
+              <a:rPr lang="en-US" sz="3600" dirty="0"/>
+              <a:t>In </a:t>
+            </a:r>
+            <a:r>
+              <a:rPr lang="en-US" sz="3600" dirty="0" smtClean="0"/>
+              <a:t>most </a:t>
+            </a:r>
+            <a:r>
+              <a:rPr lang="en-US" sz="3600" dirty="0"/>
+              <a:t>cases Facade could be Singleton</a:t>
+            </a:r>
+            <a:endParaRPr lang="ru-RU" sz="3600" dirty="0"/>
+          </a:p>
+        </p:txBody>
+      </p:sp>
+      <p:sp>
+        <p:nvSpPr>
+          <p:cNvPr id="14" name="TextBox 13"/>
+          <p:cNvSpPr txBox="1"/>
+          <p:nvPr/>
+        </p:nvSpPr>
+        <p:spPr>
+          <a:xfrm>
+            <a:off x="-1" y="2463628"/>
+            <a:ext cx="11325981" cy="646331"/>
+          </a:xfrm>
+          <a:prstGeom prst="rect">
+            <a:avLst/>
+          </a:prstGeom>
+          <a:noFill/>
+        </p:spPr>
+        <p:txBody>
+          <a:bodyPr wrap="square" rtlCol="0">
+            <a:spAutoFit/>
+          </a:bodyPr>
+          <a:lstStyle/>
+          <a:p>
+            <a:pPr marL="571500" indent="-571500">
+              <a:buFont typeface="Arial" panose="020B0604020202020204" pitchFamily="34" charset="0"/>
+              <a:buChar char="•"/>
+            </a:pPr>
+            <a:r>
+              <a:rPr lang="en-US" sz="3600" dirty="0" smtClean="0"/>
+              <a:t>Also you could use with singleton:</a:t>
+            </a:r>
+            <a:endParaRPr lang="ru-RU" sz="3600" dirty="0"/>
+          </a:p>
+        </p:txBody>
+      </p:sp>
+      <p:sp>
+        <p:nvSpPr>
+          <p:cNvPr id="17" name="TextBox 16"/>
+          <p:cNvSpPr txBox="1"/>
+          <p:nvPr/>
+        </p:nvSpPr>
+        <p:spPr>
+          <a:xfrm>
+            <a:off x="27819" y="3432360"/>
+            <a:ext cx="11325981" cy="646331"/>
+          </a:xfrm>
+          <a:prstGeom prst="rect">
+            <a:avLst/>
+          </a:prstGeom>
+          <a:noFill/>
+        </p:spPr>
+        <p:txBody>
+          <a:bodyPr wrap="square" rtlCol="0">
+            <a:spAutoFit/>
+          </a:bodyPr>
+          <a:lstStyle/>
+          <a:p>
+            <a:pPr marL="1028700" lvl="1" indent="-571500">
+              <a:buFont typeface="Courier New" panose="02070309020205020404" pitchFamily="49" charset="0"/>
+              <a:buChar char="o"/>
+            </a:pPr>
+            <a:r>
+              <a:rPr lang="en-US" sz="3600" dirty="0" smtClean="0"/>
+              <a:t>Abstract factory</a:t>
+            </a:r>
+            <a:endParaRPr lang="ru-RU" sz="3600" dirty="0"/>
+          </a:p>
+        </p:txBody>
+      </p:sp>
+      <p:sp>
+        <p:nvSpPr>
+          <p:cNvPr id="19" name="TextBox 18"/>
+          <p:cNvSpPr txBox="1"/>
+          <p:nvPr/>
+        </p:nvSpPr>
+        <p:spPr>
+          <a:xfrm>
+            <a:off x="4838" y="4401092"/>
+            <a:ext cx="11325981" cy="646331"/>
+          </a:xfrm>
+          <a:prstGeom prst="rect">
+            <a:avLst/>
+          </a:prstGeom>
+          <a:noFill/>
+        </p:spPr>
+        <p:txBody>
+          <a:bodyPr wrap="square" rtlCol="0">
+            <a:spAutoFit/>
+          </a:bodyPr>
+          <a:lstStyle/>
+          <a:p>
+            <a:pPr marL="1028700" lvl="1" indent="-571500">
+              <a:buFont typeface="Courier New" panose="02070309020205020404" pitchFamily="49" charset="0"/>
+              <a:buChar char="o"/>
+            </a:pPr>
+            <a:r>
+              <a:rPr lang="en-US" sz="3600" dirty="0" smtClean="0"/>
+              <a:t>Builder</a:t>
+            </a:r>
+            <a:endParaRPr lang="ru-RU" sz="3600" dirty="0"/>
+          </a:p>
+        </p:txBody>
+      </p:sp>
+      <p:sp>
+        <p:nvSpPr>
+          <p:cNvPr id="20" name="TextBox 19"/>
+          <p:cNvSpPr txBox="1"/>
+          <p:nvPr/>
+        </p:nvSpPr>
+        <p:spPr>
+          <a:xfrm>
+            <a:off x="-60476" y="5369824"/>
+            <a:ext cx="11325981" cy="646331"/>
+          </a:xfrm>
+          <a:prstGeom prst="rect">
+            <a:avLst/>
+          </a:prstGeom>
+          <a:noFill/>
+        </p:spPr>
+        <p:txBody>
+          <a:bodyPr wrap="square" rtlCol="0">
+            <a:spAutoFit/>
+          </a:bodyPr>
+          <a:lstStyle/>
+          <a:p>
+            <a:pPr marL="1028700" lvl="1" indent="-571500">
+              <a:buFont typeface="Courier New" panose="02070309020205020404" pitchFamily="49" charset="0"/>
+              <a:buChar char="o"/>
+            </a:pPr>
+            <a:r>
+              <a:rPr lang="en-US" sz="3600" dirty="0" smtClean="0"/>
+              <a:t>Prototype</a:t>
+            </a:r>
+            <a:endParaRPr lang="ru-RU" sz="3600" dirty="0"/>
+          </a:p>
+        </p:txBody>
+      </p:sp>
+      <p:sp>
+        <p:nvSpPr>
+          <p:cNvPr id="21" name="Slide Number Placeholder 54"/>
+          <p:cNvSpPr>
+            <a:spLocks noGrp="1"/>
+          </p:cNvSpPr>
+          <p:nvPr>
+            <p:ph type="sldNum" sz="quarter" idx="12"/>
+          </p:nvPr>
+        </p:nvSpPr>
+        <p:spPr>
+          <a:xfrm>
+            <a:off x="8610600" y="6356350"/>
+            <a:ext cx="2743200" cy="365125"/>
+          </a:xfrm>
+        </p:spPr>
+        <p:txBody>
+          <a:bodyPr/>
+          <a:lstStyle/>
+          <a:p>
+            <a:r>
+              <a:rPr lang="en-US" dirty="0" smtClean="0">
+                <a:solidFill>
+                  <a:schemeClr val="tx1"/>
+                </a:solidFill>
+              </a:rPr>
+              <a:t>13 </a:t>
+            </a:r>
+            <a:r>
+              <a:rPr lang="en-US" dirty="0" smtClean="0">
+                <a:solidFill>
+                  <a:schemeClr val="tx1"/>
+                </a:solidFill>
+              </a:rPr>
+              <a:t>out </a:t>
+            </a:r>
+            <a:r>
+              <a:rPr lang="en-US" dirty="0" smtClean="0">
+                <a:solidFill>
+                  <a:schemeClr val="tx1"/>
+                </a:solidFill>
+              </a:rPr>
+              <a:t>of 14</a:t>
+            </a:r>
+            <a:endParaRPr lang="en-US" dirty="0" smtClean="0">
+              <a:solidFill>
+                <a:schemeClr val="tx1"/>
+              </a:solidFill>
+            </a:endParaRPr>
+          </a:p>
+        </p:txBody>
+      </p:sp>
+    </p:spTree>
+    <p:extLst>
+      <p:ext uri="{BB962C8B-B14F-4D97-AF65-F5344CB8AC3E}">
+        <p14:creationId xmlns:p14="http://schemas.microsoft.com/office/powerpoint/2010/main" val="1737480748"/>
+      </p:ext>
+    </p:extLst>
+  </p:cSld>
+  <p:clrMapOvr>
+    <a:masterClrMapping/>
+  </p:clrMapOvr>
+  <mc:AlternateContent xmlns:mc="http://schemas.openxmlformats.org/markup-compatibility/2006">
+    <mc:Choice xmlns:p14="http://schemas.microsoft.com/office/powerpoint/2010/main" Requires="p14">
+      <p:transition p14:dur="10"/>
+    </mc:Choice>
+    <mc:Fallback>
+      <p:transition/>
+    </mc:Fallback>
+  </mc:AlternateContent>
+  <p:timing>
+    <p:tnLst>
+      <p:par>
+        <p:cTn id="1" dur="indefinite" restart="never" nodeType="tmRoot">
+          <p:childTnLst>
+            <p:seq concurrent="1" nextAc="seek">
+              <p:cTn id="2" dur="indefinite" nodeType="mainSeq">
+                <p:childTnLst>
+                  <p:par>
+                    <p:cTn id="3" fill="hold">
+                      <p:stCondLst>
+                        <p:cond delay="indefinite"/>
+                      </p:stCondLst>
+                      <p:childTnLst>
+                        <p:par>
+                          <p:cTn id="4" fill="hold">
+                            <p:stCondLst>
+                              <p:cond delay="0"/>
+                            </p:stCondLst>
+                            <p:childTnLst>
+                              <p:par>
+                                <p:cTn id="5" presetID="10" presetClass="entr" presetSubtype="0" fill="hold" grpId="0" nodeType="clickEffect">
+                                  <p:stCondLst>
+                                    <p:cond delay="0"/>
+                                  </p:stCondLst>
+                                  <p:childTnLst>
+                                    <p:set>
+                                      <p:cBhvr>
+                                        <p:cTn id="6" dur="1" fill="hold">
+                                          <p:stCondLst>
+                                            <p:cond delay="0"/>
+                                          </p:stCondLst>
+                                        </p:cTn>
+                                        <p:tgtEl>
+                                          <p:spTgt spid="6"/>
+                                        </p:tgtEl>
+                                        <p:attrNameLst>
+                                          <p:attrName>style.visibility</p:attrName>
+                                        </p:attrNameLst>
+                                      </p:cBhvr>
+                                      <p:to>
+                                        <p:strVal val="visible"/>
+                                      </p:to>
+                                    </p:set>
+                                    <p:animEffect transition="in" filter="fade">
+                                      <p:cBhvr>
+                                        <p:cTn id="7" dur="500"/>
+                                        <p:tgtEl>
+                                          <p:spTgt spid="6"/>
+                                        </p:tgtEl>
+                                      </p:cBhvr>
+                                    </p:animEffect>
+                                  </p:childTnLst>
+                                </p:cTn>
+                              </p:par>
+                            </p:childTnLst>
+                          </p:cTn>
+                        </p:par>
+                      </p:childTnLst>
+                    </p:cTn>
+                  </p:par>
+                  <p:par>
+                    <p:cTn id="8" fill="hold">
+                      <p:stCondLst>
+                        <p:cond delay="indefinite"/>
+                      </p:stCondLst>
+                      <p:childTnLst>
+                        <p:par>
+                          <p:cTn id="9" fill="hold">
+                            <p:stCondLst>
+                              <p:cond delay="0"/>
+                            </p:stCondLst>
+                            <p:childTnLst>
+                              <p:par>
+                                <p:cTn id="10" presetID="10" presetClass="entr" presetSubtype="0" fill="hold" grpId="0" nodeType="clickEffect">
+                                  <p:stCondLst>
+                                    <p:cond delay="0"/>
+                                  </p:stCondLst>
+                                  <p:childTnLst>
+                                    <p:set>
+                                      <p:cBhvr>
+                                        <p:cTn id="11" dur="1" fill="hold">
+                                          <p:stCondLst>
+                                            <p:cond delay="0"/>
+                                          </p:stCondLst>
+                                        </p:cTn>
+                                        <p:tgtEl>
+                                          <p:spTgt spid="14"/>
+                                        </p:tgtEl>
+                                        <p:attrNameLst>
+                                          <p:attrName>style.visibility</p:attrName>
+                                        </p:attrNameLst>
+                                      </p:cBhvr>
+                                      <p:to>
+                                        <p:strVal val="visible"/>
+                                      </p:to>
+                                    </p:set>
+                                    <p:animEffect transition="in" filter="fade">
+                                      <p:cBhvr>
+                                        <p:cTn id="12" dur="500"/>
+                                        <p:tgtEl>
+                                          <p:spTgt spid="14"/>
+                                        </p:tgtEl>
+                                      </p:cBhvr>
+                                    </p:animEffect>
+                                  </p:childTnLst>
+                                </p:cTn>
+                              </p:par>
+                            </p:childTnLst>
+                          </p:cTn>
+                        </p:par>
+                      </p:childTnLst>
+                    </p:cTn>
+                  </p:par>
+                  <p:par>
+                    <p:cTn id="13" fill="hold">
+                      <p:stCondLst>
+                        <p:cond delay="indefinite"/>
+                      </p:stCondLst>
+                      <p:childTnLst>
+                        <p:par>
+                          <p:cTn id="14" fill="hold">
+                            <p:stCondLst>
+                              <p:cond delay="0"/>
+                            </p:stCondLst>
+                            <p:childTnLst>
+                              <p:par>
+                                <p:cTn id="15" presetID="10" presetClass="entr" presetSubtype="0" fill="hold" grpId="0" nodeType="clickEffect">
+                                  <p:stCondLst>
+                                    <p:cond delay="0"/>
+                                  </p:stCondLst>
+                                  <p:childTnLst>
+                                    <p:set>
+                                      <p:cBhvr>
+                                        <p:cTn id="16" dur="1" fill="hold">
+                                          <p:stCondLst>
+                                            <p:cond delay="0"/>
+                                          </p:stCondLst>
+                                        </p:cTn>
+                                        <p:tgtEl>
+                                          <p:spTgt spid="17"/>
+                                        </p:tgtEl>
+                                        <p:attrNameLst>
+                                          <p:attrName>style.visibility</p:attrName>
+                                        </p:attrNameLst>
+                                      </p:cBhvr>
+                                      <p:to>
+                                        <p:strVal val="visible"/>
+                                      </p:to>
+                                    </p:set>
+                                    <p:animEffect transition="in" filter="fade">
+                                      <p:cBhvr>
+                                        <p:cTn id="17" dur="500"/>
+                                        <p:tgtEl>
+                                          <p:spTgt spid="17"/>
+                                        </p:tgtEl>
+                                      </p:cBhvr>
+                                    </p:animEffect>
+                                  </p:childTnLst>
+                                </p:cTn>
+                              </p:par>
+                            </p:childTnLst>
+                          </p:cTn>
+                        </p:par>
+                      </p:childTnLst>
+                    </p:cTn>
+                  </p:par>
+                  <p:par>
+                    <p:cTn id="18" fill="hold">
+                      <p:stCondLst>
+                        <p:cond delay="indefinite"/>
+                      </p:stCondLst>
+                      <p:childTnLst>
+                        <p:par>
+                          <p:cTn id="19" fill="hold">
+                            <p:stCondLst>
+                              <p:cond delay="0"/>
+                            </p:stCondLst>
+                            <p:childTnLst>
+                              <p:par>
+                                <p:cTn id="20" presetID="10" presetClass="entr" presetSubtype="0" fill="hold" grpId="0" nodeType="clickEffect">
+                                  <p:stCondLst>
+                                    <p:cond delay="0"/>
+                                  </p:stCondLst>
+                                  <p:childTnLst>
+                                    <p:set>
+                                      <p:cBhvr>
+                                        <p:cTn id="21" dur="1" fill="hold">
+                                          <p:stCondLst>
+                                            <p:cond delay="0"/>
+                                          </p:stCondLst>
+                                        </p:cTn>
+                                        <p:tgtEl>
+                                          <p:spTgt spid="19"/>
+                                        </p:tgtEl>
+                                        <p:attrNameLst>
+                                          <p:attrName>style.visibility</p:attrName>
+                                        </p:attrNameLst>
+                                      </p:cBhvr>
+                                      <p:to>
+                                        <p:strVal val="visible"/>
+                                      </p:to>
+                                    </p:set>
+                                    <p:animEffect transition="in" filter="fade">
+                                      <p:cBhvr>
+                                        <p:cTn id="22" dur="500"/>
+                                        <p:tgtEl>
+                                          <p:spTgt spid="19"/>
+                                        </p:tgtEl>
+                                      </p:cBhvr>
+                                    </p:animEffect>
+                                  </p:childTnLst>
+                                </p:cTn>
+                              </p:par>
+                            </p:childTnLst>
+                          </p:cTn>
+                        </p:par>
+                      </p:childTnLst>
+                    </p:cTn>
+                  </p:par>
+                  <p:par>
+                    <p:cTn id="23" fill="hold">
+                      <p:stCondLst>
+                        <p:cond delay="indefinite"/>
+                      </p:stCondLst>
+                      <p:childTnLst>
+                        <p:par>
+                          <p:cTn id="24" fill="hold">
+                            <p:stCondLst>
+                              <p:cond delay="0"/>
+                            </p:stCondLst>
+                            <p:childTnLst>
+                              <p:par>
+                                <p:cTn id="25" presetID="10" presetClass="entr" presetSubtype="0" fill="hold" grpId="0" nodeType="clickEffect">
+                                  <p:stCondLst>
+                                    <p:cond delay="0"/>
+                                  </p:stCondLst>
+                                  <p:childTnLst>
+                                    <p:set>
+                                      <p:cBhvr>
+                                        <p:cTn id="26" dur="1" fill="hold">
+                                          <p:stCondLst>
+                                            <p:cond delay="0"/>
+                                          </p:stCondLst>
+                                        </p:cTn>
+                                        <p:tgtEl>
+                                          <p:spTgt spid="20"/>
+                                        </p:tgtEl>
+                                        <p:attrNameLst>
+                                          <p:attrName>style.visibility</p:attrName>
+                                        </p:attrNameLst>
+                                      </p:cBhvr>
+                                      <p:to>
+                                        <p:strVal val="visible"/>
+                                      </p:to>
+                                    </p:set>
+                                    <p:animEffect transition="in" filter="fade">
+                                      <p:cBhvr>
+                                        <p:cTn id="27" dur="500"/>
+                                        <p:tgtEl>
+                                          <p:spTgt spid="20"/>
+                                        </p:tgtEl>
+                                      </p:cBhvr>
+                                    </p:animEffect>
+                                  </p:childTnLst>
+                                </p:cTn>
+                              </p:par>
+                            </p:childTnLst>
+                          </p:cTn>
+                        </p:par>
+                      </p:childTnLst>
+                    </p:cTn>
+                  </p:par>
+                </p:childTnLst>
+              </p:cTn>
+              <p:prevCondLst>
+                <p:cond evt="onPrev" delay="0">
+                  <p:tgtEl>
+                    <p:sldTgt/>
+                  </p:tgtEl>
+                </p:cond>
+              </p:prevCondLst>
+              <p:nextCondLst>
+                <p:cond evt="onNext" delay="0">
+                  <p:tgtEl>
+                    <p:sldTgt/>
+                  </p:tgtEl>
+                </p:cond>
+              </p:nextCondLst>
+            </p:seq>
+          </p:childTnLst>
+        </p:cTn>
+      </p:par>
+    </p:tnLst>
+    <p:bldLst>
+      <p:bldP spid="6" grpId="0"/>
+      <p:bldP spid="14" grpId="0"/>
+      <p:bldP spid="17" grpId="0"/>
+      <p:bldP spid="19" grpId="0"/>
+      <p:bldP spid="20" grpId="0"/>
+    </p:bldLst>
+  </p:timing>
+</p:sld>
+</file>
+
+<file path=ppt/slides/slide15.xml><?xml version="1.0" encoding="utf-8"?>
+<p:sld xmlns:a="http://schemas.openxmlformats.org/drawingml/2006/main" xmlns:r="http://schemas.openxmlformats.org/officeDocument/2006/relationships" xmlns:p="http://schemas.openxmlformats.org/presentationml/2006/main">
+  <p:cSld>
+    <p:spTree>
+      <p:nvGrpSpPr>
+        <p:cNvPr id="1" name=""/>
+        <p:cNvGrpSpPr/>
+        <p:nvPr/>
+      </p:nvGrpSpPr>
+      <p:grpSpPr>
+        <a:xfrm>
+          <a:off x="0" y="0"/>
+          <a:ext cx="0" cy="0"/>
+          <a:chOff x="0" y="0"/>
+          <a:chExt cx="0" cy="0"/>
+        </a:xfrm>
+      </p:grpSpPr>
+      <p:sp>
+        <p:nvSpPr>
+          <p:cNvPr id="3" name="Date Placeholder 2"/>
+          <p:cNvSpPr>
+            <a:spLocks noGrp="1"/>
+          </p:cNvSpPr>
+          <p:nvPr>
+            <p:ph type="dt" sz="half" idx="10"/>
+          </p:nvPr>
+        </p:nvSpPr>
+        <p:spPr/>
+        <p:txBody>
+          <a:bodyPr/>
+          <a:lstStyle/>
+          <a:p>
+            <a:fld id="{AB18DE3F-9B93-4889-A323-6EC312FABF66}" type="datetime3">
+              <a:rPr lang="en-US" smtClean="0">
+                <a:solidFill>
+                  <a:schemeClr val="tx1"/>
+                </a:solidFill>
+              </a:rPr>
+              <a:t>23 February 2019</a:t>
+            </a:fld>
+            <a:endParaRPr lang="ru-RU">
+              <a:solidFill>
+                <a:schemeClr val="tx1"/>
+              </a:solidFill>
+            </a:endParaRPr>
+          </a:p>
+        </p:txBody>
+      </p:sp>
+      <p:pic>
+        <p:nvPicPr>
+          <p:cNvPr id="16" name="Picture 15"/>
+          <p:cNvPicPr>
+            <a:picLocks noChangeAspect="1"/>
+          </p:cNvPicPr>
+          <p:nvPr/>
+        </p:nvPicPr>
+        <p:blipFill rotWithShape="1">
+          <a:blip r:embed="rId3" cstate="print">
+            <a:extLst>
+              <a:ext uri="{28A0092B-C50C-407E-A947-70E740481C1C}">
+                <a14:useLocalDpi xmlns:a14="http://schemas.microsoft.com/office/drawing/2010/main" val="0"/>
+              </a:ext>
+            </a:extLst>
+          </a:blip>
+          <a:srcRect l="20401" t="25502" r="20401" b="25502"/>
+          <a:stretch/>
+        </p:blipFill>
+        <p:spPr>
+          <a:xfrm>
+            <a:off x="11055002" y="0"/>
+            <a:ext cx="1136998" cy="941010"/>
+          </a:xfrm>
+          <a:prstGeom prst="rect">
+            <a:avLst/>
+          </a:prstGeom>
+        </p:spPr>
+      </p:pic>
+      <p:sp>
+        <p:nvSpPr>
+          <p:cNvPr id="4" name="Title 3"/>
+          <p:cNvSpPr>
+            <a:spLocks noGrp="1"/>
+          </p:cNvSpPr>
+          <p:nvPr>
+            <p:ph type="title"/>
+          </p:nvPr>
+        </p:nvSpPr>
+        <p:spPr>
+          <a:xfrm>
+            <a:off x="0" y="0"/>
+            <a:ext cx="10515600" cy="1325563"/>
+          </a:xfrm>
+        </p:spPr>
+        <p:txBody>
+          <a:bodyPr>
+            <a:normAutofit/>
+          </a:bodyPr>
+          <a:lstStyle/>
+          <a:p>
+            <a:r>
+              <a:rPr lang="en-US" sz="5400" dirty="0" smtClean="0"/>
+              <a:t>Singleton and Object pool</a:t>
+            </a:r>
+            <a:endParaRPr lang="ru-RU" sz="5400" dirty="0"/>
+          </a:p>
+        </p:txBody>
+      </p:sp>
+      <p:sp>
+        <p:nvSpPr>
+          <p:cNvPr id="6" name="TextBox 5"/>
+          <p:cNvSpPr txBox="1"/>
+          <p:nvPr/>
+        </p:nvSpPr>
+        <p:spPr>
+          <a:xfrm>
+            <a:off x="0" y="1494896"/>
+            <a:ext cx="11524343" cy="646331"/>
+          </a:xfrm>
+          <a:prstGeom prst="rect">
+            <a:avLst/>
+          </a:prstGeom>
+          <a:noFill/>
+        </p:spPr>
+        <p:txBody>
+          <a:bodyPr wrap="square" rtlCol="0">
+            <a:spAutoFit/>
+          </a:bodyPr>
+          <a:lstStyle/>
+          <a:p>
+            <a:pPr marL="571500" indent="-571500">
+              <a:buFont typeface="Arial" panose="020B0604020202020204" pitchFamily="34" charset="0"/>
+              <a:buChar char="•"/>
+            </a:pPr>
+            <a:r>
+              <a:rPr lang="en-US" sz="3600" dirty="0" smtClean="0"/>
+              <a:t>The real reason for using singleton is </a:t>
+            </a:r>
+            <a:r>
+              <a:rPr lang="en-US" sz="3600" b="1" dirty="0" smtClean="0"/>
+              <a:t>resource contention</a:t>
+            </a:r>
+            <a:endParaRPr lang="ru-RU" sz="3600" b="1" dirty="0"/>
+          </a:p>
+        </p:txBody>
+      </p:sp>
+      <p:sp>
+        <p:nvSpPr>
+          <p:cNvPr id="14" name="TextBox 13"/>
+          <p:cNvSpPr txBox="1"/>
+          <p:nvPr/>
+        </p:nvSpPr>
+        <p:spPr>
+          <a:xfrm>
+            <a:off x="-1" y="2468466"/>
+            <a:ext cx="11325981" cy="646331"/>
+          </a:xfrm>
+          <a:prstGeom prst="rect">
+            <a:avLst/>
+          </a:prstGeom>
+          <a:noFill/>
+        </p:spPr>
+        <p:txBody>
+          <a:bodyPr wrap="square" rtlCol="0">
+            <a:spAutoFit/>
+          </a:bodyPr>
+          <a:lstStyle/>
+          <a:p>
+            <a:pPr marL="571500" indent="-571500">
+              <a:buFont typeface="Arial" panose="020B0604020202020204" pitchFamily="34" charset="0"/>
+              <a:buChar char="•"/>
+            </a:pPr>
+            <a:r>
+              <a:rPr lang="en-US" sz="3600" dirty="0" smtClean="0"/>
+              <a:t>You need singleton if you have resource that:</a:t>
+            </a:r>
+            <a:endParaRPr lang="ru-RU" sz="3600" dirty="0"/>
+          </a:p>
+        </p:txBody>
+      </p:sp>
+      <p:sp>
+        <p:nvSpPr>
+          <p:cNvPr id="17" name="TextBox 16"/>
+          <p:cNvSpPr txBox="1"/>
+          <p:nvPr/>
+        </p:nvSpPr>
+        <p:spPr>
+          <a:xfrm>
+            <a:off x="27819" y="3432360"/>
+            <a:ext cx="11325981" cy="646331"/>
+          </a:xfrm>
+          <a:prstGeom prst="rect">
+            <a:avLst/>
+          </a:prstGeom>
+          <a:noFill/>
+        </p:spPr>
+        <p:txBody>
+          <a:bodyPr wrap="square" rtlCol="0">
+            <a:spAutoFit/>
+          </a:bodyPr>
+          <a:lstStyle/>
+          <a:p>
+            <a:pPr marL="1028700" lvl="1" indent="-571500">
+              <a:buFont typeface="Courier New" panose="02070309020205020404" pitchFamily="49" charset="0"/>
+              <a:buChar char="o"/>
+            </a:pPr>
+            <a:r>
+              <a:rPr lang="en-US" sz="3600" dirty="0" smtClean="0"/>
+              <a:t>Can only have a single instance</a:t>
+            </a:r>
+            <a:endParaRPr lang="ru-RU" sz="3600" dirty="0"/>
+          </a:p>
+        </p:txBody>
+      </p:sp>
+      <p:sp>
+        <p:nvSpPr>
+          <p:cNvPr id="19" name="TextBox 18"/>
+          <p:cNvSpPr txBox="1"/>
+          <p:nvPr/>
+        </p:nvSpPr>
+        <p:spPr>
+          <a:xfrm>
+            <a:off x="4838" y="4401092"/>
+            <a:ext cx="11325981" cy="646331"/>
+          </a:xfrm>
+          <a:prstGeom prst="rect">
+            <a:avLst/>
+          </a:prstGeom>
+          <a:noFill/>
+        </p:spPr>
+        <p:txBody>
+          <a:bodyPr wrap="square" rtlCol="0">
+            <a:spAutoFit/>
+          </a:bodyPr>
+          <a:lstStyle/>
+          <a:p>
+            <a:pPr marL="1028700" lvl="1" indent="-571500">
+              <a:buFont typeface="Courier New" panose="02070309020205020404" pitchFamily="49" charset="0"/>
+              <a:buChar char="o"/>
+            </a:pPr>
+            <a:r>
+              <a:rPr lang="en-US" sz="3600" dirty="0" smtClean="0"/>
+              <a:t>Has to be managed</a:t>
+            </a:r>
+            <a:endParaRPr lang="ru-RU" sz="3600" dirty="0"/>
+          </a:p>
+        </p:txBody>
+      </p:sp>
+      <p:sp>
+        <p:nvSpPr>
+          <p:cNvPr id="20" name="TextBox 19"/>
+          <p:cNvSpPr txBox="1"/>
+          <p:nvPr/>
+        </p:nvSpPr>
+        <p:spPr>
+          <a:xfrm>
+            <a:off x="-60476" y="5369824"/>
+            <a:ext cx="11325981" cy="646331"/>
+          </a:xfrm>
+          <a:prstGeom prst="rect">
+            <a:avLst/>
+          </a:prstGeom>
+          <a:noFill/>
+        </p:spPr>
+        <p:txBody>
+          <a:bodyPr wrap="square" rtlCol="0">
+            <a:spAutoFit/>
+          </a:bodyPr>
+          <a:lstStyle/>
+          <a:p>
+            <a:pPr marL="571500" indent="-571500">
+              <a:buFont typeface="Arial" panose="020B0604020202020204" pitchFamily="34" charset="0"/>
+              <a:buChar char="•"/>
+            </a:pPr>
+            <a:r>
+              <a:rPr lang="en-US" sz="3600" dirty="0" smtClean="0"/>
+              <a:t>For example: Log file, Database, Object Pool</a:t>
+            </a:r>
+            <a:endParaRPr lang="ru-RU" sz="3600" dirty="0"/>
+          </a:p>
+        </p:txBody>
+      </p:sp>
+      <p:sp>
+        <p:nvSpPr>
+          <p:cNvPr id="11" name="Slide Number Placeholder 54"/>
+          <p:cNvSpPr>
+            <a:spLocks noGrp="1"/>
+          </p:cNvSpPr>
+          <p:nvPr>
+            <p:ph type="sldNum" sz="quarter" idx="12"/>
+          </p:nvPr>
+        </p:nvSpPr>
+        <p:spPr>
+          <a:xfrm>
+            <a:off x="8610600" y="6356350"/>
+            <a:ext cx="2743200" cy="365125"/>
+          </a:xfrm>
+        </p:spPr>
+        <p:txBody>
+          <a:bodyPr/>
+          <a:lstStyle/>
+          <a:p>
+            <a:r>
+              <a:rPr lang="en-US" dirty="0" smtClean="0">
+                <a:solidFill>
+                  <a:schemeClr val="tx1"/>
+                </a:solidFill>
+              </a:rPr>
+              <a:t>14 </a:t>
+            </a:r>
+            <a:r>
+              <a:rPr lang="en-US" dirty="0" smtClean="0">
+                <a:solidFill>
+                  <a:schemeClr val="tx1"/>
+                </a:solidFill>
+              </a:rPr>
+              <a:t>out </a:t>
+            </a:r>
+            <a:r>
+              <a:rPr lang="en-US" dirty="0" smtClean="0">
+                <a:solidFill>
+                  <a:schemeClr val="tx1"/>
+                </a:solidFill>
+              </a:rPr>
+              <a:t>of 14</a:t>
+            </a:r>
+            <a:endParaRPr lang="en-US" dirty="0" smtClean="0">
+              <a:solidFill>
+                <a:schemeClr val="tx1"/>
+              </a:solidFill>
+            </a:endParaRPr>
+          </a:p>
+        </p:txBody>
+      </p:sp>
+    </p:spTree>
+    <p:extLst>
+      <p:ext uri="{BB962C8B-B14F-4D97-AF65-F5344CB8AC3E}">
+        <p14:creationId xmlns:p14="http://schemas.microsoft.com/office/powerpoint/2010/main" val="1561835270"/>
+      </p:ext>
+    </p:extLst>
+  </p:cSld>
+  <p:clrMapOvr>
+    <a:masterClrMapping/>
+  </p:clrMapOvr>
+  <mc:AlternateContent xmlns:mc="http://schemas.openxmlformats.org/markup-compatibility/2006">
+    <mc:Choice xmlns:p14="http://schemas.microsoft.com/office/powerpoint/2010/main" Requires="p14">
+      <p:transition p14:dur="10"/>
+    </mc:Choice>
+    <mc:Fallback>
+      <p:transition/>
+    </mc:Fallback>
+  </mc:AlternateContent>
+  <p:timing>
+    <p:tnLst>
+      <p:par>
+        <p:cTn id="1" dur="indefinite" restart="never" nodeType="tmRoot">
+          <p:childTnLst>
+            <p:seq concurrent="1" nextAc="seek">
+              <p:cTn id="2" dur="indefinite" nodeType="mainSeq">
+                <p:childTnLst>
+                  <p:par>
+                    <p:cTn id="3" fill="hold">
+                      <p:stCondLst>
+                        <p:cond delay="indefinite"/>
+                      </p:stCondLst>
+                      <p:childTnLst>
+                        <p:par>
+                          <p:cTn id="4" fill="hold">
+                            <p:stCondLst>
+                              <p:cond delay="0"/>
+                            </p:stCondLst>
+                            <p:childTnLst>
+                              <p:par>
+                                <p:cTn id="5" presetID="10" presetClass="entr" presetSubtype="0" fill="hold" grpId="0" nodeType="clickEffect">
+                                  <p:stCondLst>
+                                    <p:cond delay="0"/>
+                                  </p:stCondLst>
+                                  <p:childTnLst>
+                                    <p:set>
+                                      <p:cBhvr>
+                                        <p:cTn id="6" dur="1" fill="hold">
+                                          <p:stCondLst>
+                                            <p:cond delay="0"/>
+                                          </p:stCondLst>
+                                        </p:cTn>
+                                        <p:tgtEl>
+                                          <p:spTgt spid="6"/>
+                                        </p:tgtEl>
+                                        <p:attrNameLst>
+                                          <p:attrName>style.visibility</p:attrName>
+                                        </p:attrNameLst>
+                                      </p:cBhvr>
+                                      <p:to>
+                                        <p:strVal val="visible"/>
+                                      </p:to>
+                                    </p:set>
+                                    <p:animEffect transition="in" filter="fade">
+                                      <p:cBhvr>
+                                        <p:cTn id="7" dur="500"/>
+                                        <p:tgtEl>
+                                          <p:spTgt spid="6"/>
+                                        </p:tgtEl>
+                                      </p:cBhvr>
+                                    </p:animEffect>
+                                  </p:childTnLst>
+                                </p:cTn>
+                              </p:par>
+                            </p:childTnLst>
+                          </p:cTn>
+                        </p:par>
+                      </p:childTnLst>
+                    </p:cTn>
+                  </p:par>
+                  <p:par>
+                    <p:cTn id="8" fill="hold">
+                      <p:stCondLst>
+                        <p:cond delay="indefinite"/>
+                      </p:stCondLst>
+                      <p:childTnLst>
+                        <p:par>
+                          <p:cTn id="9" fill="hold">
+                            <p:stCondLst>
+                              <p:cond delay="0"/>
+                            </p:stCondLst>
+                            <p:childTnLst>
+                              <p:par>
+                                <p:cTn id="10" presetID="10" presetClass="entr" presetSubtype="0" fill="hold" grpId="0" nodeType="clickEffect">
+                                  <p:stCondLst>
+                                    <p:cond delay="0"/>
+                                  </p:stCondLst>
+                                  <p:childTnLst>
+                                    <p:set>
+                                      <p:cBhvr>
+                                        <p:cTn id="11" dur="1" fill="hold">
+                                          <p:stCondLst>
+                                            <p:cond delay="0"/>
+                                          </p:stCondLst>
+                                        </p:cTn>
+                                        <p:tgtEl>
+                                          <p:spTgt spid="14"/>
+                                        </p:tgtEl>
+                                        <p:attrNameLst>
+                                          <p:attrName>style.visibility</p:attrName>
+                                        </p:attrNameLst>
+                                      </p:cBhvr>
+                                      <p:to>
+                                        <p:strVal val="visible"/>
+                                      </p:to>
+                                    </p:set>
+                                    <p:animEffect transition="in" filter="fade">
+                                      <p:cBhvr>
+                                        <p:cTn id="12" dur="500"/>
+                                        <p:tgtEl>
+                                          <p:spTgt spid="14"/>
+                                        </p:tgtEl>
+                                      </p:cBhvr>
+                                    </p:animEffect>
+                                  </p:childTnLst>
+                                </p:cTn>
+                              </p:par>
+                            </p:childTnLst>
+                          </p:cTn>
+                        </p:par>
+                      </p:childTnLst>
+                    </p:cTn>
+                  </p:par>
+                  <p:par>
+                    <p:cTn id="13" fill="hold">
+                      <p:stCondLst>
+                        <p:cond delay="indefinite"/>
+                      </p:stCondLst>
+                      <p:childTnLst>
+                        <p:par>
+                          <p:cTn id="14" fill="hold">
+                            <p:stCondLst>
+                              <p:cond delay="0"/>
+                            </p:stCondLst>
+                            <p:childTnLst>
+                              <p:par>
+                                <p:cTn id="15" presetID="10" presetClass="entr" presetSubtype="0" fill="hold" grpId="0" nodeType="clickEffect">
+                                  <p:stCondLst>
+                                    <p:cond delay="0"/>
+                                  </p:stCondLst>
+                                  <p:childTnLst>
+                                    <p:set>
+                                      <p:cBhvr>
+                                        <p:cTn id="16" dur="1" fill="hold">
+                                          <p:stCondLst>
+                                            <p:cond delay="0"/>
+                                          </p:stCondLst>
+                                        </p:cTn>
+                                        <p:tgtEl>
+                                          <p:spTgt spid="17"/>
+                                        </p:tgtEl>
+                                        <p:attrNameLst>
+                                          <p:attrName>style.visibility</p:attrName>
+                                        </p:attrNameLst>
+                                      </p:cBhvr>
+                                      <p:to>
+                                        <p:strVal val="visible"/>
+                                      </p:to>
+                                    </p:set>
+                                    <p:animEffect transition="in" filter="fade">
+                                      <p:cBhvr>
+                                        <p:cTn id="17" dur="500"/>
+                                        <p:tgtEl>
+                                          <p:spTgt spid="17"/>
+                                        </p:tgtEl>
+                                      </p:cBhvr>
+                                    </p:animEffect>
+                                  </p:childTnLst>
+                                </p:cTn>
+                              </p:par>
+                            </p:childTnLst>
+                          </p:cTn>
+                        </p:par>
+                      </p:childTnLst>
+                    </p:cTn>
+                  </p:par>
+                  <p:par>
+                    <p:cTn id="18" fill="hold">
+                      <p:stCondLst>
+                        <p:cond delay="indefinite"/>
+                      </p:stCondLst>
+                      <p:childTnLst>
+                        <p:par>
+                          <p:cTn id="19" fill="hold">
+                            <p:stCondLst>
+                              <p:cond delay="0"/>
+                            </p:stCondLst>
+                            <p:childTnLst>
+                              <p:par>
+                                <p:cTn id="20" presetID="10" presetClass="entr" presetSubtype="0" fill="hold" grpId="0" nodeType="clickEffect">
+                                  <p:stCondLst>
+                                    <p:cond delay="0"/>
+                                  </p:stCondLst>
+                                  <p:childTnLst>
+                                    <p:set>
+                                      <p:cBhvr>
+                                        <p:cTn id="21" dur="1" fill="hold">
+                                          <p:stCondLst>
+                                            <p:cond delay="0"/>
+                                          </p:stCondLst>
+                                        </p:cTn>
+                                        <p:tgtEl>
+                                          <p:spTgt spid="19"/>
+                                        </p:tgtEl>
+                                        <p:attrNameLst>
+                                          <p:attrName>style.visibility</p:attrName>
+                                        </p:attrNameLst>
+                                      </p:cBhvr>
+                                      <p:to>
+                                        <p:strVal val="visible"/>
+                                      </p:to>
+                                    </p:set>
+                                    <p:animEffect transition="in" filter="fade">
+                                      <p:cBhvr>
+                                        <p:cTn id="22" dur="500"/>
+                                        <p:tgtEl>
+                                          <p:spTgt spid="19"/>
+                                        </p:tgtEl>
+                                      </p:cBhvr>
+                                    </p:animEffect>
+                                  </p:childTnLst>
+                                </p:cTn>
+                              </p:par>
+                            </p:childTnLst>
+                          </p:cTn>
+                        </p:par>
+                      </p:childTnLst>
+                    </p:cTn>
+                  </p:par>
+                  <p:par>
+                    <p:cTn id="23" fill="hold">
+                      <p:stCondLst>
+                        <p:cond delay="indefinite"/>
+                      </p:stCondLst>
+                      <p:childTnLst>
+                        <p:par>
+                          <p:cTn id="24" fill="hold">
+                            <p:stCondLst>
+                              <p:cond delay="0"/>
+                            </p:stCondLst>
+                            <p:childTnLst>
+                              <p:par>
+                                <p:cTn id="25" presetID="10" presetClass="entr" presetSubtype="0" fill="hold" grpId="0" nodeType="clickEffect">
+                                  <p:stCondLst>
+                                    <p:cond delay="0"/>
+                                  </p:stCondLst>
+                                  <p:childTnLst>
+                                    <p:set>
+                                      <p:cBhvr>
+                                        <p:cTn id="26" dur="1" fill="hold">
+                                          <p:stCondLst>
+                                            <p:cond delay="0"/>
+                                          </p:stCondLst>
+                                        </p:cTn>
+                                        <p:tgtEl>
+                                          <p:spTgt spid="20"/>
+                                        </p:tgtEl>
+                                        <p:attrNameLst>
+                                          <p:attrName>style.visibility</p:attrName>
+                                        </p:attrNameLst>
+                                      </p:cBhvr>
+                                      <p:to>
+                                        <p:strVal val="visible"/>
+                                      </p:to>
+                                    </p:set>
+                                    <p:animEffect transition="in" filter="fade">
+                                      <p:cBhvr>
+                                        <p:cTn id="27" dur="500"/>
+                                        <p:tgtEl>
+                                          <p:spTgt spid="20"/>
+                                        </p:tgtEl>
+                                      </p:cBhvr>
+                                    </p:animEffect>
+                                  </p:childTnLst>
+                                </p:cTn>
+                              </p:par>
+                              <p:par>
+                                <p:cTn id="28" presetID="32" presetClass="emph" presetSubtype="0" fill="hold" nodeType="withEffect">
+                                  <p:stCondLst>
+                                    <p:cond delay="0"/>
+                                  </p:stCondLst>
+                                  <p:childTnLst>
+                                    <p:animRot by="120000">
+                                      <p:cBhvr>
+                                        <p:cTn id="29" dur="100" fill="hold">
+                                          <p:stCondLst>
+                                            <p:cond delay="0"/>
+                                          </p:stCondLst>
+                                        </p:cTn>
+                                        <p:tgtEl>
+                                          <p:spTgt spid="16"/>
+                                        </p:tgtEl>
+                                        <p:attrNameLst>
+                                          <p:attrName>r</p:attrName>
+                                        </p:attrNameLst>
+                                      </p:cBhvr>
+                                    </p:animRot>
+                                    <p:animRot by="-240000">
+                                      <p:cBhvr>
+                                        <p:cTn id="30" dur="200" fill="hold">
+                                          <p:stCondLst>
+                                            <p:cond delay="200"/>
+                                          </p:stCondLst>
+                                        </p:cTn>
+                                        <p:tgtEl>
+                                          <p:spTgt spid="16"/>
+                                        </p:tgtEl>
+                                        <p:attrNameLst>
+                                          <p:attrName>r</p:attrName>
+                                        </p:attrNameLst>
+                                      </p:cBhvr>
+                                    </p:animRot>
+                                    <p:animRot by="240000">
+                                      <p:cBhvr>
+                                        <p:cTn id="31" dur="200" fill="hold">
+                                          <p:stCondLst>
+                                            <p:cond delay="400"/>
+                                          </p:stCondLst>
+                                        </p:cTn>
+                                        <p:tgtEl>
+                                          <p:spTgt spid="16"/>
+                                        </p:tgtEl>
+                                        <p:attrNameLst>
+                                          <p:attrName>r</p:attrName>
+                                        </p:attrNameLst>
+                                      </p:cBhvr>
+                                    </p:animRot>
+                                    <p:animRot by="-240000">
+                                      <p:cBhvr>
+                                        <p:cTn id="32" dur="200" fill="hold">
+                                          <p:stCondLst>
+                                            <p:cond delay="600"/>
+                                          </p:stCondLst>
+                                        </p:cTn>
+                                        <p:tgtEl>
+                                          <p:spTgt spid="16"/>
+                                        </p:tgtEl>
+                                        <p:attrNameLst>
+                                          <p:attrName>r</p:attrName>
+                                        </p:attrNameLst>
+                                      </p:cBhvr>
+                                    </p:animRot>
+                                    <p:animRot by="120000">
+                                      <p:cBhvr>
+                                        <p:cTn id="33" dur="200" fill="hold">
+                                          <p:stCondLst>
+                                            <p:cond delay="800"/>
+                                          </p:stCondLst>
+                                        </p:cTn>
+                                        <p:tgtEl>
+                                          <p:spTgt spid="16"/>
+                                        </p:tgtEl>
+                                        <p:attrNameLst>
+                                          <p:attrName>r</p:attrName>
+                                        </p:attrNameLst>
+                                      </p:cBhvr>
+                                    </p:animRot>
+                                  </p:childTnLst>
+                                </p:cTn>
+                              </p:par>
+                            </p:childTnLst>
+                          </p:cTn>
+                        </p:par>
+                      </p:childTnLst>
+                    </p:cTn>
+                  </p:par>
+                </p:childTnLst>
+              </p:cTn>
+              <p:prevCondLst>
+                <p:cond evt="onPrev" delay="0">
+                  <p:tgtEl>
+                    <p:sldTgt/>
+                  </p:tgtEl>
+                </p:cond>
+              </p:prevCondLst>
+              <p:nextCondLst>
+                <p:cond evt="onNext" delay="0">
+                  <p:tgtEl>
+                    <p:sldTgt/>
+                  </p:tgtEl>
+                </p:cond>
+              </p:nextCondLst>
+            </p:seq>
+          </p:childTnLst>
+        </p:cTn>
+      </p:par>
+    </p:tnLst>
+    <p:bldLst>
+      <p:bldP spid="6" grpId="0"/>
+      <p:bldP spid="14" grpId="0"/>
+      <p:bldP spid="17" grpId="0"/>
+      <p:bldP spid="19" grpId="0"/>
+      <p:bldP spid="20" grpId="0"/>
+    </p:bldLst>
+  </p:timing>
+</p:sld>
+</file>
+
+<file path=ppt/slides/slide16.xml><?xml version="1.0" encoding="utf-8"?>
+<p:sld xmlns:a="http://schemas.openxmlformats.org/drawingml/2006/main" xmlns:r="http://schemas.openxmlformats.org/officeDocument/2006/relationships" xmlns:p="http://schemas.openxmlformats.org/presentationml/2006/main">
+  <p:cSld>
+    <p:spTree>
+      <p:nvGrpSpPr>
+        <p:cNvPr id="1" name=""/>
+        <p:cNvGrpSpPr/>
+        <p:nvPr/>
+      </p:nvGrpSpPr>
+      <p:grpSpPr>
+        <a:xfrm>
+          <a:off x="0" y="0"/>
+          <a:ext cx="0" cy="0"/>
+          <a:chOff x="0" y="0"/>
+          <a:chExt cx="0" cy="0"/>
+        </a:xfrm>
+      </p:grpSpPr>
+      <p:sp>
+        <p:nvSpPr>
+          <p:cNvPr id="7" name="Title 3"/>
+          <p:cNvSpPr>
+            <a:spLocks noGrp="1"/>
+          </p:cNvSpPr>
+          <p:nvPr>
+            <p:ph type="title"/>
+          </p:nvPr>
+        </p:nvSpPr>
+        <p:spPr>
+          <a:xfrm>
+            <a:off x="0" y="0"/>
+            <a:ext cx="10515600" cy="1325563"/>
+          </a:xfrm>
+        </p:spPr>
+        <p:txBody>
+          <a:bodyPr>
+            <a:normAutofit/>
+          </a:bodyPr>
+          <a:lstStyle/>
+          <a:p>
+            <a:r>
+              <a:rPr lang="en-US" sz="5400" dirty="0" smtClean="0"/>
+              <a:t>Resources</a:t>
+            </a:r>
+            <a:endParaRPr lang="ru-RU" sz="5400" dirty="0"/>
+          </a:p>
+        </p:txBody>
+      </p:sp>
+      <p:sp>
+        <p:nvSpPr>
+          <p:cNvPr id="8" name="TextBox 7"/>
+          <p:cNvSpPr txBox="1"/>
+          <p:nvPr/>
+        </p:nvSpPr>
+        <p:spPr>
+          <a:xfrm>
+            <a:off x="0" y="1494896"/>
+            <a:ext cx="11524343" cy="523220"/>
+          </a:xfrm>
+          <a:prstGeom prst="rect">
+            <a:avLst/>
+          </a:prstGeom>
+          <a:noFill/>
+        </p:spPr>
+        <p:txBody>
+          <a:bodyPr wrap="square" rtlCol="0">
+            <a:spAutoFit/>
+          </a:bodyPr>
+          <a:lstStyle/>
+          <a:p>
+            <a:pPr marL="571500" indent="-571500">
+              <a:buFont typeface="Arial" panose="020B0604020202020204" pitchFamily="34" charset="0"/>
+              <a:buChar char="•"/>
+            </a:pPr>
+            <a:r>
+              <a:rPr lang="en-US" sz="2800" dirty="0"/>
+              <a:t>https://www.aristeia.com/Papers/DDJ_Jul_Aug_2004_revised.pdf</a:t>
+            </a:r>
+            <a:endParaRPr lang="ru-RU" sz="2800" b="1" dirty="0"/>
+          </a:p>
+        </p:txBody>
+      </p:sp>
+      <p:sp>
+        <p:nvSpPr>
+          <p:cNvPr id="9" name="TextBox 8"/>
+          <p:cNvSpPr txBox="1"/>
+          <p:nvPr/>
+        </p:nvSpPr>
+        <p:spPr>
+          <a:xfrm>
+            <a:off x="-1" y="2468466"/>
+            <a:ext cx="11325981" cy="523220"/>
+          </a:xfrm>
+          <a:prstGeom prst="rect">
+            <a:avLst/>
+          </a:prstGeom>
+          <a:noFill/>
+        </p:spPr>
+        <p:txBody>
+          <a:bodyPr wrap="square" rtlCol="0">
+            <a:spAutoFit/>
+          </a:bodyPr>
+          <a:lstStyle/>
+          <a:p>
+            <a:pPr marL="571500" indent="-571500">
+              <a:buFont typeface="Arial" panose="020B0604020202020204" pitchFamily="34" charset="0"/>
+              <a:buChar char="•"/>
+            </a:pPr>
+            <a:r>
+              <a:rPr lang="en-US" sz="2800" dirty="0"/>
+              <a:t>http://www.modernescpp.com/index.php/prefer-locks-to-mutexes</a:t>
+            </a:r>
+            <a:endParaRPr lang="ru-RU" sz="2800" dirty="0"/>
+          </a:p>
+        </p:txBody>
+      </p:sp>
+      <p:sp>
+        <p:nvSpPr>
+          <p:cNvPr id="10" name="TextBox 9"/>
+          <p:cNvSpPr txBox="1"/>
+          <p:nvPr/>
+        </p:nvSpPr>
+        <p:spPr>
+          <a:xfrm>
+            <a:off x="27819" y="3432360"/>
+            <a:ext cx="11325981" cy="954107"/>
+          </a:xfrm>
+          <a:prstGeom prst="rect">
+            <a:avLst/>
+          </a:prstGeom>
+          <a:noFill/>
+        </p:spPr>
+        <p:txBody>
+          <a:bodyPr wrap="square" rtlCol="0">
+            <a:spAutoFit/>
+          </a:bodyPr>
+          <a:lstStyle/>
+          <a:p>
+            <a:pPr marL="571500" indent="-571500">
+              <a:buFont typeface="Arial" panose="020B0604020202020204" pitchFamily="34" charset="0"/>
+              <a:buChar char="•"/>
+            </a:pPr>
+            <a:r>
+              <a:rPr lang="en-US" sz="2800" dirty="0"/>
+              <a:t>https://www.journaldev.com/1377/java-singleton-design-pattern-best-practices-examples</a:t>
+            </a:r>
+            <a:endParaRPr lang="ru-RU" sz="2800" dirty="0"/>
+          </a:p>
+        </p:txBody>
+      </p:sp>
+      <p:sp>
+        <p:nvSpPr>
+          <p:cNvPr id="11" name="TextBox 10"/>
+          <p:cNvSpPr txBox="1"/>
+          <p:nvPr/>
+        </p:nvSpPr>
+        <p:spPr>
+          <a:xfrm>
+            <a:off x="-2" y="4554980"/>
+            <a:ext cx="11325981" cy="523220"/>
+          </a:xfrm>
+          <a:prstGeom prst="rect">
+            <a:avLst/>
+          </a:prstGeom>
+          <a:noFill/>
+        </p:spPr>
+        <p:txBody>
+          <a:bodyPr wrap="square" rtlCol="0">
+            <a:spAutoFit/>
+          </a:bodyPr>
+          <a:lstStyle/>
+          <a:p>
+            <a:pPr marL="571500" indent="-571500">
+              <a:buFont typeface="Arial" panose="020B0604020202020204" pitchFamily="34" charset="0"/>
+              <a:buChar char="•"/>
+            </a:pPr>
+            <a:r>
+              <a:rPr lang="en-US" sz="2800" dirty="0"/>
+              <a:t>https://stackoverflow.com</a:t>
+            </a:r>
+            <a:endParaRPr lang="ru-RU" sz="2800" dirty="0"/>
+          </a:p>
+        </p:txBody>
+      </p:sp>
+      <p:sp>
+        <p:nvSpPr>
+          <p:cNvPr id="12" name="TextBox 11"/>
+          <p:cNvSpPr txBox="1"/>
+          <p:nvPr/>
+        </p:nvSpPr>
+        <p:spPr>
+          <a:xfrm>
+            <a:off x="-60476" y="5369824"/>
+            <a:ext cx="11325981" cy="523220"/>
+          </a:xfrm>
+          <a:prstGeom prst="rect">
+            <a:avLst/>
+          </a:prstGeom>
+          <a:noFill/>
+        </p:spPr>
+        <p:txBody>
+          <a:bodyPr wrap="square" rtlCol="0">
+            <a:spAutoFit/>
+          </a:bodyPr>
+          <a:lstStyle/>
+          <a:p>
+            <a:pPr marL="571500" indent="-571500">
+              <a:buFont typeface="Arial" panose="020B0604020202020204" pitchFamily="34" charset="0"/>
+              <a:buChar char="•"/>
+            </a:pPr>
+            <a:r>
+              <a:rPr lang="en-US" sz="2800" dirty="0"/>
+              <a:t>Design Patterns Explained Simply by Alexander Shvets</a:t>
+            </a:r>
+            <a:endParaRPr lang="ru-RU" sz="2800" dirty="0"/>
+          </a:p>
+        </p:txBody>
+      </p:sp>
+    </p:spTree>
+    <p:extLst>
+      <p:ext uri="{BB962C8B-B14F-4D97-AF65-F5344CB8AC3E}">
+        <p14:creationId xmlns:p14="http://schemas.microsoft.com/office/powerpoint/2010/main" val="530600388"/>
+      </p:ext>
+    </p:extLst>
+  </p:cSld>
+  <p:clrMapOvr>
+    <a:masterClrMapping/>
+  </p:clrMapOvr>
+  <mc:AlternateContent xmlns:mc="http://schemas.openxmlformats.org/markup-compatibility/2006">
+    <mc:Choice xmlns:p14="http://schemas.microsoft.com/office/powerpoint/2010/main" Requires="p14">
+      <p:transition p14:dur="10"/>
+    </mc:Choice>
+    <mc:Fallback>
+      <p:transition/>
+    </mc:Fallback>
+  </mc:AlternateContent>
+  <p:timing>
+    <p:tnLst>
+      <p:par>
+        <p:cTn id="1" dur="indefinite" restart="never" nodeType="tmRoot"/>
+      </p:par>
+    </p:tnLst>
+  </p:timing>
+</p:sld>
+</file>
+
+<file path=ppt/slides/slide17.xml><?xml version="1.0" encoding="utf-8"?>
+<p:sld xmlns:a="http://schemas.openxmlformats.org/drawingml/2006/main" xmlns:r="http://schemas.openxmlformats.org/officeDocument/2006/relationships" xmlns:p="http://schemas.openxmlformats.org/presentationml/2006/main">
+  <p:cSld>
+    <p:spTree>
+      <p:nvGrpSpPr>
+        <p:cNvPr id="1" name=""/>
+        <p:cNvGrpSpPr/>
+        <p:nvPr/>
+      </p:nvGrpSpPr>
+      <p:grpSpPr>
+        <a:xfrm>
+          <a:off x="0" y="0"/>
+          <a:ext cx="0" cy="0"/>
+          <a:chOff x="0" y="0"/>
+          <a:chExt cx="0" cy="0"/>
+        </a:xfrm>
+      </p:grpSpPr>
+      <p:sp>
+        <p:nvSpPr>
+          <p:cNvPr id="2" name="Title 1"/>
+          <p:cNvSpPr>
+            <a:spLocks noGrp="1"/>
+          </p:cNvSpPr>
+          <p:nvPr>
+            <p:ph type="title"/>
+          </p:nvPr>
+        </p:nvSpPr>
+        <p:spPr>
+          <a:xfrm>
+            <a:off x="0" y="2597337"/>
+            <a:ext cx="12192000" cy="1325563"/>
+          </a:xfrm>
+        </p:spPr>
+        <p:txBody>
+          <a:bodyPr>
+            <a:noAutofit/>
+          </a:bodyPr>
+          <a:lstStyle/>
+          <a:p>
+            <a:pPr algn="ctr"/>
+            <a:r>
+              <a:rPr lang="en-US" sz="9600" dirty="0" smtClean="0"/>
+              <a:t>Thank you for your attention</a:t>
+            </a:r>
+            <a:endParaRPr lang="ru-RU" sz="9600" dirty="0"/>
+          </a:p>
+        </p:txBody>
+      </p:sp>
+    </p:spTree>
+    <p:extLst>
+      <p:ext uri="{BB962C8B-B14F-4D97-AF65-F5344CB8AC3E}">
+        <p14:creationId xmlns:p14="http://schemas.microsoft.com/office/powerpoint/2010/main" val="2738274025"/>
+      </p:ext>
+    </p:extLst>
+  </p:cSld>
+  <p:clrMapOvr>
+    <a:masterClrMapping/>
+  </p:clrMapOvr>
+  <mc:AlternateContent xmlns:mc="http://schemas.openxmlformats.org/markup-compatibility/2006">
+    <mc:Choice xmlns:p14="http://schemas.microsoft.com/office/powerpoint/2010/main" Requires="p14">
+      <p:transition spd="slow">
+        <p14:flash/>
+      </p:transition>
+    </mc:Choice>
+    <mc:Fallback>
+      <p:transition spd="slow">
+        <p:fade/>
+      </p:transition>
+    </mc:Fallback>
+  </mc:AlternateContent>
+  <p:timing>
+    <p:tnLst>
+      <p:par>
+        <p:cTn id="1" dur="indefinite" restart="never" nodeType="tmRoot"/>
+      </p:par>
+    </p:tnLst>
+  </p:timing>
+</p:sld>
+</file>
+
 <file path=ppt/slides/slide2.xml><?xml version="1.0" encoding="utf-8"?>
 <p:sld xmlns:a="http://schemas.openxmlformats.org/drawingml/2006/main" xmlns:r="http://schemas.openxmlformats.org/officeDocument/2006/relationships" xmlns:p="http://schemas.openxmlformats.org/presentationml/2006/main">
   <p:cSld>
@@ -5372,6 +9820,459 @@
       </p:grpSpPr>
       <p:sp>
         <p:nvSpPr>
+          <p:cNvPr id="3" name="Date Placeholder 2"/>
+          <p:cNvSpPr>
+            <a:spLocks noGrp="1"/>
+          </p:cNvSpPr>
+          <p:nvPr>
+            <p:ph type="dt" sz="half" idx="10"/>
+          </p:nvPr>
+        </p:nvSpPr>
+        <p:spPr/>
+        <p:txBody>
+          <a:bodyPr/>
+          <a:lstStyle/>
+          <a:p>
+            <a:fld id="{AB18DE3F-9B93-4889-A323-6EC312FABF66}" type="datetime3">
+              <a:rPr lang="en-US" smtClean="0">
+                <a:solidFill>
+                  <a:schemeClr val="tx1"/>
+                </a:solidFill>
+              </a:rPr>
+              <a:t>23 February 2019</a:t>
+            </a:fld>
+            <a:endParaRPr lang="ru-RU">
+              <a:solidFill>
+                <a:schemeClr val="tx1"/>
+              </a:solidFill>
+            </a:endParaRPr>
+          </a:p>
+        </p:txBody>
+      </p:sp>
+      <p:pic>
+        <p:nvPicPr>
+          <p:cNvPr id="10" name="Picture 9"/>
+          <p:cNvPicPr>
+            <a:picLocks noChangeAspect="1"/>
+          </p:cNvPicPr>
+          <p:nvPr/>
+        </p:nvPicPr>
+        <p:blipFill>
+          <a:blip r:embed="rId2" cstate="print">
+            <a:extLst>
+              <a:ext uri="{28A0092B-C50C-407E-A947-70E740481C1C}">
+                <a14:useLocalDpi xmlns:a14="http://schemas.microsoft.com/office/drawing/2010/main" val="0"/>
+              </a:ext>
+            </a:extLst>
+          </a:blip>
+          <a:stretch>
+            <a:fillRect/>
+          </a:stretch>
+        </p:blipFill>
+        <p:spPr>
+          <a:xfrm>
+            <a:off x="8965" y="1325563"/>
+            <a:ext cx="6450107" cy="4017672"/>
+          </a:xfrm>
+          <a:prstGeom prst="rect">
+            <a:avLst/>
+          </a:prstGeom>
+        </p:spPr>
+      </p:pic>
+      <p:sp>
+        <p:nvSpPr>
+          <p:cNvPr id="8" name="TextBox 7"/>
+          <p:cNvSpPr txBox="1"/>
+          <p:nvPr/>
+        </p:nvSpPr>
+        <p:spPr>
+          <a:xfrm>
+            <a:off x="6459072" y="1860621"/>
+            <a:ext cx="5247281" cy="646331"/>
+          </a:xfrm>
+          <a:prstGeom prst="rect">
+            <a:avLst/>
+          </a:prstGeom>
+          <a:noFill/>
+        </p:spPr>
+        <p:txBody>
+          <a:bodyPr wrap="square" rtlCol="0">
+            <a:spAutoFit/>
+          </a:bodyPr>
+          <a:lstStyle/>
+          <a:p>
+            <a:pPr marL="571500" indent="-571500">
+              <a:buFont typeface="Arial" panose="020B0604020202020204" pitchFamily="34" charset="0"/>
+              <a:buChar char="•"/>
+            </a:pPr>
+            <a:r>
+              <a:rPr lang="en-US" sz="3600" b="1" dirty="0" smtClean="0"/>
+              <a:t>Single instance</a:t>
+            </a:r>
+            <a:endParaRPr lang="ru-RU" sz="3600" b="1" dirty="0"/>
+          </a:p>
+        </p:txBody>
+      </p:sp>
+      <p:sp>
+        <p:nvSpPr>
+          <p:cNvPr id="9" name="TextBox 8"/>
+          <p:cNvSpPr txBox="1"/>
+          <p:nvPr/>
+        </p:nvSpPr>
+        <p:spPr>
+          <a:xfrm>
+            <a:off x="6459072" y="4108485"/>
+            <a:ext cx="6420643" cy="646331"/>
+          </a:xfrm>
+          <a:prstGeom prst="rect">
+            <a:avLst/>
+          </a:prstGeom>
+          <a:noFill/>
+        </p:spPr>
+        <p:txBody>
+          <a:bodyPr wrap="square" rtlCol="0">
+            <a:spAutoFit/>
+          </a:bodyPr>
+          <a:lstStyle/>
+          <a:p>
+            <a:pPr marL="571500" indent="-571500">
+              <a:buFont typeface="Arial" panose="020B0604020202020204" pitchFamily="34" charset="0"/>
+              <a:buChar char="•"/>
+            </a:pPr>
+            <a:r>
+              <a:rPr lang="en-US" sz="3600" b="1" dirty="0" smtClean="0"/>
+              <a:t>Global </a:t>
+            </a:r>
+            <a:r>
+              <a:rPr lang="en-US" sz="3600" b="1" dirty="0"/>
+              <a:t>access </a:t>
+            </a:r>
+            <a:r>
+              <a:rPr lang="en-US" sz="3600" b="1" dirty="0" smtClean="0"/>
+              <a:t>point</a:t>
+            </a:r>
+            <a:endParaRPr lang="ru-RU" sz="3600" b="1" dirty="0"/>
+          </a:p>
+        </p:txBody>
+      </p:sp>
+      <p:sp>
+        <p:nvSpPr>
+          <p:cNvPr id="11" name="Google Shape;196;p27"/>
+          <p:cNvSpPr txBox="1">
+            <a:spLocks noGrp="1"/>
+          </p:cNvSpPr>
+          <p:nvPr>
+            <p:ph type="title"/>
+          </p:nvPr>
+        </p:nvSpPr>
+        <p:spPr>
+          <a:xfrm>
+            <a:off x="0" y="0"/>
+            <a:ext cx="10515600" cy="1325563"/>
+          </a:xfrm>
+        </p:spPr>
+        <p:txBody>
+          <a:bodyPr>
+            <a:normAutofit/>
+          </a:bodyPr>
+          <a:lstStyle/>
+          <a:p>
+            <a:pPr lvl="0"/>
+            <a:r>
+              <a:rPr lang="en-US" sz="5400" dirty="0" smtClean="0"/>
+              <a:t>Main idea</a:t>
+            </a:r>
+            <a:endParaRPr lang="en-US" sz="5400" dirty="0"/>
+          </a:p>
+        </p:txBody>
+      </p:sp>
+      <p:sp>
+        <p:nvSpPr>
+          <p:cNvPr id="14" name="Slide Number Placeholder 54"/>
+          <p:cNvSpPr>
+            <a:spLocks noGrp="1"/>
+          </p:cNvSpPr>
+          <p:nvPr>
+            <p:ph type="sldNum" sz="quarter" idx="12"/>
+          </p:nvPr>
+        </p:nvSpPr>
+        <p:spPr>
+          <a:xfrm>
+            <a:off x="8610600" y="6356350"/>
+            <a:ext cx="2743200" cy="365125"/>
+          </a:xfrm>
+        </p:spPr>
+        <p:txBody>
+          <a:bodyPr/>
+          <a:lstStyle/>
+          <a:p>
+            <a:r>
+              <a:rPr lang="en-US" dirty="0" smtClean="0">
+                <a:solidFill>
+                  <a:schemeClr val="tx1"/>
+                </a:solidFill>
+              </a:rPr>
+              <a:t>1 out </a:t>
+            </a:r>
+            <a:r>
+              <a:rPr lang="en-US" dirty="0" smtClean="0">
+                <a:solidFill>
+                  <a:schemeClr val="tx1"/>
+                </a:solidFill>
+              </a:rPr>
+              <a:t>of 14</a:t>
+            </a:r>
+            <a:endParaRPr lang="en-US" dirty="0" smtClean="0">
+              <a:solidFill>
+                <a:schemeClr val="tx1"/>
+              </a:solidFill>
+            </a:endParaRPr>
+          </a:p>
+        </p:txBody>
+      </p:sp>
+      <p:sp>
+        <p:nvSpPr>
+          <p:cNvPr id="17" name="Rectangle 16"/>
+          <p:cNvSpPr/>
+          <p:nvPr/>
+        </p:nvSpPr>
+        <p:spPr>
+          <a:xfrm>
+            <a:off x="0" y="5066236"/>
+            <a:ext cx="6459072" cy="276999"/>
+          </a:xfrm>
+          <a:prstGeom prst="rect">
+            <a:avLst/>
+          </a:prstGeom>
+        </p:spPr>
+        <p:txBody>
+          <a:bodyPr wrap="square">
+            <a:spAutoFit/>
+          </a:bodyPr>
+          <a:lstStyle/>
+          <a:p>
+            <a:pPr algn="ctr"/>
+            <a:r>
+              <a:rPr lang="en-US" sz="1200" dirty="0"/>
+              <a:t>Image source: Design Patterns Explained Simply by Alexander Shvets, pg. 133</a:t>
+            </a:r>
+            <a:endParaRPr lang="ru-RU" sz="1200" dirty="0"/>
+          </a:p>
+        </p:txBody>
+      </p:sp>
+      <p:pic>
+        <p:nvPicPr>
+          <p:cNvPr id="20" name="Picture 19"/>
+          <p:cNvPicPr>
+            <a:picLocks noChangeAspect="1"/>
+          </p:cNvPicPr>
+          <p:nvPr/>
+        </p:nvPicPr>
+        <p:blipFill rotWithShape="1">
+          <a:blip r:embed="rId3" cstate="print">
+            <a:extLst>
+              <a:ext uri="{28A0092B-C50C-407E-A947-70E740481C1C}">
+                <a14:useLocalDpi xmlns:a14="http://schemas.microsoft.com/office/drawing/2010/main" val="0"/>
+              </a:ext>
+            </a:extLst>
+          </a:blip>
+          <a:srcRect l="20401" t="25502" r="20401" b="25502"/>
+          <a:stretch/>
+        </p:blipFill>
+        <p:spPr>
+          <a:xfrm>
+            <a:off x="11055002" y="0"/>
+            <a:ext cx="1136998" cy="941010"/>
+          </a:xfrm>
+          <a:prstGeom prst="rect">
+            <a:avLst/>
+          </a:prstGeom>
+        </p:spPr>
+      </p:pic>
+    </p:spTree>
+    <p:extLst>
+      <p:ext uri="{BB962C8B-B14F-4D97-AF65-F5344CB8AC3E}">
+        <p14:creationId xmlns:p14="http://schemas.microsoft.com/office/powerpoint/2010/main" val="1406872156"/>
+      </p:ext>
+    </p:extLst>
+  </p:cSld>
+  <p:clrMapOvr>
+    <a:masterClrMapping/>
+  </p:clrMapOvr>
+  <mc:AlternateContent xmlns:mc="http://schemas.openxmlformats.org/markup-compatibility/2006">
+    <mc:Choice xmlns:p14="http://schemas.microsoft.com/office/powerpoint/2010/main" Requires="p14">
+      <p:transition spd="slow">
+        <p14:flash/>
+      </p:transition>
+    </mc:Choice>
+    <mc:Fallback>
+      <p:transition spd="slow">
+        <p:fade/>
+      </p:transition>
+    </mc:Fallback>
+  </mc:AlternateContent>
+  <p:timing>
+    <p:tnLst>
+      <p:par>
+        <p:cTn id="1" dur="indefinite" restart="never" nodeType="tmRoot">
+          <p:childTnLst>
+            <p:seq concurrent="1" nextAc="seek">
+              <p:cTn id="2" dur="indefinite" nodeType="mainSeq">
+                <p:childTnLst>
+                  <p:par>
+                    <p:cTn id="3" fill="hold">
+                      <p:stCondLst>
+                        <p:cond delay="indefinite"/>
+                      </p:stCondLst>
+                      <p:childTnLst>
+                        <p:par>
+                          <p:cTn id="4" fill="hold">
+                            <p:stCondLst>
+                              <p:cond delay="0"/>
+                            </p:stCondLst>
+                            <p:childTnLst>
+                              <p:par>
+                                <p:cTn id="5" presetID="10" presetClass="entr" presetSubtype="0" fill="hold" grpId="0" nodeType="clickEffect">
+                                  <p:stCondLst>
+                                    <p:cond delay="0"/>
+                                  </p:stCondLst>
+                                  <p:childTnLst>
+                                    <p:set>
+                                      <p:cBhvr>
+                                        <p:cTn id="6" dur="1" fill="hold">
+                                          <p:stCondLst>
+                                            <p:cond delay="0"/>
+                                          </p:stCondLst>
+                                        </p:cTn>
+                                        <p:tgtEl>
+                                          <p:spTgt spid="8"/>
+                                        </p:tgtEl>
+                                        <p:attrNameLst>
+                                          <p:attrName>style.visibility</p:attrName>
+                                        </p:attrNameLst>
+                                      </p:cBhvr>
+                                      <p:to>
+                                        <p:strVal val="visible"/>
+                                      </p:to>
+                                    </p:set>
+                                    <p:animEffect transition="in" filter="fade">
+                                      <p:cBhvr>
+                                        <p:cTn id="7" dur="500"/>
+                                        <p:tgtEl>
+                                          <p:spTgt spid="8"/>
+                                        </p:tgtEl>
+                                      </p:cBhvr>
+                                    </p:animEffect>
+                                  </p:childTnLst>
+                                </p:cTn>
+                              </p:par>
+                            </p:childTnLst>
+                          </p:cTn>
+                        </p:par>
+                      </p:childTnLst>
+                    </p:cTn>
+                  </p:par>
+                  <p:par>
+                    <p:cTn id="8" fill="hold">
+                      <p:stCondLst>
+                        <p:cond delay="indefinite"/>
+                      </p:stCondLst>
+                      <p:childTnLst>
+                        <p:par>
+                          <p:cTn id="9" fill="hold">
+                            <p:stCondLst>
+                              <p:cond delay="0"/>
+                            </p:stCondLst>
+                            <p:childTnLst>
+                              <p:par>
+                                <p:cTn id="10" presetID="10" presetClass="entr" presetSubtype="0" fill="hold" grpId="0" nodeType="clickEffect">
+                                  <p:stCondLst>
+                                    <p:cond delay="0"/>
+                                  </p:stCondLst>
+                                  <p:childTnLst>
+                                    <p:set>
+                                      <p:cBhvr>
+                                        <p:cTn id="11" dur="1" fill="hold">
+                                          <p:stCondLst>
+                                            <p:cond delay="0"/>
+                                          </p:stCondLst>
+                                        </p:cTn>
+                                        <p:tgtEl>
+                                          <p:spTgt spid="9"/>
+                                        </p:tgtEl>
+                                        <p:attrNameLst>
+                                          <p:attrName>style.visibility</p:attrName>
+                                        </p:attrNameLst>
+                                      </p:cBhvr>
+                                      <p:to>
+                                        <p:strVal val="visible"/>
+                                      </p:to>
+                                    </p:set>
+                                    <p:animEffect transition="in" filter="fade">
+                                      <p:cBhvr>
+                                        <p:cTn id="12" dur="500"/>
+                                        <p:tgtEl>
+                                          <p:spTgt spid="9"/>
+                                        </p:tgtEl>
+                                      </p:cBhvr>
+                                    </p:animEffect>
+                                  </p:childTnLst>
+                                </p:cTn>
+                              </p:par>
+                            </p:childTnLst>
+                          </p:cTn>
+                        </p:par>
+                      </p:childTnLst>
+                    </p:cTn>
+                  </p:par>
+                </p:childTnLst>
+              </p:cTn>
+              <p:prevCondLst>
+                <p:cond evt="onPrev" delay="0">
+                  <p:tgtEl>
+                    <p:sldTgt/>
+                  </p:tgtEl>
+                </p:cond>
+              </p:prevCondLst>
+              <p:nextCondLst>
+                <p:cond evt="onNext" delay="0">
+                  <p:tgtEl>
+                    <p:sldTgt/>
+                  </p:tgtEl>
+                </p:cond>
+              </p:nextCondLst>
+            </p:seq>
+          </p:childTnLst>
+        </p:cTn>
+      </p:par>
+    </p:tnLst>
+    <p:bldLst>
+      <p:bldP spid="8" grpId="0"/>
+      <p:bldP spid="9" grpId="0"/>
+    </p:bldLst>
+  </p:timing>
+</p:sld>
+</file>
+
+<file path=ppt/slides/slide3.xml><?xml version="1.0" encoding="utf-8"?>
+<p:sld xmlns:a="http://schemas.openxmlformats.org/drawingml/2006/main" xmlns:r="http://schemas.openxmlformats.org/officeDocument/2006/relationships" xmlns:p="http://schemas.openxmlformats.org/presentationml/2006/main">
+  <p:cSld>
+    <p:spTree>
+      <p:nvGrpSpPr>
+        <p:cNvPr id="1" name=""/>
+        <p:cNvGrpSpPr/>
+        <p:nvPr/>
+      </p:nvGrpSpPr>
+      <p:grpSpPr>
+        <a:xfrm>
+          <a:off x="0" y="0"/>
+          <a:ext cx="0" cy="0"/>
+          <a:chOff x="0" y="0"/>
+          <a:chExt cx="0" cy="0"/>
+        </a:xfrm>
+      </p:grpSpPr>
+      <p:sp>
+        <p:nvSpPr>
           <p:cNvPr id="12" name="Google Shape;196;p27"/>
           <p:cNvSpPr txBox="1">
             <a:spLocks noGrp="1"/>
@@ -5382,7 +10283,7 @@
         </p:nvSpPr>
         <p:spPr>
           <a:xfrm>
-            <a:off x="246529" y="174418"/>
+            <a:off x="0" y="0"/>
             <a:ext cx="10515600" cy="1325563"/>
           </a:xfrm>
         </p:spPr>
@@ -5394,20 +10295,10 @@
           <a:p>
             <a:pPr lvl="0"/>
             <a:r>
-              <a:rPr lang="en-US" sz="5400" b="1" dirty="0" smtClean="0">
-                <a:solidFill>
-                  <a:srgbClr val="A7D86D"/>
-                </a:solidFill>
-                <a:latin typeface="Arial Black" panose="020B0A04020102020204" pitchFamily="34" charset="0"/>
-              </a:rPr>
+              <a:rPr lang="en-US" sz="5400" dirty="0" smtClean="0"/>
               <a:t>Pattern relationships</a:t>
             </a:r>
-            <a:endParaRPr lang="en-US" sz="5400" b="1" dirty="0">
-              <a:solidFill>
-                <a:srgbClr val="A7D86D"/>
-              </a:solidFill>
-              <a:latin typeface="Arial Black" panose="020B0A04020102020204" pitchFamily="34" charset="0"/>
-            </a:endParaRPr>
+            <a:endParaRPr lang="en-US" sz="5400" dirty="0"/>
           </a:p>
         </p:txBody>
       </p:sp>
@@ -5419,15 +10310,20 @@
         </p:nvSpPr>
         <p:spPr>
           <a:xfrm flipH="1">
-            <a:off x="8081681" y="1542987"/>
+            <a:off x="3581400" y="1121572"/>
             <a:ext cx="3299012" cy="815962"/>
           </a:xfrm>
           <a:prstGeom prst="roundRect">
             <a:avLst/>
           </a:prstGeom>
           <a:solidFill>
-            <a:srgbClr val="D8D5EB"/>
+            <a:schemeClr val="bg1"/>
           </a:solidFill>
+          <a:ln>
+            <a:solidFill>
+              <a:schemeClr val="tx1"/>
+            </a:solidFill>
+          </a:ln>
         </p:spPr>
         <p:style>
           <a:lnRef idx="2">
@@ -5451,43 +10347,17 @@
           <a:p>
             <a:pPr algn="ctr"/>
             <a:r>
-              <a:rPr lang="en-US" sz="3200" b="1" dirty="0" smtClean="0">
-                <a:ln w="10160">
-                  <a:solidFill>
-                    <a:schemeClr val="accent5"/>
-                  </a:solidFill>
-                  <a:prstDash val="solid"/>
-                </a:ln>
+              <a:rPr lang="en-US" sz="3200" b="1" dirty="0">
                 <a:solidFill>
-                  <a:srgbClr val="FFFFFF"/>
+                  <a:schemeClr val="tx1"/>
                 </a:solidFill>
-                <a:effectLst>
-                  <a:outerShdw blurRad="38100" dist="22860" dir="5400000" algn="tl" rotWithShape="0">
-                    <a:srgbClr val="000000">
-                      <a:alpha val="30000"/>
-                    </a:srgbClr>
-                  </a:outerShdw>
-                </a:effectLst>
               </a:rPr>
               <a:t>Abstract factory</a:t>
             </a:r>
-            <a:endParaRPr lang="ru-RU" b="1" dirty="0">
-              <a:ln w="10160">
-                <a:solidFill>
-                  <a:schemeClr val="accent5"/>
-                </a:solidFill>
-                <a:prstDash val="solid"/>
-              </a:ln>
+            <a:endParaRPr lang="ru-RU" sz="3200" b="1" dirty="0">
               <a:solidFill>
-                <a:srgbClr val="FFFFFF"/>
+                <a:schemeClr val="tx1"/>
               </a:solidFill>
-              <a:effectLst>
-                <a:outerShdw blurRad="38100" dist="22860" dir="5400000" algn="tl" rotWithShape="0">
-                  <a:srgbClr val="000000">
-                    <a:alpha val="30000"/>
-                  </a:srgbClr>
-                </a:outerShdw>
-              </a:effectLst>
             </a:endParaRPr>
           </a:p>
         </p:txBody>
@@ -5500,15 +10370,20 @@
         </p:nvSpPr>
         <p:spPr>
           <a:xfrm flipH="1">
-            <a:off x="8081681" y="2954220"/>
+            <a:off x="8081681" y="2318538"/>
             <a:ext cx="3299012" cy="815962"/>
           </a:xfrm>
           <a:prstGeom prst="roundRect">
             <a:avLst/>
           </a:prstGeom>
           <a:solidFill>
-            <a:srgbClr val="D8D5EB"/>
+            <a:schemeClr val="bg1"/>
           </a:solidFill>
+          <a:ln>
+            <a:solidFill>
+              <a:schemeClr val="tx1"/>
+            </a:solidFill>
+          </a:ln>
         </p:spPr>
         <p:style>
           <a:lnRef idx="2">
@@ -5533,42 +10408,16 @@
             <a:pPr algn="ctr"/>
             <a:r>
               <a:rPr lang="en-US" sz="3200" b="1" dirty="0">
-                <a:ln w="10160">
-                  <a:solidFill>
-                    <a:schemeClr val="accent5"/>
-                  </a:solidFill>
-                  <a:prstDash val="solid"/>
-                </a:ln>
                 <a:solidFill>
-                  <a:srgbClr val="FFFFFF"/>
+                  <a:schemeClr val="tx1"/>
                 </a:solidFill>
-                <a:effectLst>
-                  <a:outerShdw blurRad="38100" dist="22860" dir="5400000" algn="tl" rotWithShape="0">
-                    <a:srgbClr val="000000">
-                      <a:alpha val="30000"/>
-                    </a:srgbClr>
-                  </a:outerShdw>
-                </a:effectLst>
               </a:rPr>
               <a:t>Facade</a:t>
             </a:r>
-            <a:endParaRPr lang="ru-RU" b="1" dirty="0">
-              <a:ln w="10160">
-                <a:solidFill>
-                  <a:schemeClr val="accent5"/>
-                </a:solidFill>
-                <a:prstDash val="solid"/>
-              </a:ln>
+            <a:endParaRPr lang="ru-RU" sz="3200" b="1" dirty="0">
               <a:solidFill>
-                <a:srgbClr val="FFFFFF"/>
+                <a:schemeClr val="tx1"/>
               </a:solidFill>
-              <a:effectLst>
-                <a:outerShdw blurRad="38100" dist="22860" dir="5400000" algn="tl" rotWithShape="0">
-                  <a:srgbClr val="000000">
-                    <a:alpha val="30000"/>
-                  </a:srgbClr>
-                </a:outerShdw>
-              </a:effectLst>
             </a:endParaRPr>
           </a:p>
         </p:txBody>
@@ -5581,15 +10430,20 @@
         </p:nvSpPr>
         <p:spPr>
           <a:xfrm flipH="1">
-            <a:off x="8081681" y="4365453"/>
+            <a:off x="3608294" y="4849620"/>
             <a:ext cx="3299012" cy="815962"/>
           </a:xfrm>
           <a:prstGeom prst="roundRect">
             <a:avLst/>
           </a:prstGeom>
           <a:solidFill>
-            <a:srgbClr val="D8D5EB"/>
+            <a:schemeClr val="bg1"/>
           </a:solidFill>
+          <a:ln>
+            <a:solidFill>
+              <a:schemeClr val="tx1"/>
+            </a:solidFill>
+          </a:ln>
         </p:spPr>
         <p:style>
           <a:lnRef idx="2">
@@ -5614,24 +10468,62 @@
             <a:pPr algn="ctr"/>
             <a:r>
               <a:rPr lang="en-US" sz="3200" b="1" dirty="0">
-                <a:ln w="10160">
-                  <a:solidFill>
-                    <a:schemeClr val="accent5"/>
-                  </a:solidFill>
-                  <a:prstDash val="solid"/>
-                </a:ln>
                 <a:solidFill>
-                  <a:srgbClr val="FFFFFF"/>
+                  <a:schemeClr val="tx1"/>
                 </a:solidFill>
-                <a:effectLst>
-                  <a:outerShdw blurRad="38100" dist="22860" dir="5400000" algn="tl" rotWithShape="0">
-                    <a:srgbClr val="000000">
-                      <a:alpha val="30000"/>
-                    </a:srgbClr>
-                  </a:outerShdw>
-                </a:effectLst>
               </a:rPr>
               <a:t>Object pool</a:t>
+            </a:r>
+            <a:endParaRPr lang="ru-RU" sz="3200" b="1" dirty="0">
+              <a:solidFill>
+                <a:schemeClr val="tx1"/>
+              </a:solidFill>
+            </a:endParaRPr>
+          </a:p>
+        </p:txBody>
+      </p:sp>
+      <p:sp>
+        <p:nvSpPr>
+          <p:cNvPr id="19" name="Rounded Rectangle 18"/>
+          <p:cNvSpPr/>
+          <p:nvPr/>
+        </p:nvSpPr>
+        <p:spPr>
+          <a:xfrm flipH="1">
+            <a:off x="809064" y="2985596"/>
+            <a:ext cx="3299012" cy="815962"/>
+          </a:xfrm>
+          <a:prstGeom prst="roundRect">
+            <a:avLst/>
+          </a:prstGeom>
+          <a:ln/>
+        </p:spPr>
+        <p:style>
+          <a:lnRef idx="2">
+            <a:schemeClr val="dk1"/>
+          </a:lnRef>
+          <a:fillRef idx="1">
+            <a:schemeClr val="lt1"/>
+          </a:fillRef>
+          <a:effectRef idx="0">
+            <a:schemeClr val="dk1"/>
+          </a:effectRef>
+          <a:fontRef idx="minor">
+            <a:schemeClr val="dk1"/>
+          </a:fontRef>
+        </p:style>
+        <p:txBody>
+          <a:bodyPr rtlCol="0" anchor="ctr"/>
+          <a:lstStyle/>
+          <a:p>
+            <a:pPr algn="ctr"/>
+            <a:r>
+              <a:rPr lang="en-US" sz="3200" b="1" dirty="0">
+                <a:solidFill>
+                  <a:schemeClr val="tx1"/>
+                </a:solidFill>
+              </a:rPr>
+              <a:t>Singleton</a:t>
             </a:r>
             <a:endParaRPr lang="ru-RU" sz="3200" b="1" dirty="0">
               <a:ln w="10160">
@@ -5641,96 +10533,8 @@
                 <a:prstDash val="solid"/>
               </a:ln>
               <a:solidFill>
-                <a:srgbClr val="FFFFFF"/>
+                <a:schemeClr val="tx1"/>
               </a:solidFill>
-              <a:effectLst>
-                <a:outerShdw blurRad="38100" dist="22860" dir="5400000" algn="tl" rotWithShape="0">
-                  <a:srgbClr val="000000">
-                    <a:alpha val="30000"/>
-                  </a:srgbClr>
-                </a:outerShdw>
-              </a:effectLst>
-            </a:endParaRPr>
-          </a:p>
-        </p:txBody>
-      </p:sp>
-      <p:sp>
-        <p:nvSpPr>
-          <p:cNvPr id="19" name="Rounded Rectangle 18"/>
-          <p:cNvSpPr/>
-          <p:nvPr/>
-        </p:nvSpPr>
-        <p:spPr>
-          <a:xfrm flipH="1">
-            <a:off x="809064" y="2985596"/>
-            <a:ext cx="3299012" cy="815962"/>
-          </a:xfrm>
-          <a:prstGeom prst="roundRect">
-            <a:avLst/>
-          </a:prstGeom>
-          <a:solidFill>
-            <a:srgbClr val="D8D5EB"/>
-          </a:solidFill>
-        </p:spPr>
-        <p:style>
-          <a:lnRef idx="2">
-            <a:schemeClr val="accent6">
-              <a:shade val="50000"/>
-            </a:schemeClr>
-          </a:lnRef>
-          <a:fillRef idx="1">
-            <a:schemeClr val="accent6"/>
-          </a:fillRef>
-          <a:effectRef idx="0">
-            <a:schemeClr val="accent6"/>
-          </a:effectRef>
-          <a:fontRef idx="minor">
-            <a:schemeClr val="lt1"/>
-          </a:fontRef>
-        </p:style>
-        <p:txBody>
-          <a:bodyPr rtlCol="0" anchor="ctr"/>
-          <a:lstStyle/>
-          <a:p>
-            <a:pPr algn="ctr"/>
-            <a:r>
-              <a:rPr lang="en-US" sz="3200" b="1" dirty="0">
-                <a:ln w="10160">
-                  <a:solidFill>
-                    <a:schemeClr val="accent5"/>
-                  </a:solidFill>
-                  <a:prstDash val="solid"/>
-                </a:ln>
-                <a:solidFill>
-                  <a:srgbClr val="FFFFFF"/>
-                </a:solidFill>
-                <a:effectLst>
-                  <a:outerShdw blurRad="38100" dist="22860" dir="5400000" algn="tl" rotWithShape="0">
-                    <a:srgbClr val="000000">
-                      <a:alpha val="30000"/>
-                    </a:srgbClr>
-                  </a:outerShdw>
-                </a:effectLst>
-              </a:rPr>
-              <a:t>Singleton</a:t>
-            </a:r>
-            <a:endParaRPr lang="ru-RU" sz="3200" b="1" dirty="0">
-              <a:ln w="10160">
-                <a:solidFill>
-                  <a:schemeClr val="accent5"/>
-                </a:solidFill>
-                <a:prstDash val="solid"/>
-              </a:ln>
-              <a:solidFill>
-                <a:srgbClr val="FFFFFF"/>
-              </a:solidFill>
-              <a:effectLst>
-                <a:outerShdw blurRad="38100" dist="22860" dir="5400000" algn="tl" rotWithShape="0">
-                  <a:srgbClr val="000000">
-                    <a:alpha val="30000"/>
-                  </a:srgbClr>
-                </a:outerShdw>
-              </a:effectLst>
             </a:endParaRPr>
           </a:p>
         </p:txBody>
@@ -5746,13 +10550,16 @@
         </p:nvCxnSpPr>
         <p:spPr>
           <a:xfrm flipH="1">
-            <a:off x="4108076" y="3362201"/>
-            <a:ext cx="3973605" cy="31376"/>
+            <a:off x="4108076" y="2726519"/>
+            <a:ext cx="3973605" cy="667058"/>
           </a:xfrm>
           <a:prstGeom prst="straightConnector1">
             <a:avLst/>
           </a:prstGeom>
           <a:ln>
+            <a:solidFill>
+              <a:schemeClr val="tx2"/>
+            </a:solidFill>
             <a:tailEnd type="triangle"/>
           </a:ln>
         </p:spPr>
@@ -5782,13 +10589,16 @@
         </p:nvCxnSpPr>
         <p:spPr>
           <a:xfrm rot="10800000" flipV="1">
-            <a:off x="2458571" y="1950968"/>
-            <a:ext cx="5623111" cy="1034628"/>
+            <a:off x="2458570" y="1529552"/>
+            <a:ext cx="1122830" cy="1456043"/>
           </a:xfrm>
           <a:prstGeom prst="curvedConnector2">
             <a:avLst/>
           </a:prstGeom>
           <a:ln>
+            <a:solidFill>
+              <a:schemeClr val="tx2"/>
+            </a:solidFill>
             <a:tailEnd type="triangle"/>
           </a:ln>
         </p:spPr>
@@ -5818,13 +10628,16 @@
         </p:nvCxnSpPr>
         <p:spPr>
           <a:xfrm rot="10800000">
-            <a:off x="2458571" y="3801558"/>
-            <a:ext cx="5623111" cy="971876"/>
+            <a:off x="2458570" y="3801559"/>
+            <a:ext cx="1149724" cy="1456043"/>
           </a:xfrm>
           <a:prstGeom prst="curvedConnector2">
             <a:avLst/>
           </a:prstGeom>
           <a:ln>
+            <a:solidFill>
+              <a:schemeClr val="tx2"/>
+            </a:solidFill>
             <a:tailEnd type="triangle"/>
           </a:ln>
         </p:spPr>
@@ -5861,22 +10674,150 @@
             <a:fld id="{B3D9764A-A7CD-4166-A3A4-6FABB32BD54E}" type="datetime3">
               <a:rPr lang="en-US" smtClean="0">
                 <a:solidFill>
-                  <a:srgbClr val="A7D86D"/>
+                  <a:schemeClr val="tx1"/>
                 </a:solidFill>
               </a:rPr>
               <a:t>23 February 2019</a:t>
             </a:fld>
             <a:endParaRPr lang="ru-RU">
               <a:solidFill>
-                <a:srgbClr val="A7D86D"/>
+                <a:schemeClr val="tx1"/>
               </a:solidFill>
             </a:endParaRPr>
           </a:p>
         </p:txBody>
       </p:sp>
-      <p:sp>
-        <p:nvSpPr>
-          <p:cNvPr id="55" name="Slide Number Placeholder 54"/>
+      <p:pic>
+        <p:nvPicPr>
+          <p:cNvPr id="16" name="Picture 15"/>
+          <p:cNvPicPr>
+            <a:picLocks noChangeAspect="1"/>
+          </p:cNvPicPr>
+          <p:nvPr/>
+        </p:nvPicPr>
+        <p:blipFill rotWithShape="1">
+          <a:blip r:embed="rId2" cstate="print">
+            <a:extLst>
+              <a:ext uri="{28A0092B-C50C-407E-A947-70E740481C1C}">
+                <a14:useLocalDpi xmlns:a14="http://schemas.microsoft.com/office/drawing/2010/main" val="0"/>
+              </a:ext>
+            </a:extLst>
+          </a:blip>
+          <a:srcRect l="20401" t="25502" r="20401" b="25502"/>
+          <a:stretch/>
+        </p:blipFill>
+        <p:spPr>
+          <a:xfrm>
+            <a:off x="11055002" y="0"/>
+            <a:ext cx="1136998" cy="941010"/>
+          </a:xfrm>
+          <a:prstGeom prst="rect">
+            <a:avLst/>
+          </a:prstGeom>
+        </p:spPr>
+      </p:pic>
+      <p:sp>
+        <p:nvSpPr>
+          <p:cNvPr id="23" name="Rounded Rectangle 22"/>
+          <p:cNvSpPr/>
+          <p:nvPr/>
+        </p:nvSpPr>
+        <p:spPr>
+          <a:xfrm flipH="1">
+            <a:off x="8081681" y="3801558"/>
+            <a:ext cx="3299012" cy="815962"/>
+          </a:xfrm>
+          <a:prstGeom prst="roundRect">
+            <a:avLst/>
+          </a:prstGeom>
+          <a:solidFill>
+            <a:schemeClr val="bg1"/>
+          </a:solidFill>
+          <a:ln>
+            <a:solidFill>
+              <a:schemeClr val="tx1"/>
+            </a:solidFill>
+          </a:ln>
+        </p:spPr>
+        <p:style>
+          <a:lnRef idx="2">
+            <a:schemeClr val="accent6">
+              <a:shade val="50000"/>
+            </a:schemeClr>
+          </a:lnRef>
+          <a:fillRef idx="1">
+            <a:schemeClr val="accent6"/>
+          </a:fillRef>
+          <a:effectRef idx="0">
+            <a:schemeClr val="accent6"/>
+          </a:effectRef>
+          <a:fontRef idx="minor">
+            <a:schemeClr val="lt1"/>
+          </a:fontRef>
+        </p:style>
+        <p:txBody>
+          <a:bodyPr rtlCol="0" anchor="ctr"/>
+          <a:lstStyle/>
+          <a:p>
+            <a:pPr algn="ctr"/>
+            <a:r>
+              <a:rPr lang="en-US" sz="3200" b="1" dirty="0" smtClean="0">
+                <a:solidFill>
+                  <a:schemeClr val="tx1"/>
+                </a:solidFill>
+              </a:rPr>
+              <a:t>Builder</a:t>
+            </a:r>
+            <a:endParaRPr lang="ru-RU" sz="3200" b="1" dirty="0">
+              <a:solidFill>
+                <a:schemeClr val="tx1"/>
+              </a:solidFill>
+            </a:endParaRPr>
+          </a:p>
+        </p:txBody>
+      </p:sp>
+      <p:cxnSp>
+        <p:nvCxnSpPr>
+          <p:cNvPr id="25" name="Straight Arrow Connector 24"/>
+          <p:cNvCxnSpPr>
+            <a:stCxn id="23" idx="3"/>
+            <a:endCxn id="19" idx="1"/>
+          </p:cNvCxnSpPr>
+          <p:nvPr/>
+        </p:nvCxnSpPr>
+        <p:spPr>
+          <a:xfrm flipH="1" flipV="1">
+            <a:off x="4108076" y="3393577"/>
+            <a:ext cx="3973605" cy="815962"/>
+          </a:xfrm>
+          <a:prstGeom prst="straightConnector1">
+            <a:avLst/>
+          </a:prstGeom>
+          <a:ln>
+            <a:solidFill>
+              <a:schemeClr val="tx2"/>
+            </a:solidFill>
+            <a:tailEnd type="triangle"/>
+          </a:ln>
+        </p:spPr>
+        <p:style>
+          <a:lnRef idx="3">
+            <a:schemeClr val="accent6"/>
+          </a:lnRef>
+          <a:fillRef idx="0">
+            <a:schemeClr val="accent6"/>
+          </a:fillRef>
+          <a:effectRef idx="2">
+            <a:schemeClr val="accent6"/>
+          </a:effectRef>
+          <a:fontRef idx="minor">
+            <a:schemeClr val="tx1"/>
+          </a:fontRef>
+        </p:style>
+      </p:cxnSp>
+      <p:sp>
+        <p:nvSpPr>
+          <p:cNvPr id="30" name="Slide Number Placeholder 54"/>
           <p:cNvSpPr>
             <a:spLocks noGrp="1"/>
           </p:cNvSpPr>
@@ -5884,7 +10825,12 @@
             <p:ph type="sldNum" sz="quarter" idx="12"/>
           </p:nvPr>
         </p:nvSpPr>
-        <p:spPr/>
+        <p:spPr>
+          <a:xfrm>
+            <a:off x="8610600" y="6356350"/>
+            <a:ext cx="2743200" cy="365125"/>
+          </a:xfrm>
+        </p:spPr>
         <p:txBody>
           <a:bodyPr/>
           <a:lstStyle/>
@@ -5892,11 +10838,32 @@
             <a:r>
               <a:rPr lang="en-US" dirty="0" smtClean="0">
                 <a:solidFill>
-                  <a:srgbClr val="A7D86D"/>
+                  <a:schemeClr val="tx1"/>
                 </a:solidFill>
               </a:rPr>
-              <a:t>1 out of 30</a:t>
-            </a:r>
+              <a:t>2 </a:t>
+            </a:r>
+            <a:r>
+              <a:rPr lang="en-US" dirty="0" smtClean="0">
+                <a:solidFill>
+                  <a:schemeClr val="tx1"/>
+                </a:solidFill>
+              </a:rPr>
+              <a:t>out </a:t>
+            </a:r>
+            <a:r>
+              <a:rPr lang="en-US" dirty="0" smtClean="0">
+                <a:solidFill>
+                  <a:schemeClr val="tx1"/>
+                </a:solidFill>
+              </a:rPr>
+              <a:t>of 14</a:t>
+            </a:r>
+            <a:endParaRPr lang="en-US" dirty="0" smtClean="0">
+              <a:solidFill>
+                <a:schemeClr val="tx1"/>
+              </a:solidFill>
+            </a:endParaRPr>
           </a:p>
         </p:txBody>
       </p:sp>
@@ -5910,16 +10877,12 @@
   <p:clrMapOvr>
     <a:masterClrMapping/>
   </p:clrMapOvr>
-  <mc:AlternateContent xmlns:mc="http://schemas.openxmlformats.org/markup-compatibility/2006" xmlns:p14="http://schemas.microsoft.com/office/powerpoint/2010/main">
-    <mc:Choice Requires="p14">
-      <p:transition spd="med" p14:dur="700" advClick="0">
-        <p:fade/>
-      </p:transition>
+  <mc:AlternateContent xmlns:mc="http://schemas.openxmlformats.org/markup-compatibility/2006">
+    <mc:Choice xmlns:p14="http://schemas.microsoft.com/office/powerpoint/2010/main" Requires="p14">
+      <p:transition p14:dur="0"/>
     </mc:Choice>
-    <mc:Fallback xmlns="">
-      <p:transition spd="med" advClick="0">
-        <p:fade/>
-      </p:transition>
+    <mc:Fallback>
+      <p:transition/>
     </mc:Fallback>
   </mc:AlternateContent>
   <p:timing>
@@ -5943,7 +10906,7 @@
                             </p:stCondLst>
                             <p:childTnLst>
                               <p:par>
-                                <p:cTn id="5" presetID="10" presetClass="entr" presetSubtype="0" fill="hold" nodeType="clickEffect">
+                                <p:cTn id="5" presetID="10" presetClass="entr" presetSubtype="0" fill="hold" grpId="0" nodeType="clickEffect">
                                   <p:stCondLst>
                                     <p:cond delay="0"/>
                                   </p:stCondLst>
@@ -5951,6 +10914,59 @@
                                     <p:set>
                                       <p:cBhvr>
                                         <p:cTn id="6" dur="1" fill="hold">
+                                          <p:stCondLst>
+                                            <p:cond delay="0"/>
+                                          </p:stCondLst>
+                                        </p:cTn>
+                                        <p:tgtEl>
+                                          <p:spTgt spid="19"/>
+                                        </p:tgtEl>
+                                        <p:attrNameLst>
+                                          <p:attrName>style.visibility</p:attrName>
+                                        </p:attrNameLst>
+                                      </p:cBhvr>
+                                      <p:to>
+                                        <p:strVal val="visible"/>
+                                      </p:to>
+                                    </p:set>
+                                    <p:animEffect transition="in" filter="fade">
+                                      <p:cBhvr>
+                                        <p:cTn id="7" dur="500"/>
+                                        <p:tgtEl>
+                                          <p:spTgt spid="19"/>
+                                        </p:tgtEl>
+                                      </p:cBhvr>
+                                    </p:animEffect>
+                                  </p:childTnLst>
+                                </p:cTn>
+                              </p:par>
+                            </p:childTnLst>
+                          </p:cTn>
+                        </p:par>
+                      </p:childTnLst>
+                    </p:cTn>
+                  </p:par>
+                  <p:par>
+                    <p:cTn id="8" fill="hold">
+                      <p:stCondLst>
+                        <p:cond delay="indefinite"/>
+                      </p:stCondLst>
+                      <p:childTnLst>
+                        <p:par>
+                          <p:cTn id="9" fill="hold">
+                            <p:stCondLst>
+                              <p:cond delay="0"/>
+                            </p:stCondLst>
+                            <p:childTnLst>
+                              <p:par>
+                                <p:cTn id="10" presetID="10" presetClass="entr" presetSubtype="0" fill="hold" nodeType="clickEffect">
+                                  <p:stCondLst>
+                                    <p:cond delay="0"/>
+                                  </p:stCondLst>
+                                  <p:childTnLst>
+                                    <p:set>
+                                      <p:cBhvr>
+                                        <p:cTn id="11" dur="1" fill="hold">
                                           <p:stCondLst>
                                             <p:cond delay="0"/>
                                           </p:stCondLst>
@@ -5968,7 +10984,7 @@
                                     </p:set>
                                     <p:animEffect transition="in" filter="fade">
                                       <p:cBhvr>
-                                        <p:cTn id="7" dur="500"/>
+                                        <p:cTn id="12" dur="500"/>
                                         <p:tgtEl>
                                           <p:spTgt spid="32"/>
                                         </p:tgtEl>
@@ -5978,14 +10994,14 @@
                                 </p:cTn>
                               </p:par>
                               <p:par>
-                                <p:cTn id="8" presetID="10" presetClass="entr" presetSubtype="0" fill="hold" grpId="0" nodeType="withEffect">
+                                <p:cTn id="13" presetID="10" presetClass="entr" presetSubtype="0" fill="hold" grpId="0" nodeType="withEffect">
                                   <p:stCondLst>
                                     <p:cond delay="0"/>
                                   </p:stCondLst>
                                   <p:childTnLst>
                                     <p:set>
                                       <p:cBhvr>
-                                        <p:cTn id="9" dur="1" fill="hold">
+                                        <p:cTn id="14" dur="1" fill="hold">
                                           <p:stCondLst>
                                             <p:cond delay="0"/>
                                           </p:stCondLst>
@@ -6003,7 +11019,7 @@
                                     </p:set>
                                     <p:animEffect transition="in" filter="fade">
                                       <p:cBhvr>
-                                        <p:cTn id="10" dur="500"/>
+                                        <p:cTn id="15" dur="500"/>
                                         <p:tgtEl>
                                           <p:spTgt spid="15"/>
                                         </p:tgtEl>
@@ -6019,26 +11035,26 @@
                     </p:cTn>
                   </p:par>
                   <p:par>
-                    <p:cTn id="11" fill="hold">
+                    <p:cTn id="16" fill="hold">
                       <p:stCondLst>
                         <p:cond delay="indefinite"/>
                       </p:stCondLst>
                       <p:childTnLst>
                         <p:par>
-                          <p:cTn id="12" fill="hold">
+                          <p:cTn id="17" fill="hold">
                             <p:stCondLst>
                               <p:cond delay="0"/>
                             </p:stCondLst>
                             <p:childTnLst>
                               <p:par>
-                                <p:cTn id="13" presetID="10" presetClass="entr" presetSubtype="0" fill="hold" grpId="0" nodeType="clickEffect">
+                                <p:cTn id="18" presetID="10" presetClass="entr" presetSubtype="0" fill="hold" grpId="0" nodeType="clickEffect">
                                   <p:stCondLst>
                                     <p:cond delay="0"/>
                                   </p:stCondLst>
                                   <p:childTnLst>
                                     <p:set>
                                       <p:cBhvr>
-                                        <p:cTn id="14" dur="1" fill="hold">
+                                        <p:cTn id="19" dur="1" fill="hold">
                                           <p:stCondLst>
                                             <p:cond delay="0"/>
                                           </p:stCondLst>
@@ -6056,7 +11072,7 @@
                                     </p:set>
                                     <p:animEffect transition="in" filter="fade">
                                       <p:cBhvr>
-                                        <p:cTn id="15" dur="500"/>
+                                        <p:cTn id="20" dur="500"/>
                                         <p:tgtEl>
                                           <p:spTgt spid="17"/>
                                         </p:tgtEl>
@@ -6066,14 +11082,14 @@
                                 </p:cTn>
                               </p:par>
                               <p:par>
-                                <p:cTn id="16" presetID="10" presetClass="entr" presetSubtype="0" fill="hold" nodeType="withEffect">
+                                <p:cTn id="21" presetID="10" presetClass="entr" presetSubtype="0" fill="hold" nodeType="withEffect">
                                   <p:stCondLst>
                                     <p:cond delay="0"/>
                                   </p:stCondLst>
                                   <p:childTnLst>
                                     <p:set>
                                       <p:cBhvr>
-                                        <p:cTn id="17" dur="1" fill="hold">
+                                        <p:cTn id="22" dur="1" fill="hold">
                                           <p:stCondLst>
                                             <p:cond delay="0"/>
                                           </p:stCondLst>
@@ -6091,9 +11107,2271 @@
                                     </p:set>
                                     <p:animEffect transition="in" filter="fade">
                                       <p:cBhvr>
+                                        <p:cTn id="23" dur="500"/>
+                                        <p:tgtEl>
+                                          <p:spTgt spid="24"/>
+                                        </p:tgtEl>
+                                      </p:cBhvr>
+                                    </p:animEffect>
+                                  </p:childTnLst>
+                                </p:cTn>
+                              </p:par>
+                            </p:childTnLst>
+                          </p:cTn>
+                        </p:par>
+                      </p:childTnLst>
+                    </p:cTn>
+                  </p:par>
+                  <p:par>
+                    <p:cTn id="24" fill="hold">
+                      <p:stCondLst>
+                        <p:cond delay="indefinite"/>
+                      </p:stCondLst>
+                      <p:childTnLst>
+                        <p:par>
+                          <p:cTn id="25" fill="hold">
+                            <p:stCondLst>
+                              <p:cond delay="0"/>
+                            </p:stCondLst>
+                            <p:childTnLst>
+                              <p:par>
+                                <p:cTn id="26" presetID="10" presetClass="entr" presetSubtype="0" fill="hold" grpId="0" nodeType="clickEffect">
+                                  <p:stCondLst>
+                                    <p:cond delay="0"/>
+                                  </p:stCondLst>
+                                  <p:childTnLst>
+                                    <p:set>
+                                      <p:cBhvr>
+                                        <p:cTn id="27" dur="1" fill="hold">
+                                          <p:stCondLst>
+                                            <p:cond delay="0"/>
+                                          </p:stCondLst>
+                                        </p:cTn>
+                                        <p:tgtEl>
+                                          <p:spTgt spid="23"/>
+                                        </p:tgtEl>
+                                        <p:attrNameLst>
+                                          <p:attrName>style.visibility</p:attrName>
+                                        </p:attrNameLst>
+                                      </p:cBhvr>
+                                      <p:to>
+                                        <p:strVal val="visible"/>
+                                      </p:to>
+                                    </p:set>
+                                    <p:animEffect transition="in" filter="fade">
+                                      <p:cBhvr>
+                                        <p:cTn id="28" dur="500"/>
+                                        <p:tgtEl>
+                                          <p:spTgt spid="23"/>
+                                        </p:tgtEl>
+                                      </p:cBhvr>
+                                    </p:animEffect>
+                                  </p:childTnLst>
+                                </p:cTn>
+                              </p:par>
+                              <p:par>
+                                <p:cTn id="29" presetID="10" presetClass="entr" presetSubtype="0" fill="hold" nodeType="withEffect">
+                                  <p:stCondLst>
+                                    <p:cond delay="0"/>
+                                  </p:stCondLst>
+                                  <p:childTnLst>
+                                    <p:set>
+                                      <p:cBhvr>
+                                        <p:cTn id="30" dur="1" fill="hold">
+                                          <p:stCondLst>
+                                            <p:cond delay="0"/>
+                                          </p:stCondLst>
+                                        </p:cTn>
+                                        <p:tgtEl>
+                                          <p:spTgt spid="25"/>
+                                        </p:tgtEl>
+                                        <p:attrNameLst>
+                                          <p:attrName>style.visibility</p:attrName>
+                                        </p:attrNameLst>
+                                      </p:cBhvr>
+                                      <p:to>
+                                        <p:strVal val="visible"/>
+                                      </p:to>
+                                    </p:set>
+                                    <p:animEffect transition="in" filter="fade">
+                                      <p:cBhvr>
+                                        <p:cTn id="31" dur="500"/>
+                                        <p:tgtEl>
+                                          <p:spTgt spid="25"/>
+                                        </p:tgtEl>
+                                      </p:cBhvr>
+                                    </p:animEffect>
+                                  </p:childTnLst>
+                                </p:cTn>
+                              </p:par>
+                            </p:childTnLst>
+                          </p:cTn>
+                        </p:par>
+                      </p:childTnLst>
+                    </p:cTn>
+                  </p:par>
+                  <p:par>
+                    <p:cTn id="32" fill="hold">
+                      <p:stCondLst>
+                        <p:cond delay="indefinite"/>
+                      </p:stCondLst>
+                      <p:childTnLst>
+                        <p:par>
+                          <p:cTn id="33" fill="hold">
+                            <p:stCondLst>
+                              <p:cond delay="0"/>
+                            </p:stCondLst>
+                            <p:childTnLst>
+                              <p:par>
+                                <p:cTn id="34" presetID="10" presetClass="entr" presetSubtype="0" fill="hold" nodeType="clickEffect">
+                                  <p:stCondLst>
+                                    <p:cond delay="0"/>
+                                  </p:stCondLst>
+                                  <p:childTnLst>
+                                    <p:set>
+                                      <p:cBhvr>
+                                        <p:cTn id="35" dur="1" fill="hold">
+                                          <p:stCondLst>
+                                            <p:cond delay="0"/>
+                                          </p:stCondLst>
+                                        </p:cTn>
+                                        <p:tgtEl>
+                                          <p:spTgt spid="39"/>
+                                        </p:tgtEl>
+                                        <p:attrNameLst>
+                                          <p:attrName>style.visibility</p:attrName>
+                                        </p:attrNameLst>
+                                      </p:cBhvr>
+                                      <p:to>
+                                        <p:strVal val="visible"/>
+                                      </p:to>
+                                    </p:set>
+                                    <p:animEffect transition="in" filter="fade">
+                                      <p:cBhvr>
+                                        <p:cTn id="36" dur="500"/>
+                                        <p:tgtEl>
+                                          <p:spTgt spid="39"/>
+                                        </p:tgtEl>
+                                      </p:cBhvr>
+                                    </p:animEffect>
+                                  </p:childTnLst>
+                                </p:cTn>
+                              </p:par>
+                              <p:par>
+                                <p:cTn id="37" presetID="10" presetClass="entr" presetSubtype="0" fill="hold" grpId="0" nodeType="withEffect">
+                                  <p:stCondLst>
+                                    <p:cond delay="0"/>
+                                  </p:stCondLst>
+                                  <p:childTnLst>
+                                    <p:set>
+                                      <p:cBhvr>
+                                        <p:cTn id="38" dur="1" fill="hold">
+                                          <p:stCondLst>
+                                            <p:cond delay="0"/>
+                                          </p:stCondLst>
+                                        </p:cTn>
+                                        <p:tgtEl>
+                                          <p:spTgt spid="18"/>
+                                        </p:tgtEl>
+                                        <p:attrNameLst>
+                                          <p:attrName>style.visibility</p:attrName>
+                                        </p:attrNameLst>
+                                      </p:cBhvr>
+                                      <p:to>
+                                        <p:strVal val="visible"/>
+                                      </p:to>
+                                    </p:set>
+                                    <p:animEffect transition="in" filter="fade">
+                                      <p:cBhvr>
+                                        <p:cTn id="39" dur="500"/>
+                                        <p:tgtEl>
+                                          <p:spTgt spid="18"/>
+                                        </p:tgtEl>
+                                      </p:cBhvr>
+                                    </p:animEffect>
+                                  </p:childTnLst>
+                                </p:cTn>
+                              </p:par>
+                              <p:par>
+                                <p:cTn id="40" presetID="32" presetClass="emph" presetSubtype="0" fill="hold" nodeType="withEffect">
+                                  <p:stCondLst>
+                                    <p:cond delay="0"/>
+                                  </p:stCondLst>
+                                  <p:childTnLst>
+                                    <p:animRot by="120000">
+                                      <p:cBhvr>
+                                        <p:cTn id="41" dur="100" fill="hold">
+                                          <p:stCondLst>
+                                            <p:cond delay="0"/>
+                                          </p:stCondLst>
+                                        </p:cTn>
+                                        <p:tgtEl>
+                                          <p:spTgt spid="16"/>
+                                        </p:tgtEl>
+                                        <p:attrNameLst>
+                                          <p:attrName>r</p:attrName>
+                                        </p:attrNameLst>
+                                      </p:cBhvr>
+                                    </p:animRot>
+                                    <p:animRot by="-240000">
+                                      <p:cBhvr>
+                                        <p:cTn id="42" dur="200" fill="hold">
+                                          <p:stCondLst>
+                                            <p:cond delay="200"/>
+                                          </p:stCondLst>
+                                        </p:cTn>
+                                        <p:tgtEl>
+                                          <p:spTgt spid="16"/>
+                                        </p:tgtEl>
+                                        <p:attrNameLst>
+                                          <p:attrName>r</p:attrName>
+                                        </p:attrNameLst>
+                                      </p:cBhvr>
+                                    </p:animRot>
+                                    <p:animRot by="240000">
+                                      <p:cBhvr>
+                                        <p:cTn id="43" dur="200" fill="hold">
+                                          <p:stCondLst>
+                                            <p:cond delay="400"/>
+                                          </p:stCondLst>
+                                        </p:cTn>
+                                        <p:tgtEl>
+                                          <p:spTgt spid="16"/>
+                                        </p:tgtEl>
+                                        <p:attrNameLst>
+                                          <p:attrName>r</p:attrName>
+                                        </p:attrNameLst>
+                                      </p:cBhvr>
+                                    </p:animRot>
+                                    <p:animRot by="-240000">
+                                      <p:cBhvr>
+                                        <p:cTn id="44" dur="200" fill="hold">
+                                          <p:stCondLst>
+                                            <p:cond delay="600"/>
+                                          </p:stCondLst>
+                                        </p:cTn>
+                                        <p:tgtEl>
+                                          <p:spTgt spid="16"/>
+                                        </p:tgtEl>
+                                        <p:attrNameLst>
+                                          <p:attrName>r</p:attrName>
+                                        </p:attrNameLst>
+                                      </p:cBhvr>
+                                    </p:animRot>
+                                    <p:animRot by="120000">
+                                      <p:cBhvr>
+                                        <p:cTn id="45" dur="200" fill="hold">
+                                          <p:stCondLst>
+                                            <p:cond delay="800"/>
+                                          </p:stCondLst>
+                                        </p:cTn>
+                                        <p:tgtEl>
+                                          <p:spTgt spid="16"/>
+                                        </p:tgtEl>
+                                        <p:attrNameLst>
+                                          <p:attrName>r</p:attrName>
+                                        </p:attrNameLst>
+                                      </p:cBhvr>
+                                    </p:animRot>
+                                  </p:childTnLst>
+                                </p:cTn>
+                              </p:par>
+                            </p:childTnLst>
+                          </p:cTn>
+                        </p:par>
+                      </p:childTnLst>
+                    </p:cTn>
+                  </p:par>
+                </p:childTnLst>
+              </p:cTn>
+              <p:prevCondLst>
+                <p:cond evt="onPrev" delay="0">
+                  <p:tgtEl>
+                    <p:sldTgt/>
+                  </p:tgtEl>
+                </p:cond>
+              </p:prevCondLst>
+              <p:nextCondLst>
+                <p:cond evt="onNext" delay="0">
+                  <p:tgtEl>
+                    <p:sldTgt/>
+                  </p:tgtEl>
+                </p:cond>
+              </p:nextCondLst>
+            </p:seq>
+          </p:childTnLst>
+        </p:cTn>
+      </p:par>
+    </p:tnLst>
+    <p:bldLst>
+      <p:bldP spid="15" grpId="0" animBg="1"/>
+      <p:bldP spid="17" grpId="0" animBg="1"/>
+      <p:bldP spid="18" grpId="0" animBg="1"/>
+      <p:bldP spid="19" grpId="0" animBg="1"/>
+      <p:bldP spid="23" grpId="0" animBg="1"/>
+    </p:bldLst>
+  </p:timing>
+</p:sld>
+</file>
+
+<file path=ppt/slides/slide4.xml><?xml version="1.0" encoding="utf-8"?>
+<p:sld xmlns:a="http://schemas.openxmlformats.org/drawingml/2006/main" xmlns:r="http://schemas.openxmlformats.org/officeDocument/2006/relationships" xmlns:p="http://schemas.openxmlformats.org/presentationml/2006/main">
+  <p:cSld>
+    <p:spTree>
+      <p:nvGrpSpPr>
+        <p:cNvPr id="1" name=""/>
+        <p:cNvGrpSpPr/>
+        <p:nvPr/>
+      </p:nvGrpSpPr>
+      <p:grpSpPr>
+        <a:xfrm>
+          <a:off x="0" y="0"/>
+          <a:ext cx="0" cy="0"/>
+          <a:chOff x="0" y="0"/>
+          <a:chExt cx="0" cy="0"/>
+        </a:xfrm>
+      </p:grpSpPr>
+      <p:sp>
+        <p:nvSpPr>
+          <p:cNvPr id="2" name="Title 1"/>
+          <p:cNvSpPr>
+            <a:spLocks noGrp="1"/>
+          </p:cNvSpPr>
+          <p:nvPr>
+            <p:ph type="title"/>
+          </p:nvPr>
+        </p:nvSpPr>
+        <p:spPr>
+          <a:xfrm>
+            <a:off x="0" y="2597337"/>
+            <a:ext cx="12192000" cy="1325563"/>
+          </a:xfrm>
+        </p:spPr>
+        <p:txBody>
+          <a:bodyPr>
+            <a:noAutofit/>
+          </a:bodyPr>
+          <a:lstStyle/>
+          <a:p>
+            <a:pPr algn="ctr"/>
+            <a:r>
+              <a:rPr lang="en-US" sz="9600" dirty="0" err="1" smtClean="0"/>
+              <a:t>Antipatterns</a:t>
+            </a:r>
+            <a:endParaRPr lang="ru-RU" sz="9600" dirty="0"/>
+          </a:p>
+        </p:txBody>
+      </p:sp>
+    </p:spTree>
+    <p:extLst>
+      <p:ext uri="{BB962C8B-B14F-4D97-AF65-F5344CB8AC3E}">
+        <p14:creationId xmlns:p14="http://schemas.microsoft.com/office/powerpoint/2010/main" val="38295316"/>
+      </p:ext>
+    </p:extLst>
+  </p:cSld>
+  <p:clrMapOvr>
+    <a:masterClrMapping/>
+  </p:clrMapOvr>
+  <mc:AlternateContent xmlns:mc="http://schemas.openxmlformats.org/markup-compatibility/2006">
+    <mc:Choice xmlns:p14="http://schemas.microsoft.com/office/powerpoint/2010/main" Requires="p14">
+      <p:transition spd="slow">
+        <p14:flash/>
+      </p:transition>
+    </mc:Choice>
+    <mc:Fallback>
+      <p:transition spd="slow">
+        <p:fade/>
+      </p:transition>
+    </mc:Fallback>
+  </mc:AlternateContent>
+  <p:timing>
+    <p:tnLst>
+      <p:par>
+        <p:cTn id="1" dur="indefinite" restart="never" nodeType="tmRoot"/>
+      </p:par>
+    </p:tnLst>
+  </p:timing>
+</p:sld>
+</file>
+
+<file path=ppt/slides/slide5.xml><?xml version="1.0" encoding="utf-8"?>
+<p:sld xmlns:a="http://schemas.openxmlformats.org/drawingml/2006/main" xmlns:r="http://schemas.openxmlformats.org/officeDocument/2006/relationships" xmlns:p="http://schemas.openxmlformats.org/presentationml/2006/main">
+  <p:cSld>
+    <p:spTree>
+      <p:nvGrpSpPr>
+        <p:cNvPr id="1" name=""/>
+        <p:cNvGrpSpPr/>
+        <p:nvPr/>
+      </p:nvGrpSpPr>
+      <p:grpSpPr>
+        <a:xfrm>
+          <a:off x="0" y="0"/>
+          <a:ext cx="0" cy="0"/>
+          <a:chOff x="0" y="0"/>
+          <a:chExt cx="0" cy="0"/>
+        </a:xfrm>
+      </p:grpSpPr>
+      <p:pic>
+        <p:nvPicPr>
+          <p:cNvPr id="7" name="Picture 6"/>
+          <p:cNvPicPr>
+            <a:picLocks noChangeAspect="1"/>
+          </p:cNvPicPr>
+          <p:nvPr/>
+        </p:nvPicPr>
+        <p:blipFill>
+          <a:blip r:embed="rId3">
+            <a:extLst>
+              <a:ext uri="{28A0092B-C50C-407E-A947-70E740481C1C}">
+                <a14:useLocalDpi xmlns:a14="http://schemas.microsoft.com/office/drawing/2010/main" val="0"/>
+              </a:ext>
+            </a:extLst>
+          </a:blip>
+          <a:stretch>
+            <a:fillRect/>
+          </a:stretch>
+        </p:blipFill>
+        <p:spPr>
+          <a:xfrm>
+            <a:off x="0" y="0"/>
+            <a:ext cx="12192000" cy="6858000"/>
+          </a:xfrm>
+          <a:prstGeom prst="rect">
+            <a:avLst/>
+          </a:prstGeom>
+        </p:spPr>
+      </p:pic>
+      <p:sp>
+        <p:nvSpPr>
+          <p:cNvPr id="2" name="Title 1"/>
+          <p:cNvSpPr>
+            <a:spLocks noGrp="1"/>
+          </p:cNvSpPr>
+          <p:nvPr>
+            <p:ph type="title"/>
+          </p:nvPr>
+        </p:nvSpPr>
+        <p:spPr>
+          <a:xfrm>
+            <a:off x="0" y="5532437"/>
+            <a:ext cx="12192000" cy="1325563"/>
+          </a:xfrm>
+          <a:solidFill>
+            <a:schemeClr val="dk1">
+              <a:alpha val="50000"/>
+            </a:schemeClr>
+          </a:solidFill>
+          <a:ln>
+            <a:noFill/>
+          </a:ln>
+        </p:spPr>
+        <p:style>
+          <a:lnRef idx="0">
+            <a:scrgbClr r="0" g="0" b="0"/>
+          </a:lnRef>
+          <a:fillRef idx="0">
+            <a:scrgbClr r="0" g="0" b="0"/>
+          </a:fillRef>
+          <a:effectRef idx="0">
+            <a:scrgbClr r="0" g="0" b="0"/>
+          </a:effectRef>
+          <a:fontRef idx="minor">
+            <a:schemeClr val="lt1"/>
+          </a:fontRef>
+        </p:style>
+        <p:txBody>
+          <a:bodyPr>
+            <a:noAutofit/>
+          </a:bodyPr>
+          <a:lstStyle/>
+          <a:p>
+            <a:pPr algn="ctr"/>
+            <a:r>
+              <a:rPr lang="en-US" sz="9600" dirty="0" smtClean="0">
+                <a:solidFill>
+                  <a:schemeClr val="bg1"/>
+                </a:solidFill>
+                <a:effectLst>
+                  <a:outerShdw blurRad="38100" dist="38100" dir="2700000" algn="tl">
+                    <a:srgbClr val="000000">
+                      <a:alpha val="43137"/>
+                    </a:srgbClr>
+                  </a:outerShdw>
+                </a:effectLst>
+              </a:rPr>
+              <a:t>Singleton   +   Prototype</a:t>
+            </a:r>
+            <a:endParaRPr lang="ru-RU" sz="9600" dirty="0">
+              <a:solidFill>
+                <a:schemeClr val="bg1"/>
+              </a:solidFill>
+              <a:effectLst>
+                <a:outerShdw blurRad="38100" dist="38100" dir="2700000" algn="tl">
+                  <a:srgbClr val="000000">
+                    <a:alpha val="43137"/>
+                  </a:srgbClr>
+                </a:outerShdw>
+              </a:effectLst>
+            </a:endParaRPr>
+          </a:p>
+        </p:txBody>
+      </p:sp>
+    </p:spTree>
+    <p:extLst>
+      <p:ext uri="{BB962C8B-B14F-4D97-AF65-F5344CB8AC3E}">
+        <p14:creationId xmlns:p14="http://schemas.microsoft.com/office/powerpoint/2010/main" val="346356194"/>
+      </p:ext>
+    </p:extLst>
+  </p:cSld>
+  <p:clrMapOvr>
+    <a:masterClrMapping/>
+  </p:clrMapOvr>
+  <mc:AlternateContent xmlns:mc="http://schemas.openxmlformats.org/markup-compatibility/2006">
+    <mc:Choice xmlns:p14="http://schemas.microsoft.com/office/powerpoint/2010/main" Requires="p14">
+      <p:transition p14:dur="0"/>
+    </mc:Choice>
+    <mc:Fallback>
+      <p:transition/>
+    </mc:Fallback>
+  </mc:AlternateContent>
+  <p:timing>
+    <p:tnLst>
+      <p:par>
+        <p:cTn id="1" dur="indefinite" restart="never" nodeType="tmRoot"/>
+      </p:par>
+    </p:tnLst>
+  </p:timing>
+</p:sld>
+</file>
+
+<file path=ppt/slides/slide6.xml><?xml version="1.0" encoding="utf-8"?>
+<p:sld xmlns:a="http://schemas.openxmlformats.org/drawingml/2006/main" xmlns:r="http://schemas.openxmlformats.org/officeDocument/2006/relationships" xmlns:p="http://schemas.openxmlformats.org/presentationml/2006/main">
+  <p:cSld>
+    <p:spTree>
+      <p:nvGrpSpPr>
+        <p:cNvPr id="1" name=""/>
+        <p:cNvGrpSpPr/>
+        <p:nvPr/>
+      </p:nvGrpSpPr>
+      <p:grpSpPr>
+        <a:xfrm>
+          <a:off x="0" y="0"/>
+          <a:ext cx="0" cy="0"/>
+          <a:chOff x="0" y="0"/>
+          <a:chExt cx="0" cy="0"/>
+        </a:xfrm>
+      </p:grpSpPr>
+      <p:sp>
+        <p:nvSpPr>
+          <p:cNvPr id="2" name="Title 1"/>
+          <p:cNvSpPr>
+            <a:spLocks noGrp="1"/>
+          </p:cNvSpPr>
+          <p:nvPr>
+            <p:ph type="title"/>
+          </p:nvPr>
+        </p:nvSpPr>
+        <p:spPr>
+          <a:xfrm>
+            <a:off x="0" y="2597337"/>
+            <a:ext cx="12192000" cy="1325563"/>
+          </a:xfrm>
+        </p:spPr>
+        <p:txBody>
+          <a:bodyPr>
+            <a:noAutofit/>
+          </a:bodyPr>
+          <a:lstStyle/>
+          <a:p>
+            <a:pPr algn="ctr"/>
+            <a:r>
+              <a:rPr lang="en-US" sz="9600" dirty="0" smtClean="0"/>
+              <a:t>Implementation</a:t>
+            </a:r>
+            <a:endParaRPr lang="ru-RU" sz="9600" dirty="0"/>
+          </a:p>
+        </p:txBody>
+      </p:sp>
+    </p:spTree>
+    <p:extLst>
+      <p:ext uri="{BB962C8B-B14F-4D97-AF65-F5344CB8AC3E}">
+        <p14:creationId xmlns:p14="http://schemas.microsoft.com/office/powerpoint/2010/main" val="1836390031"/>
+      </p:ext>
+    </p:extLst>
+  </p:cSld>
+  <p:clrMapOvr>
+    <a:masterClrMapping/>
+  </p:clrMapOvr>
+  <mc:AlternateContent xmlns:mc="http://schemas.openxmlformats.org/markup-compatibility/2006">
+    <mc:Choice xmlns:p14="http://schemas.microsoft.com/office/powerpoint/2010/main" Requires="p14">
+      <p:transition spd="slow">
+        <p14:flash/>
+      </p:transition>
+    </mc:Choice>
+    <mc:Fallback>
+      <p:transition spd="slow">
+        <p:fade/>
+      </p:transition>
+    </mc:Fallback>
+  </mc:AlternateContent>
+  <p:timing>
+    <p:tnLst>
+      <p:par>
+        <p:cTn id="1" dur="indefinite" restart="never" nodeType="tmRoot"/>
+      </p:par>
+    </p:tnLst>
+  </p:timing>
+</p:sld>
+</file>
+
+<file path=ppt/slides/slide7.xml><?xml version="1.0" encoding="utf-8"?>
+<p:sld xmlns:a="http://schemas.openxmlformats.org/drawingml/2006/main" xmlns:r="http://schemas.openxmlformats.org/officeDocument/2006/relationships" xmlns:p="http://schemas.openxmlformats.org/presentationml/2006/main">
+  <p:cSld>
+    <p:spTree>
+      <p:nvGrpSpPr>
+        <p:cNvPr id="1" name=""/>
+        <p:cNvGrpSpPr/>
+        <p:nvPr/>
+      </p:nvGrpSpPr>
+      <p:grpSpPr>
+        <a:xfrm>
+          <a:off x="0" y="0"/>
+          <a:ext cx="0" cy="0"/>
+          <a:chOff x="0" y="0"/>
+          <a:chExt cx="0" cy="0"/>
+        </a:xfrm>
+      </p:grpSpPr>
+      <p:sp>
+        <p:nvSpPr>
+          <p:cNvPr id="3" name="Date Placeholder 2"/>
+          <p:cNvSpPr>
+            <a:spLocks noGrp="1"/>
+          </p:cNvSpPr>
+          <p:nvPr>
+            <p:ph type="dt" sz="half" idx="10"/>
+          </p:nvPr>
+        </p:nvSpPr>
+        <p:spPr/>
+        <p:txBody>
+          <a:bodyPr/>
+          <a:lstStyle/>
+          <a:p>
+            <a:fld id="{AB18DE3F-9B93-4889-A323-6EC312FABF66}" type="datetime3">
+              <a:rPr lang="en-US" smtClean="0">
+                <a:solidFill>
+                  <a:schemeClr val="tx1"/>
+                </a:solidFill>
+              </a:rPr>
+              <a:t>23 February 2019</a:t>
+            </a:fld>
+            <a:endParaRPr lang="ru-RU">
+              <a:solidFill>
+                <a:schemeClr val="tx1"/>
+              </a:solidFill>
+            </a:endParaRPr>
+          </a:p>
+        </p:txBody>
+      </p:sp>
+      <p:sp>
+        <p:nvSpPr>
+          <p:cNvPr id="11" name="Google Shape;196;p27"/>
+          <p:cNvSpPr txBox="1">
+            <a:spLocks noGrp="1"/>
+          </p:cNvSpPr>
+          <p:nvPr>
+            <p:ph type="title"/>
+          </p:nvPr>
+        </p:nvSpPr>
+        <p:spPr>
+          <a:xfrm>
+            <a:off x="0" y="0"/>
+            <a:ext cx="10515600" cy="1325563"/>
+          </a:xfrm>
+        </p:spPr>
+        <p:txBody>
+          <a:bodyPr>
+            <a:normAutofit/>
+          </a:bodyPr>
+          <a:lstStyle/>
+          <a:p>
+            <a:pPr lvl="0"/>
+            <a:r>
+              <a:rPr lang="en-US" sz="5400" dirty="0" smtClean="0"/>
+              <a:t>Eager initialization</a:t>
+            </a:r>
+            <a:endParaRPr lang="en-US" sz="5400" dirty="0"/>
+          </a:p>
+        </p:txBody>
+      </p:sp>
+      <p:sp>
+        <p:nvSpPr>
+          <p:cNvPr id="20" name="TextBox 19"/>
+          <p:cNvSpPr txBox="1"/>
+          <p:nvPr/>
+        </p:nvSpPr>
+        <p:spPr>
+          <a:xfrm>
+            <a:off x="-52754" y="4518235"/>
+            <a:ext cx="6955791" cy="646331"/>
+          </a:xfrm>
+          <a:prstGeom prst="rect">
+            <a:avLst/>
+          </a:prstGeom>
+          <a:noFill/>
+        </p:spPr>
+        <p:txBody>
+          <a:bodyPr wrap="square" rtlCol="0">
+            <a:spAutoFit/>
+          </a:bodyPr>
+          <a:lstStyle/>
+          <a:p>
+            <a:pPr marL="571500" indent="-571500">
+              <a:buFont typeface="Arial" panose="020B0604020202020204" pitchFamily="34" charset="0"/>
+              <a:buChar char="•"/>
+            </a:pPr>
+            <a:r>
+              <a:rPr lang="en-US" sz="3600" b="1" dirty="0" smtClean="0"/>
+              <a:t>Too confident instantiation</a:t>
+            </a:r>
+            <a:endParaRPr lang="ru-RU" sz="3600" b="1" dirty="0"/>
+          </a:p>
+        </p:txBody>
+      </p:sp>
+      <p:sp>
+        <p:nvSpPr>
+          <p:cNvPr id="21" name="TextBox 20"/>
+          <p:cNvSpPr txBox="1"/>
+          <p:nvPr/>
+        </p:nvSpPr>
+        <p:spPr>
+          <a:xfrm>
+            <a:off x="0" y="5437292"/>
+            <a:ext cx="8260374" cy="646331"/>
+          </a:xfrm>
+          <a:prstGeom prst="rect">
+            <a:avLst/>
+          </a:prstGeom>
+          <a:noFill/>
+        </p:spPr>
+        <p:txBody>
+          <a:bodyPr wrap="square" rtlCol="0">
+            <a:spAutoFit/>
+          </a:bodyPr>
+          <a:lstStyle/>
+          <a:p>
+            <a:pPr marL="571500" indent="-571500">
+              <a:buFont typeface="Arial" panose="020B0604020202020204" pitchFamily="34" charset="0"/>
+              <a:buChar char="•"/>
+            </a:pPr>
+            <a:r>
+              <a:rPr lang="en-US" sz="3600" b="1" dirty="0" smtClean="0"/>
+              <a:t>Doesn’t provide exception handling</a:t>
+            </a:r>
+            <a:endParaRPr lang="ru-RU" sz="3600" b="1" dirty="0"/>
+          </a:p>
+        </p:txBody>
+      </p:sp>
+      <p:pic>
+        <p:nvPicPr>
+          <p:cNvPr id="23" name="Picture 22"/>
+          <p:cNvPicPr>
+            <a:picLocks noChangeAspect="1"/>
+          </p:cNvPicPr>
+          <p:nvPr/>
+        </p:nvPicPr>
+        <p:blipFill>
+          <a:blip r:embed="rId3"/>
+          <a:stretch>
+            <a:fillRect/>
+          </a:stretch>
+        </p:blipFill>
+        <p:spPr>
+          <a:xfrm>
+            <a:off x="0" y="1059399"/>
+            <a:ext cx="7814529" cy="3409416"/>
+          </a:xfrm>
+          <a:prstGeom prst="rect">
+            <a:avLst/>
+          </a:prstGeom>
+          <a:ln>
+            <a:solidFill>
+              <a:schemeClr val="tx1"/>
+            </a:solidFill>
+          </a:ln>
+        </p:spPr>
+      </p:pic>
+      <p:pic>
+        <p:nvPicPr>
+          <p:cNvPr id="24" name="Picture 23"/>
+          <p:cNvPicPr>
+            <a:picLocks noChangeAspect="1"/>
+          </p:cNvPicPr>
+          <p:nvPr/>
+        </p:nvPicPr>
+        <p:blipFill rotWithShape="1">
+          <a:blip r:embed="rId4" cstate="print">
+            <a:extLst>
+              <a:ext uri="{28A0092B-C50C-407E-A947-70E740481C1C}">
+                <a14:useLocalDpi xmlns:a14="http://schemas.microsoft.com/office/drawing/2010/main" val="0"/>
+              </a:ext>
+            </a:extLst>
+          </a:blip>
+          <a:srcRect l="20401" t="25502" r="20401" b="25502"/>
+          <a:stretch/>
+        </p:blipFill>
+        <p:spPr>
+          <a:xfrm>
+            <a:off x="11055002" y="0"/>
+            <a:ext cx="1136998" cy="941010"/>
+          </a:xfrm>
+          <a:prstGeom prst="rect">
+            <a:avLst/>
+          </a:prstGeom>
+        </p:spPr>
+      </p:pic>
+      <p:sp>
+        <p:nvSpPr>
+          <p:cNvPr id="25" name="Slide Number Placeholder 54"/>
+          <p:cNvSpPr>
+            <a:spLocks noGrp="1"/>
+          </p:cNvSpPr>
+          <p:nvPr>
+            <p:ph type="sldNum" sz="quarter" idx="12"/>
+          </p:nvPr>
+        </p:nvSpPr>
+        <p:spPr>
+          <a:xfrm>
+            <a:off x="8610600" y="6356350"/>
+            <a:ext cx="2743200" cy="365125"/>
+          </a:xfrm>
+        </p:spPr>
+        <p:txBody>
+          <a:bodyPr/>
+          <a:lstStyle/>
+          <a:p>
+            <a:r>
+              <a:rPr lang="en-US" dirty="0" smtClean="0">
+                <a:solidFill>
+                  <a:schemeClr val="tx1"/>
+                </a:solidFill>
+              </a:rPr>
+              <a:t>6</a:t>
+            </a:r>
+            <a:r>
+              <a:rPr lang="en-US" dirty="0" smtClean="0">
+                <a:solidFill>
+                  <a:schemeClr val="tx1"/>
+                </a:solidFill>
+              </a:rPr>
+              <a:t> </a:t>
+            </a:r>
+            <a:r>
+              <a:rPr lang="en-US" dirty="0" smtClean="0">
+                <a:solidFill>
+                  <a:schemeClr val="tx1"/>
+                </a:solidFill>
+              </a:rPr>
+              <a:t>out </a:t>
+            </a:r>
+            <a:r>
+              <a:rPr lang="en-US" dirty="0" smtClean="0">
+                <a:solidFill>
+                  <a:schemeClr val="tx1"/>
+                </a:solidFill>
+              </a:rPr>
+              <a:t>of 14</a:t>
+            </a:r>
+            <a:endParaRPr lang="en-US" dirty="0" smtClean="0">
+              <a:solidFill>
+                <a:schemeClr val="tx1"/>
+              </a:solidFill>
+            </a:endParaRPr>
+          </a:p>
+        </p:txBody>
+      </p:sp>
+    </p:spTree>
+    <p:extLst>
+      <p:ext uri="{BB962C8B-B14F-4D97-AF65-F5344CB8AC3E}">
+        <p14:creationId xmlns:p14="http://schemas.microsoft.com/office/powerpoint/2010/main" val="2207383252"/>
+      </p:ext>
+    </p:extLst>
+  </p:cSld>
+  <p:clrMapOvr>
+    <a:masterClrMapping/>
+  </p:clrMapOvr>
+  <mc:AlternateContent xmlns:mc="http://schemas.openxmlformats.org/markup-compatibility/2006">
+    <mc:Choice xmlns:p14="http://schemas.microsoft.com/office/powerpoint/2010/main" Requires="p14">
+      <p:transition p14:dur="10"/>
+    </mc:Choice>
+    <mc:Fallback>
+      <p:transition/>
+    </mc:Fallback>
+  </mc:AlternateContent>
+  <p:timing>
+    <p:tnLst>
+      <p:par>
+        <p:cTn id="1" dur="indefinite" restart="never" nodeType="tmRoot">
+          <p:childTnLst>
+            <p:seq concurrent="1" nextAc="seek">
+              <p:cTn id="2" dur="indefinite" nodeType="mainSeq">
+                <p:childTnLst>
+                  <p:par>
+                    <p:cTn id="3" fill="hold">
+                      <p:stCondLst>
+                        <p:cond delay="indefinite"/>
+                      </p:stCondLst>
+                      <p:childTnLst>
+                        <p:par>
+                          <p:cTn id="4" fill="hold">
+                            <p:stCondLst>
+                              <p:cond delay="0"/>
+                            </p:stCondLst>
+                            <p:childTnLst>
+                              <p:par>
+                                <p:cTn id="5" presetID="2" presetClass="entr" presetSubtype="8" fill="hold" nodeType="clickEffect">
+                                  <p:stCondLst>
+                                    <p:cond delay="0"/>
+                                  </p:stCondLst>
+                                  <p:childTnLst>
+                                    <p:set>
+                                      <p:cBhvr>
+                                        <p:cTn id="6" dur="1" fill="hold">
+                                          <p:stCondLst>
+                                            <p:cond delay="0"/>
+                                          </p:stCondLst>
+                                        </p:cTn>
+                                        <p:tgtEl>
+                                          <p:spTgt spid="23"/>
+                                        </p:tgtEl>
+                                        <p:attrNameLst>
+                                          <p:attrName>style.visibility</p:attrName>
+                                        </p:attrNameLst>
+                                      </p:cBhvr>
+                                      <p:to>
+                                        <p:strVal val="visible"/>
+                                      </p:to>
+                                    </p:set>
+                                    <p:anim calcmode="lin" valueType="num">
+                                      <p:cBhvr additive="base">
+                                        <p:cTn id="7" dur="500" fill="hold"/>
+                                        <p:tgtEl>
+                                          <p:spTgt spid="23"/>
+                                        </p:tgtEl>
+                                        <p:attrNameLst>
+                                          <p:attrName>ppt_x</p:attrName>
+                                        </p:attrNameLst>
+                                      </p:cBhvr>
+                                      <p:tavLst>
+                                        <p:tav tm="0">
+                                          <p:val>
+                                            <p:strVal val="0-#ppt_w/2"/>
+                                          </p:val>
+                                        </p:tav>
+                                        <p:tav tm="100000">
+                                          <p:val>
+                                            <p:strVal val="#ppt_x"/>
+                                          </p:val>
+                                        </p:tav>
+                                      </p:tavLst>
+                                    </p:anim>
+                                    <p:anim calcmode="lin" valueType="num">
+                                      <p:cBhvr additive="base">
+                                        <p:cTn id="8" dur="500" fill="hold"/>
+                                        <p:tgtEl>
+                                          <p:spTgt spid="23"/>
+                                        </p:tgtEl>
+                                        <p:attrNameLst>
+                                          <p:attrName>ppt_y</p:attrName>
+                                        </p:attrNameLst>
+                                      </p:cBhvr>
+                                      <p:tavLst>
+                                        <p:tav tm="0">
+                                          <p:val>
+                                            <p:strVal val="#ppt_y"/>
+                                          </p:val>
+                                        </p:tav>
+                                        <p:tav tm="100000">
+                                          <p:val>
+                                            <p:strVal val="#ppt_y"/>
+                                          </p:val>
+                                        </p:tav>
+                                      </p:tavLst>
+                                    </p:anim>
+                                  </p:childTnLst>
+                                </p:cTn>
+                              </p:par>
+                            </p:childTnLst>
+                          </p:cTn>
+                        </p:par>
+                      </p:childTnLst>
+                    </p:cTn>
+                  </p:par>
+                  <p:par>
+                    <p:cTn id="9" fill="hold">
+                      <p:stCondLst>
+                        <p:cond delay="indefinite"/>
+                      </p:stCondLst>
+                      <p:childTnLst>
+                        <p:par>
+                          <p:cTn id="10" fill="hold">
+                            <p:stCondLst>
+                              <p:cond delay="0"/>
+                            </p:stCondLst>
+                            <p:childTnLst>
+                              <p:par>
+                                <p:cTn id="11" presetID="10" presetClass="entr" presetSubtype="0" fill="hold" grpId="0" nodeType="clickEffect">
+                                  <p:stCondLst>
+                                    <p:cond delay="0"/>
+                                  </p:stCondLst>
+                                  <p:childTnLst>
+                                    <p:set>
+                                      <p:cBhvr>
+                                        <p:cTn id="12" dur="1" fill="hold">
+                                          <p:stCondLst>
+                                            <p:cond delay="0"/>
+                                          </p:stCondLst>
+                                        </p:cTn>
+                                        <p:tgtEl>
+                                          <p:spTgt spid="20"/>
+                                        </p:tgtEl>
+                                        <p:attrNameLst>
+                                          <p:attrName>style.visibility</p:attrName>
+                                        </p:attrNameLst>
+                                      </p:cBhvr>
+                                      <p:to>
+                                        <p:strVal val="visible"/>
+                                      </p:to>
+                                    </p:set>
+                                    <p:animEffect transition="in" filter="fade">
+                                      <p:cBhvr>
+                                        <p:cTn id="13" dur="500"/>
+                                        <p:tgtEl>
+                                          <p:spTgt spid="20"/>
+                                        </p:tgtEl>
+                                      </p:cBhvr>
+                                    </p:animEffect>
+                                  </p:childTnLst>
+                                </p:cTn>
+                              </p:par>
+                            </p:childTnLst>
+                          </p:cTn>
+                        </p:par>
+                      </p:childTnLst>
+                    </p:cTn>
+                  </p:par>
+                  <p:par>
+                    <p:cTn id="14" fill="hold">
+                      <p:stCondLst>
+                        <p:cond delay="indefinite"/>
+                      </p:stCondLst>
+                      <p:childTnLst>
+                        <p:par>
+                          <p:cTn id="15" fill="hold">
+                            <p:stCondLst>
+                              <p:cond delay="0"/>
+                            </p:stCondLst>
+                            <p:childTnLst>
+                              <p:par>
+                                <p:cTn id="16" presetID="10" presetClass="entr" presetSubtype="0" fill="hold" grpId="0" nodeType="clickEffect">
+                                  <p:stCondLst>
+                                    <p:cond delay="0"/>
+                                  </p:stCondLst>
+                                  <p:childTnLst>
+                                    <p:set>
+                                      <p:cBhvr>
+                                        <p:cTn id="17" dur="1" fill="hold">
+                                          <p:stCondLst>
+                                            <p:cond delay="0"/>
+                                          </p:stCondLst>
+                                        </p:cTn>
+                                        <p:tgtEl>
+                                          <p:spTgt spid="21"/>
+                                        </p:tgtEl>
+                                        <p:attrNameLst>
+                                          <p:attrName>style.visibility</p:attrName>
+                                        </p:attrNameLst>
+                                      </p:cBhvr>
+                                      <p:to>
+                                        <p:strVal val="visible"/>
+                                      </p:to>
+                                    </p:set>
+                                    <p:animEffect transition="in" filter="fade">
+                                      <p:cBhvr>
                                         <p:cTn id="18" dur="500"/>
                                         <p:tgtEl>
-                                          <p:spTgt spid="24"/>
+                                          <p:spTgt spid="21"/>
+                                        </p:tgtEl>
+                                      </p:cBhvr>
+                                    </p:animEffect>
+                                  </p:childTnLst>
+                                </p:cTn>
+                              </p:par>
+                            </p:childTnLst>
+                          </p:cTn>
+                        </p:par>
+                      </p:childTnLst>
+                    </p:cTn>
+                  </p:par>
+                </p:childTnLst>
+              </p:cTn>
+              <p:prevCondLst>
+                <p:cond evt="onPrev" delay="0">
+                  <p:tgtEl>
+                    <p:sldTgt/>
+                  </p:tgtEl>
+                </p:cond>
+              </p:prevCondLst>
+              <p:nextCondLst>
+                <p:cond evt="onNext" delay="0">
+                  <p:tgtEl>
+                    <p:sldTgt/>
+                  </p:tgtEl>
+                </p:cond>
+              </p:nextCondLst>
+            </p:seq>
+          </p:childTnLst>
+        </p:cTn>
+      </p:par>
+    </p:tnLst>
+    <p:bldLst>
+      <p:bldP spid="20" grpId="0"/>
+      <p:bldP spid="21" grpId="0"/>
+    </p:bldLst>
+  </p:timing>
+</p:sld>
+</file>
+
+<file path=ppt/slides/slide8.xml><?xml version="1.0" encoding="utf-8"?>
+<p:sld xmlns:a="http://schemas.openxmlformats.org/drawingml/2006/main" xmlns:r="http://schemas.openxmlformats.org/officeDocument/2006/relationships" xmlns:p="http://schemas.openxmlformats.org/presentationml/2006/main">
+  <p:cSld>
+    <p:spTree>
+      <p:nvGrpSpPr>
+        <p:cNvPr id="1" name=""/>
+        <p:cNvGrpSpPr/>
+        <p:nvPr/>
+      </p:nvGrpSpPr>
+      <p:grpSpPr>
+        <a:xfrm>
+          <a:off x="0" y="0"/>
+          <a:ext cx="0" cy="0"/>
+          <a:chOff x="0" y="0"/>
+          <a:chExt cx="0" cy="0"/>
+        </a:xfrm>
+      </p:grpSpPr>
+      <p:sp>
+        <p:nvSpPr>
+          <p:cNvPr id="3" name="Date Placeholder 2"/>
+          <p:cNvSpPr>
+            <a:spLocks noGrp="1"/>
+          </p:cNvSpPr>
+          <p:nvPr>
+            <p:ph type="dt" sz="half" idx="10"/>
+          </p:nvPr>
+        </p:nvSpPr>
+        <p:spPr/>
+        <p:txBody>
+          <a:bodyPr/>
+          <a:lstStyle/>
+          <a:p>
+            <a:fld id="{AB18DE3F-9B93-4889-A323-6EC312FABF66}" type="datetime3">
+              <a:rPr lang="en-US" smtClean="0">
+                <a:solidFill>
+                  <a:schemeClr val="tx1"/>
+                </a:solidFill>
+              </a:rPr>
+              <a:t>23 February 2019</a:t>
+            </a:fld>
+            <a:endParaRPr lang="ru-RU">
+              <a:solidFill>
+                <a:schemeClr val="tx1"/>
+              </a:solidFill>
+            </a:endParaRPr>
+          </a:p>
+        </p:txBody>
+      </p:sp>
+      <p:pic>
+        <p:nvPicPr>
+          <p:cNvPr id="5" name="Picture 4"/>
+          <p:cNvPicPr>
+            <a:picLocks noChangeAspect="1"/>
+          </p:cNvPicPr>
+          <p:nvPr/>
+        </p:nvPicPr>
+        <p:blipFill>
+          <a:blip r:embed="rId3"/>
+          <a:stretch>
+            <a:fillRect/>
+          </a:stretch>
+        </p:blipFill>
+        <p:spPr>
+          <a:xfrm>
+            <a:off x="9552" y="1250441"/>
+            <a:ext cx="8215653" cy="4042894"/>
+          </a:xfrm>
+          <a:prstGeom prst="rect">
+            <a:avLst/>
+          </a:prstGeom>
+          <a:solidFill>
+            <a:schemeClr val="tx1"/>
+          </a:solidFill>
+          <a:ln>
+            <a:solidFill>
+              <a:schemeClr val="tx1"/>
+            </a:solidFill>
+          </a:ln>
+        </p:spPr>
+      </p:pic>
+      <p:sp>
+        <p:nvSpPr>
+          <p:cNvPr id="11" name="Google Shape;196;p27"/>
+          <p:cNvSpPr txBox="1">
+            <a:spLocks noGrp="1"/>
+          </p:cNvSpPr>
+          <p:nvPr>
+            <p:ph type="title"/>
+          </p:nvPr>
+        </p:nvSpPr>
+        <p:spPr>
+          <a:xfrm>
+            <a:off x="0" y="0"/>
+            <a:ext cx="10515600" cy="1325563"/>
+          </a:xfrm>
+        </p:spPr>
+        <p:txBody>
+          <a:bodyPr>
+            <a:normAutofit/>
+          </a:bodyPr>
+          <a:lstStyle/>
+          <a:p>
+            <a:pPr lvl="0"/>
+            <a:r>
+              <a:rPr lang="en-US" sz="5400" dirty="0" smtClean="0"/>
+              <a:t>Lazy instantiation</a:t>
+            </a:r>
+            <a:endParaRPr lang="en-US" sz="5400" dirty="0"/>
+          </a:p>
+        </p:txBody>
+      </p:sp>
+      <p:sp>
+        <p:nvSpPr>
+          <p:cNvPr id="20" name="TextBox 19"/>
+          <p:cNvSpPr txBox="1"/>
+          <p:nvPr/>
+        </p:nvSpPr>
+        <p:spPr>
+          <a:xfrm>
+            <a:off x="8178313" y="1667627"/>
+            <a:ext cx="4048857" cy="646331"/>
+          </a:xfrm>
+          <a:prstGeom prst="rect">
+            <a:avLst/>
+          </a:prstGeom>
+          <a:noFill/>
+        </p:spPr>
+        <p:txBody>
+          <a:bodyPr wrap="square" rtlCol="0">
+            <a:spAutoFit/>
+          </a:bodyPr>
+          <a:lstStyle/>
+          <a:p>
+            <a:pPr marL="571500" indent="-571500">
+              <a:buFont typeface="Arial" panose="020B0604020202020204" pitchFamily="34" charset="0"/>
+              <a:buChar char="•"/>
+            </a:pPr>
+            <a:r>
+              <a:rPr lang="en-US" sz="3600" b="1" dirty="0" smtClean="0"/>
+              <a:t>Lazy initialization</a:t>
+            </a:r>
+            <a:endParaRPr lang="ru-RU" sz="3600" b="1" dirty="0"/>
+          </a:p>
+        </p:txBody>
+      </p:sp>
+      <p:sp>
+        <p:nvSpPr>
+          <p:cNvPr id="21" name="TextBox 20"/>
+          <p:cNvSpPr txBox="1"/>
+          <p:nvPr/>
+        </p:nvSpPr>
+        <p:spPr>
+          <a:xfrm>
+            <a:off x="9552" y="5389575"/>
+            <a:ext cx="8260374" cy="646331"/>
+          </a:xfrm>
+          <a:prstGeom prst="rect">
+            <a:avLst/>
+          </a:prstGeom>
+          <a:noFill/>
+        </p:spPr>
+        <p:txBody>
+          <a:bodyPr wrap="square" rtlCol="0">
+            <a:spAutoFit/>
+          </a:bodyPr>
+          <a:lstStyle/>
+          <a:p>
+            <a:pPr marL="571500" indent="-571500">
+              <a:buFont typeface="Arial" panose="020B0604020202020204" pitchFamily="34" charset="0"/>
+              <a:buChar char="•"/>
+            </a:pPr>
+            <a:r>
+              <a:rPr lang="en-US" sz="3600" b="1" dirty="0" smtClean="0"/>
+              <a:t>Fine for single-threaded environment</a:t>
+            </a:r>
+            <a:endParaRPr lang="ru-RU" sz="3600" b="1" dirty="0"/>
+          </a:p>
+        </p:txBody>
+      </p:sp>
+      <p:pic>
+        <p:nvPicPr>
+          <p:cNvPr id="13" name="Picture 12"/>
+          <p:cNvPicPr>
+            <a:picLocks noChangeAspect="1"/>
+          </p:cNvPicPr>
+          <p:nvPr/>
+        </p:nvPicPr>
+        <p:blipFill rotWithShape="1">
+          <a:blip r:embed="rId4" cstate="print">
+            <a:extLst>
+              <a:ext uri="{28A0092B-C50C-407E-A947-70E740481C1C}">
+                <a14:useLocalDpi xmlns:a14="http://schemas.microsoft.com/office/drawing/2010/main" val="0"/>
+              </a:ext>
+            </a:extLst>
+          </a:blip>
+          <a:srcRect l="20401" t="25502" r="20401" b="25502"/>
+          <a:stretch/>
+        </p:blipFill>
+        <p:spPr>
+          <a:xfrm>
+            <a:off x="11055002" y="0"/>
+            <a:ext cx="1136998" cy="941010"/>
+          </a:xfrm>
+          <a:prstGeom prst="rect">
+            <a:avLst/>
+          </a:prstGeom>
+        </p:spPr>
+      </p:pic>
+      <p:sp>
+        <p:nvSpPr>
+          <p:cNvPr id="14" name="Slide Number Placeholder 54"/>
+          <p:cNvSpPr>
+            <a:spLocks noGrp="1"/>
+          </p:cNvSpPr>
+          <p:nvPr>
+            <p:ph type="sldNum" sz="quarter" idx="12"/>
+          </p:nvPr>
+        </p:nvSpPr>
+        <p:spPr>
+          <a:xfrm>
+            <a:off x="8610600" y="6356350"/>
+            <a:ext cx="2743200" cy="365125"/>
+          </a:xfrm>
+        </p:spPr>
+        <p:txBody>
+          <a:bodyPr/>
+          <a:lstStyle/>
+          <a:p>
+            <a:r>
+              <a:rPr lang="en-US" dirty="0">
+                <a:solidFill>
+                  <a:schemeClr val="tx1"/>
+                </a:solidFill>
+              </a:rPr>
+              <a:t>7</a:t>
+            </a:r>
+            <a:r>
+              <a:rPr lang="en-US" dirty="0" smtClean="0">
+                <a:solidFill>
+                  <a:schemeClr val="tx1"/>
+                </a:solidFill>
+              </a:rPr>
+              <a:t> </a:t>
+            </a:r>
+            <a:r>
+              <a:rPr lang="en-US" dirty="0" smtClean="0">
+                <a:solidFill>
+                  <a:schemeClr val="tx1"/>
+                </a:solidFill>
+              </a:rPr>
+              <a:t>out </a:t>
+            </a:r>
+            <a:r>
+              <a:rPr lang="en-US" dirty="0" smtClean="0">
+                <a:solidFill>
+                  <a:schemeClr val="tx1"/>
+                </a:solidFill>
+              </a:rPr>
+              <a:t>of 14</a:t>
+            </a:r>
+            <a:endParaRPr lang="en-US" dirty="0" smtClean="0">
+              <a:solidFill>
+                <a:schemeClr val="tx1"/>
+              </a:solidFill>
+            </a:endParaRPr>
+          </a:p>
+        </p:txBody>
+      </p:sp>
+    </p:spTree>
+    <p:extLst>
+      <p:ext uri="{BB962C8B-B14F-4D97-AF65-F5344CB8AC3E}">
+        <p14:creationId xmlns:p14="http://schemas.microsoft.com/office/powerpoint/2010/main" val="4073288707"/>
+      </p:ext>
+    </p:extLst>
+  </p:cSld>
+  <p:clrMapOvr>
+    <a:masterClrMapping/>
+  </p:clrMapOvr>
+  <mc:AlternateContent xmlns:mc="http://schemas.openxmlformats.org/markup-compatibility/2006">
+    <mc:Choice xmlns:p14="http://schemas.microsoft.com/office/powerpoint/2010/main" Requires="p14">
+      <p:transition p14:dur="10"/>
+    </mc:Choice>
+    <mc:Fallback>
+      <p:transition/>
+    </mc:Fallback>
+  </mc:AlternateContent>
+  <p:timing>
+    <p:tnLst>
+      <p:par>
+        <p:cTn id="1" dur="indefinite" restart="never" nodeType="tmRoot">
+          <p:childTnLst>
+            <p:seq concurrent="1" nextAc="seek">
+              <p:cTn id="2" dur="indefinite" nodeType="mainSeq">
+                <p:childTnLst>
+                  <p:par>
+                    <p:cTn id="3" fill="hold">
+                      <p:stCondLst>
+                        <p:cond delay="indefinite"/>
+                      </p:stCondLst>
+                      <p:childTnLst>
+                        <p:par>
+                          <p:cTn id="4" fill="hold">
+                            <p:stCondLst>
+                              <p:cond delay="0"/>
+                            </p:stCondLst>
+                            <p:childTnLst>
+                              <p:par>
+                                <p:cTn id="5" presetID="2" presetClass="entr" presetSubtype="8" fill="hold" nodeType="clickEffect">
+                                  <p:stCondLst>
+                                    <p:cond delay="0"/>
+                                  </p:stCondLst>
+                                  <p:childTnLst>
+                                    <p:set>
+                                      <p:cBhvr>
+                                        <p:cTn id="6" dur="1" fill="hold">
+                                          <p:stCondLst>
+                                            <p:cond delay="0"/>
+                                          </p:stCondLst>
+                                        </p:cTn>
+                                        <p:tgtEl>
+                                          <p:spTgt spid="5"/>
+                                        </p:tgtEl>
+                                        <p:attrNameLst>
+                                          <p:attrName>style.visibility</p:attrName>
+                                        </p:attrNameLst>
+                                      </p:cBhvr>
+                                      <p:to>
+                                        <p:strVal val="visible"/>
+                                      </p:to>
+                                    </p:set>
+                                    <p:anim calcmode="lin" valueType="num">
+                                      <p:cBhvr additive="base">
+                                        <p:cTn id="7" dur="500" fill="hold"/>
+                                        <p:tgtEl>
+                                          <p:spTgt spid="5"/>
+                                        </p:tgtEl>
+                                        <p:attrNameLst>
+                                          <p:attrName>ppt_x</p:attrName>
+                                        </p:attrNameLst>
+                                      </p:cBhvr>
+                                      <p:tavLst>
+                                        <p:tav tm="0">
+                                          <p:val>
+                                            <p:strVal val="0-#ppt_w/2"/>
+                                          </p:val>
+                                        </p:tav>
+                                        <p:tav tm="100000">
+                                          <p:val>
+                                            <p:strVal val="#ppt_x"/>
+                                          </p:val>
+                                        </p:tav>
+                                      </p:tavLst>
+                                    </p:anim>
+                                    <p:anim calcmode="lin" valueType="num">
+                                      <p:cBhvr additive="base">
+                                        <p:cTn id="8" dur="500" fill="hold"/>
+                                        <p:tgtEl>
+                                          <p:spTgt spid="5"/>
+                                        </p:tgtEl>
+                                        <p:attrNameLst>
+                                          <p:attrName>ppt_y</p:attrName>
+                                        </p:attrNameLst>
+                                      </p:cBhvr>
+                                      <p:tavLst>
+                                        <p:tav tm="0">
+                                          <p:val>
+                                            <p:strVal val="#ppt_y"/>
+                                          </p:val>
+                                        </p:tav>
+                                        <p:tav tm="100000">
+                                          <p:val>
+                                            <p:strVal val="#ppt_y"/>
+                                          </p:val>
+                                        </p:tav>
+                                      </p:tavLst>
+                                    </p:anim>
+                                  </p:childTnLst>
+                                </p:cTn>
+                              </p:par>
+                            </p:childTnLst>
+                          </p:cTn>
+                        </p:par>
+                      </p:childTnLst>
+                    </p:cTn>
+                  </p:par>
+                  <p:par>
+                    <p:cTn id="9" fill="hold">
+                      <p:stCondLst>
+                        <p:cond delay="indefinite"/>
+                      </p:stCondLst>
+                      <p:childTnLst>
+                        <p:par>
+                          <p:cTn id="10" fill="hold">
+                            <p:stCondLst>
+                              <p:cond delay="0"/>
+                            </p:stCondLst>
+                            <p:childTnLst>
+                              <p:par>
+                                <p:cTn id="11" presetID="10" presetClass="entr" presetSubtype="0" fill="hold" grpId="0" nodeType="clickEffect">
+                                  <p:stCondLst>
+                                    <p:cond delay="0"/>
+                                  </p:stCondLst>
+                                  <p:childTnLst>
+                                    <p:set>
+                                      <p:cBhvr>
+                                        <p:cTn id="12" dur="1" fill="hold">
+                                          <p:stCondLst>
+                                            <p:cond delay="0"/>
+                                          </p:stCondLst>
+                                        </p:cTn>
+                                        <p:tgtEl>
+                                          <p:spTgt spid="20"/>
+                                        </p:tgtEl>
+                                        <p:attrNameLst>
+                                          <p:attrName>style.visibility</p:attrName>
+                                        </p:attrNameLst>
+                                      </p:cBhvr>
+                                      <p:to>
+                                        <p:strVal val="visible"/>
+                                      </p:to>
+                                    </p:set>
+                                    <p:animEffect transition="in" filter="fade">
+                                      <p:cBhvr>
+                                        <p:cTn id="13" dur="500"/>
+                                        <p:tgtEl>
+                                          <p:spTgt spid="20"/>
+                                        </p:tgtEl>
+                                      </p:cBhvr>
+                                    </p:animEffect>
+                                  </p:childTnLst>
+                                </p:cTn>
+                              </p:par>
+                            </p:childTnLst>
+                          </p:cTn>
+                        </p:par>
+                      </p:childTnLst>
+                    </p:cTn>
+                  </p:par>
+                  <p:par>
+                    <p:cTn id="14" fill="hold">
+                      <p:stCondLst>
+                        <p:cond delay="indefinite"/>
+                      </p:stCondLst>
+                      <p:childTnLst>
+                        <p:par>
+                          <p:cTn id="15" fill="hold">
+                            <p:stCondLst>
+                              <p:cond delay="0"/>
+                            </p:stCondLst>
+                            <p:childTnLst>
+                              <p:par>
+                                <p:cTn id="16" presetID="10" presetClass="entr" presetSubtype="0" fill="hold" grpId="0" nodeType="clickEffect">
+                                  <p:stCondLst>
+                                    <p:cond delay="0"/>
+                                  </p:stCondLst>
+                                  <p:childTnLst>
+                                    <p:set>
+                                      <p:cBhvr>
+                                        <p:cTn id="17" dur="1" fill="hold">
+                                          <p:stCondLst>
+                                            <p:cond delay="0"/>
+                                          </p:stCondLst>
+                                        </p:cTn>
+                                        <p:tgtEl>
+                                          <p:spTgt spid="21"/>
+                                        </p:tgtEl>
+                                        <p:attrNameLst>
+                                          <p:attrName>style.visibility</p:attrName>
+                                        </p:attrNameLst>
+                                      </p:cBhvr>
+                                      <p:to>
+                                        <p:strVal val="visible"/>
+                                      </p:to>
+                                    </p:set>
+                                    <p:animEffect transition="in" filter="fade">
+                                      <p:cBhvr>
+                                        <p:cTn id="18" dur="500"/>
+                                        <p:tgtEl>
+                                          <p:spTgt spid="21"/>
+                                        </p:tgtEl>
+                                      </p:cBhvr>
+                                    </p:animEffect>
+                                  </p:childTnLst>
+                                </p:cTn>
+                              </p:par>
+                            </p:childTnLst>
+                          </p:cTn>
+                        </p:par>
+                      </p:childTnLst>
+                    </p:cTn>
+                  </p:par>
+                </p:childTnLst>
+              </p:cTn>
+              <p:prevCondLst>
+                <p:cond evt="onPrev" delay="0">
+                  <p:tgtEl>
+                    <p:sldTgt/>
+                  </p:tgtEl>
+                </p:cond>
+              </p:prevCondLst>
+              <p:nextCondLst>
+                <p:cond evt="onNext" delay="0">
+                  <p:tgtEl>
+                    <p:sldTgt/>
+                  </p:tgtEl>
+                </p:cond>
+              </p:nextCondLst>
+            </p:seq>
+          </p:childTnLst>
+        </p:cTn>
+      </p:par>
+    </p:tnLst>
+    <p:bldLst>
+      <p:bldP spid="20" grpId="0"/>
+      <p:bldP spid="21" grpId="0"/>
+    </p:bldLst>
+  </p:timing>
+</p:sld>
+</file>
+
+<file path=ppt/slides/slide9.xml><?xml version="1.0" encoding="utf-8"?>
+<p:sld xmlns:a="http://schemas.openxmlformats.org/drawingml/2006/main" xmlns:r="http://schemas.openxmlformats.org/officeDocument/2006/relationships" xmlns:p="http://schemas.openxmlformats.org/presentationml/2006/main">
+  <p:cSld>
+    <p:spTree>
+      <p:nvGrpSpPr>
+        <p:cNvPr id="1" name=""/>
+        <p:cNvGrpSpPr/>
+        <p:nvPr/>
+      </p:nvGrpSpPr>
+      <p:grpSpPr>
+        <a:xfrm>
+          <a:off x="0" y="0"/>
+          <a:ext cx="0" cy="0"/>
+          <a:chOff x="0" y="0"/>
+          <a:chExt cx="0" cy="0"/>
+        </a:xfrm>
+      </p:grpSpPr>
+      <p:sp>
+        <p:nvSpPr>
+          <p:cNvPr id="3" name="Date Placeholder 2"/>
+          <p:cNvSpPr>
+            <a:spLocks noGrp="1"/>
+          </p:cNvSpPr>
+          <p:nvPr>
+            <p:ph type="dt" sz="half" idx="10"/>
+          </p:nvPr>
+        </p:nvSpPr>
+        <p:spPr/>
+        <p:txBody>
+          <a:bodyPr/>
+          <a:lstStyle/>
+          <a:p>
+            <a:fld id="{AB18DE3F-9B93-4889-A323-6EC312FABF66}" type="datetime3">
+              <a:rPr lang="en-US" smtClean="0">
+                <a:solidFill>
+                  <a:schemeClr val="tx1"/>
+                </a:solidFill>
+              </a:rPr>
+              <a:t>23 February 2019</a:t>
+            </a:fld>
+            <a:endParaRPr lang="ru-RU">
+              <a:solidFill>
+                <a:schemeClr val="tx1"/>
+              </a:solidFill>
+            </a:endParaRPr>
+          </a:p>
+        </p:txBody>
+      </p:sp>
+      <p:sp>
+        <p:nvSpPr>
+          <p:cNvPr id="11" name="Google Shape;196;p27"/>
+          <p:cNvSpPr txBox="1">
+            <a:spLocks noGrp="1"/>
+          </p:cNvSpPr>
+          <p:nvPr>
+            <p:ph type="title"/>
+          </p:nvPr>
+        </p:nvSpPr>
+        <p:spPr>
+          <a:xfrm>
+            <a:off x="0" y="0"/>
+            <a:ext cx="10515600" cy="1325563"/>
+          </a:xfrm>
+        </p:spPr>
+        <p:txBody>
+          <a:bodyPr>
+            <a:normAutofit/>
+          </a:bodyPr>
+          <a:lstStyle/>
+          <a:p>
+            <a:pPr lvl="0"/>
+            <a:r>
+              <a:rPr lang="en-US" sz="5400" dirty="0"/>
+              <a:t>Thread safe implementation</a:t>
+            </a:r>
+            <a:endParaRPr lang="en-US" sz="5400" dirty="0">
+              <a:latin typeface="+mn-lt"/>
+            </a:endParaRPr>
+          </a:p>
+        </p:txBody>
+      </p:sp>
+      <p:sp>
+        <p:nvSpPr>
+          <p:cNvPr id="20" name="TextBox 19"/>
+          <p:cNvSpPr txBox="1"/>
+          <p:nvPr/>
+        </p:nvSpPr>
+        <p:spPr>
+          <a:xfrm>
+            <a:off x="8354242" y="2179772"/>
+            <a:ext cx="1844835" cy="646331"/>
+          </a:xfrm>
+          <a:prstGeom prst="rect">
+            <a:avLst/>
+          </a:prstGeom>
+          <a:noFill/>
+        </p:spPr>
+        <p:txBody>
+          <a:bodyPr wrap="square" rtlCol="0">
+            <a:spAutoFit/>
+          </a:bodyPr>
+          <a:lstStyle/>
+          <a:p>
+            <a:pPr marL="571500" indent="-571500">
+              <a:buFont typeface="Arial" panose="020B0604020202020204" pitchFamily="34" charset="0"/>
+              <a:buChar char="•"/>
+            </a:pPr>
+            <a:r>
+              <a:rPr lang="en-US" sz="3600" b="1" dirty="0" smtClean="0"/>
+              <a:t>Lazy</a:t>
+            </a:r>
+            <a:endParaRPr lang="ru-RU" sz="3600" b="1" dirty="0"/>
+          </a:p>
+        </p:txBody>
+      </p:sp>
+      <p:sp>
+        <p:nvSpPr>
+          <p:cNvPr id="21" name="TextBox 20"/>
+          <p:cNvSpPr txBox="1"/>
+          <p:nvPr/>
+        </p:nvSpPr>
+        <p:spPr>
+          <a:xfrm>
+            <a:off x="8354242" y="3313321"/>
+            <a:ext cx="3159284" cy="646331"/>
+          </a:xfrm>
+          <a:prstGeom prst="rect">
+            <a:avLst/>
+          </a:prstGeom>
+          <a:noFill/>
+        </p:spPr>
+        <p:txBody>
+          <a:bodyPr wrap="square" rtlCol="0">
+            <a:spAutoFit/>
+          </a:bodyPr>
+          <a:lstStyle/>
+          <a:p>
+            <a:pPr marL="571500" indent="-571500">
+              <a:buFont typeface="Arial" panose="020B0604020202020204" pitchFamily="34" charset="0"/>
+              <a:buChar char="•"/>
+            </a:pPr>
+            <a:r>
+              <a:rPr lang="en-US" sz="3600" b="1" dirty="0" smtClean="0"/>
+              <a:t>Thread safe</a:t>
+            </a:r>
+            <a:endParaRPr lang="ru-RU" sz="3600" b="1" dirty="0"/>
+          </a:p>
+        </p:txBody>
+      </p:sp>
+      <p:pic>
+        <p:nvPicPr>
+          <p:cNvPr id="4" name="Picture 3"/>
+          <p:cNvPicPr>
+            <a:picLocks noChangeAspect="1"/>
+          </p:cNvPicPr>
+          <p:nvPr/>
+        </p:nvPicPr>
+        <p:blipFill>
+          <a:blip r:embed="rId3"/>
+          <a:stretch>
+            <a:fillRect/>
+          </a:stretch>
+        </p:blipFill>
+        <p:spPr>
+          <a:xfrm>
+            <a:off x="0" y="1408595"/>
+            <a:ext cx="8213634" cy="4455784"/>
+          </a:xfrm>
+          <a:prstGeom prst="rect">
+            <a:avLst/>
+          </a:prstGeom>
+          <a:ln>
+            <a:solidFill>
+              <a:schemeClr val="tx1"/>
+            </a:solidFill>
+          </a:ln>
+        </p:spPr>
+      </p:pic>
+      <p:sp>
+        <p:nvSpPr>
+          <p:cNvPr id="10" name="TextBox 9"/>
+          <p:cNvSpPr txBox="1"/>
+          <p:nvPr/>
+        </p:nvSpPr>
+        <p:spPr>
+          <a:xfrm>
+            <a:off x="8354242" y="4446870"/>
+            <a:ext cx="3159284" cy="646331"/>
+          </a:xfrm>
+          <a:prstGeom prst="rect">
+            <a:avLst/>
+          </a:prstGeom>
+          <a:noFill/>
+        </p:spPr>
+        <p:txBody>
+          <a:bodyPr wrap="square" rtlCol="0">
+            <a:spAutoFit/>
+          </a:bodyPr>
+          <a:lstStyle/>
+          <a:p>
+            <a:pPr marL="571500" indent="-571500">
+              <a:buFont typeface="Arial" panose="020B0604020202020204" pitchFamily="34" charset="0"/>
+              <a:buChar char="•"/>
+            </a:pPr>
+            <a:r>
+              <a:rPr lang="en-US" sz="3600" b="1" dirty="0" smtClean="0"/>
+              <a:t>Perfect</a:t>
+            </a:r>
+            <a:endParaRPr lang="ru-RU" sz="3600" b="1" dirty="0"/>
+          </a:p>
+        </p:txBody>
+      </p:sp>
+      <p:sp>
+        <p:nvSpPr>
+          <p:cNvPr id="13" name="TextBox 12"/>
+          <p:cNvSpPr txBox="1"/>
+          <p:nvPr/>
+        </p:nvSpPr>
+        <p:spPr>
+          <a:xfrm>
+            <a:off x="10348220" y="4446870"/>
+            <a:ext cx="1081370" cy="646331"/>
+          </a:xfrm>
+          <a:prstGeom prst="rect">
+            <a:avLst/>
+          </a:prstGeom>
+          <a:noFill/>
+        </p:spPr>
+        <p:txBody>
+          <a:bodyPr wrap="square" rtlCol="0">
+            <a:spAutoFit/>
+          </a:bodyPr>
+          <a:lstStyle/>
+          <a:p>
+            <a:r>
+              <a:rPr lang="en-US" sz="3600" b="1" dirty="0" smtClean="0"/>
+              <a:t>(No)</a:t>
+            </a:r>
+            <a:endParaRPr lang="ru-RU" sz="3600" b="1" dirty="0"/>
+          </a:p>
+        </p:txBody>
+      </p:sp>
+      <p:sp>
+        <p:nvSpPr>
+          <p:cNvPr id="14" name="TextBox 13"/>
+          <p:cNvSpPr txBox="1"/>
+          <p:nvPr/>
+        </p:nvSpPr>
+        <p:spPr>
+          <a:xfrm>
+            <a:off x="8354242" y="4447040"/>
+            <a:ext cx="3159284" cy="646331"/>
+          </a:xfrm>
+          <a:prstGeom prst="rect">
+            <a:avLst/>
+          </a:prstGeom>
+          <a:noFill/>
+        </p:spPr>
+        <p:txBody>
+          <a:bodyPr wrap="square" rtlCol="0">
+            <a:spAutoFit/>
+          </a:bodyPr>
+          <a:lstStyle/>
+          <a:p>
+            <a:pPr marL="571500" indent="-571500">
+              <a:buFont typeface="Arial" panose="020B0604020202020204" pitchFamily="34" charset="0"/>
+              <a:buChar char="•"/>
+            </a:pPr>
+            <a:r>
+              <a:rPr lang="en-US" sz="3600" b="1" dirty="0" smtClean="0"/>
+              <a:t>Too slow</a:t>
+            </a:r>
+            <a:endParaRPr lang="ru-RU" sz="3600" b="1" dirty="0"/>
+          </a:p>
+        </p:txBody>
+      </p:sp>
+      <p:cxnSp>
+        <p:nvCxnSpPr>
+          <p:cNvPr id="18" name="Straight Connector 17"/>
+          <p:cNvCxnSpPr/>
+          <p:nvPr/>
+        </p:nvCxnSpPr>
+        <p:spPr>
+          <a:xfrm>
+            <a:off x="1226527" y="2857641"/>
+            <a:ext cx="5824904" cy="12806"/>
+          </a:xfrm>
+          <a:prstGeom prst="line">
+            <a:avLst/>
+          </a:prstGeom>
+          <a:ln w="76200">
+            <a:solidFill>
+              <a:srgbClr val="FF0000"/>
+            </a:solidFill>
+          </a:ln>
+        </p:spPr>
+        <p:style>
+          <a:lnRef idx="1">
+            <a:schemeClr val="accent1"/>
+          </a:lnRef>
+          <a:fillRef idx="0">
+            <a:schemeClr val="accent1"/>
+          </a:fillRef>
+          <a:effectRef idx="0">
+            <a:schemeClr val="accent1"/>
+          </a:effectRef>
+          <a:fontRef idx="minor">
+            <a:schemeClr val="tx1"/>
+          </a:fontRef>
+        </p:style>
+      </p:cxnSp>
+      <p:pic>
+        <p:nvPicPr>
+          <p:cNvPr id="26" name="Picture 25"/>
+          <p:cNvPicPr>
+            <a:picLocks noChangeAspect="1"/>
+          </p:cNvPicPr>
+          <p:nvPr/>
+        </p:nvPicPr>
+        <p:blipFill rotWithShape="1">
+          <a:blip r:embed="rId4" cstate="print">
+            <a:extLst>
+              <a:ext uri="{28A0092B-C50C-407E-A947-70E740481C1C}">
+                <a14:useLocalDpi xmlns:a14="http://schemas.microsoft.com/office/drawing/2010/main" val="0"/>
+              </a:ext>
+            </a:extLst>
+          </a:blip>
+          <a:srcRect l="20401" t="25502" r="20401" b="25502"/>
+          <a:stretch/>
+        </p:blipFill>
+        <p:spPr>
+          <a:xfrm>
+            <a:off x="11055002" y="0"/>
+            <a:ext cx="1136998" cy="941010"/>
+          </a:xfrm>
+          <a:prstGeom prst="rect">
+            <a:avLst/>
+          </a:prstGeom>
+        </p:spPr>
+      </p:pic>
+      <p:sp>
+        <p:nvSpPr>
+          <p:cNvPr id="27" name="Slide Number Placeholder 54"/>
+          <p:cNvSpPr>
+            <a:spLocks noGrp="1"/>
+          </p:cNvSpPr>
+          <p:nvPr>
+            <p:ph type="sldNum" sz="quarter" idx="12"/>
+          </p:nvPr>
+        </p:nvSpPr>
+        <p:spPr>
+          <a:xfrm>
+            <a:off x="8610600" y="6356350"/>
+            <a:ext cx="2743200" cy="365125"/>
+          </a:xfrm>
+        </p:spPr>
+        <p:txBody>
+          <a:bodyPr/>
+          <a:lstStyle/>
+          <a:p>
+            <a:r>
+              <a:rPr lang="en-US" dirty="0" smtClean="0">
+                <a:solidFill>
+                  <a:schemeClr val="tx1"/>
+                </a:solidFill>
+              </a:rPr>
+              <a:t>8</a:t>
+            </a:r>
+            <a:r>
+              <a:rPr lang="en-US" dirty="0" smtClean="0">
+                <a:solidFill>
+                  <a:schemeClr val="tx1"/>
+                </a:solidFill>
+              </a:rPr>
+              <a:t> </a:t>
+            </a:r>
+            <a:r>
+              <a:rPr lang="en-US" dirty="0" smtClean="0">
+                <a:solidFill>
+                  <a:schemeClr val="tx1"/>
+                </a:solidFill>
+              </a:rPr>
+              <a:t>out </a:t>
+            </a:r>
+            <a:r>
+              <a:rPr lang="en-US" dirty="0" smtClean="0">
+                <a:solidFill>
+                  <a:schemeClr val="tx1"/>
+                </a:solidFill>
+              </a:rPr>
+              <a:t>of 14</a:t>
+            </a:r>
+            <a:endParaRPr lang="en-US" dirty="0" smtClean="0">
+              <a:solidFill>
+                <a:schemeClr val="tx1"/>
+              </a:solidFill>
+            </a:endParaRPr>
+          </a:p>
+        </p:txBody>
+      </p:sp>
+    </p:spTree>
+    <p:extLst>
+      <p:ext uri="{BB962C8B-B14F-4D97-AF65-F5344CB8AC3E}">
+        <p14:creationId xmlns:p14="http://schemas.microsoft.com/office/powerpoint/2010/main" val="2361327732"/>
+      </p:ext>
+    </p:extLst>
+  </p:cSld>
+  <p:clrMapOvr>
+    <a:masterClrMapping/>
+  </p:clrMapOvr>
+  <mc:AlternateContent xmlns:mc="http://schemas.openxmlformats.org/markup-compatibility/2006">
+    <mc:Choice xmlns:p14="http://schemas.microsoft.com/office/powerpoint/2010/main" Requires="p14">
+      <p:transition p14:dur="10"/>
+    </mc:Choice>
+    <mc:Fallback>
+      <p:transition/>
+    </mc:Fallback>
+  </mc:AlternateContent>
+  <p:timing>
+    <p:tnLst>
+      <p:par>
+        <p:cTn id="1" dur="indefinite" restart="never" nodeType="tmRoot">
+          <p:childTnLst>
+            <p:seq concurrent="1" nextAc="seek">
+              <p:cTn id="2" dur="indefinite" nodeType="mainSeq">
+                <p:childTnLst>
+                  <p:par>
+                    <p:cTn id="3" fill="hold">
+                      <p:stCondLst>
+                        <p:cond delay="indefinite"/>
+                      </p:stCondLst>
+                      <p:childTnLst>
+                        <p:par>
+                          <p:cTn id="4" fill="hold">
+                            <p:stCondLst>
+                              <p:cond delay="0"/>
+                            </p:stCondLst>
+                            <p:childTnLst>
+                              <p:par>
+                                <p:cTn id="5" presetID="2" presetClass="entr" presetSubtype="8" fill="hold" nodeType="clickEffect">
+                                  <p:stCondLst>
+                                    <p:cond delay="0"/>
+                                  </p:stCondLst>
+                                  <p:childTnLst>
+                                    <p:set>
+                                      <p:cBhvr>
+                                        <p:cTn id="6" dur="1" fill="hold">
+                                          <p:stCondLst>
+                                            <p:cond delay="0"/>
+                                          </p:stCondLst>
+                                        </p:cTn>
+                                        <p:tgtEl>
+                                          <p:spTgt spid="4"/>
+                                        </p:tgtEl>
+                                        <p:attrNameLst>
+                                          <p:attrName>style.visibility</p:attrName>
+                                        </p:attrNameLst>
+                                      </p:cBhvr>
+                                      <p:to>
+                                        <p:strVal val="visible"/>
+                                      </p:to>
+                                    </p:set>
+                                    <p:anim calcmode="lin" valueType="num">
+                                      <p:cBhvr additive="base">
+                                        <p:cTn id="7" dur="500" fill="hold"/>
+                                        <p:tgtEl>
+                                          <p:spTgt spid="4"/>
+                                        </p:tgtEl>
+                                        <p:attrNameLst>
+                                          <p:attrName>ppt_x</p:attrName>
+                                        </p:attrNameLst>
+                                      </p:cBhvr>
+                                      <p:tavLst>
+                                        <p:tav tm="0">
+                                          <p:val>
+                                            <p:strVal val="0-#ppt_w/2"/>
+                                          </p:val>
+                                        </p:tav>
+                                        <p:tav tm="100000">
+                                          <p:val>
+                                            <p:strVal val="#ppt_x"/>
+                                          </p:val>
+                                        </p:tav>
+                                      </p:tavLst>
+                                    </p:anim>
+                                    <p:anim calcmode="lin" valueType="num">
+                                      <p:cBhvr additive="base">
+                                        <p:cTn id="8" dur="500" fill="hold"/>
+                                        <p:tgtEl>
+                                          <p:spTgt spid="4"/>
+                                        </p:tgtEl>
+                                        <p:attrNameLst>
+                                          <p:attrName>ppt_y</p:attrName>
+                                        </p:attrNameLst>
+                                      </p:cBhvr>
+                                      <p:tavLst>
+                                        <p:tav tm="0">
+                                          <p:val>
+                                            <p:strVal val="#ppt_y"/>
+                                          </p:val>
+                                        </p:tav>
+                                        <p:tav tm="100000">
+                                          <p:val>
+                                            <p:strVal val="#ppt_y"/>
+                                          </p:val>
+                                        </p:tav>
+                                      </p:tavLst>
+                                    </p:anim>
+                                  </p:childTnLst>
+                                </p:cTn>
+                              </p:par>
+                            </p:childTnLst>
+                          </p:cTn>
+                        </p:par>
+                      </p:childTnLst>
+                    </p:cTn>
+                  </p:par>
+                  <p:par>
+                    <p:cTn id="9" fill="hold">
+                      <p:stCondLst>
+                        <p:cond delay="indefinite"/>
+                      </p:stCondLst>
+                      <p:childTnLst>
+                        <p:par>
+                          <p:cTn id="10" fill="hold">
+                            <p:stCondLst>
+                              <p:cond delay="0"/>
+                            </p:stCondLst>
+                            <p:childTnLst>
+                              <p:par>
+                                <p:cTn id="11" presetID="10" presetClass="entr" presetSubtype="0" fill="hold" grpId="0" nodeType="clickEffect">
+                                  <p:stCondLst>
+                                    <p:cond delay="0"/>
+                                  </p:stCondLst>
+                                  <p:childTnLst>
+                                    <p:set>
+                                      <p:cBhvr>
+                                        <p:cTn id="12" dur="1" fill="hold">
+                                          <p:stCondLst>
+                                            <p:cond delay="0"/>
+                                          </p:stCondLst>
+                                        </p:cTn>
+                                        <p:tgtEl>
+                                          <p:spTgt spid="20"/>
+                                        </p:tgtEl>
+                                        <p:attrNameLst>
+                                          <p:attrName>style.visibility</p:attrName>
+                                        </p:attrNameLst>
+                                      </p:cBhvr>
+                                      <p:to>
+                                        <p:strVal val="visible"/>
+                                      </p:to>
+                                    </p:set>
+                                    <p:animEffect transition="in" filter="fade">
+                                      <p:cBhvr>
+                                        <p:cTn id="13" dur="500"/>
+                                        <p:tgtEl>
+                                          <p:spTgt spid="20"/>
+                                        </p:tgtEl>
+                                      </p:cBhvr>
+                                    </p:animEffect>
+                                  </p:childTnLst>
+                                </p:cTn>
+                              </p:par>
+                            </p:childTnLst>
+                          </p:cTn>
+                        </p:par>
+                      </p:childTnLst>
+                    </p:cTn>
+                  </p:par>
+                  <p:par>
+                    <p:cTn id="14" fill="hold">
+                      <p:stCondLst>
+                        <p:cond delay="indefinite"/>
+                      </p:stCondLst>
+                      <p:childTnLst>
+                        <p:par>
+                          <p:cTn id="15" fill="hold">
+                            <p:stCondLst>
+                              <p:cond delay="0"/>
+                            </p:stCondLst>
+                            <p:childTnLst>
+                              <p:par>
+                                <p:cTn id="16" presetID="10" presetClass="entr" presetSubtype="0" fill="hold" grpId="0" nodeType="clickEffect">
+                                  <p:stCondLst>
+                                    <p:cond delay="0"/>
+                                  </p:stCondLst>
+                                  <p:childTnLst>
+                                    <p:set>
+                                      <p:cBhvr>
+                                        <p:cTn id="17" dur="1" fill="hold">
+                                          <p:stCondLst>
+                                            <p:cond delay="0"/>
+                                          </p:stCondLst>
+                                        </p:cTn>
+                                        <p:tgtEl>
+                                          <p:spTgt spid="21"/>
+                                        </p:tgtEl>
+                                        <p:attrNameLst>
+                                          <p:attrName>style.visibility</p:attrName>
+                                        </p:attrNameLst>
+                                      </p:cBhvr>
+                                      <p:to>
+                                        <p:strVal val="visible"/>
+                                      </p:to>
+                                    </p:set>
+                                    <p:animEffect transition="in" filter="fade">
+                                      <p:cBhvr>
+                                        <p:cTn id="18" dur="500"/>
+                                        <p:tgtEl>
+                                          <p:spTgt spid="21"/>
                                         </p:tgtEl>
                                       </p:cBhvr>
                                     </p:animEffect>
@@ -6119,7 +13397,7 @@
                             </p:stCondLst>
                             <p:childTnLst>
                               <p:par>
-                                <p:cTn id="21" presetID="10" presetClass="entr" presetSubtype="0" fill="hold" nodeType="clickEffect">
+                                <p:cTn id="21" presetID="10" presetClass="entr" presetSubtype="0" fill="hold" grpId="1" nodeType="clickEffect">
                                   <p:stCondLst>
                                     <p:cond delay="0"/>
                                   </p:stCondLst>
@@ -6132,7 +13410,7 @@
                                           </p:stCondLst>
                                         </p:cTn>
                                         <p:tgtEl>
-                                          <p:spTgt spid="39"/>
+                                          <p:spTgt spid="10"/>
                                         </p:tgtEl>
                                         <p:attrNameLst>
                                           <p:attrName>style.visibility</p:attrName>
@@ -6146,7 +13424,113 @@
                                       <p:cBhvr>
                                         <p:cTn id="23" dur="500"/>
                                         <p:tgtEl>
-                                          <p:spTgt spid="39"/>
+                                          <p:spTgt spid="10"/>
+                                        </p:tgtEl>
+                                      </p:cBhvr>
+                                    </p:animEffect>
+                                  </p:childTnLst>
+                                </p:cTn>
+                              </p:par>
+                            </p:childTnLst>
+                          </p:cTn>
+                        </p:par>
+                      </p:childTnLst>
+                    </p:cTn>
+                  </p:par>
+                  <p:par>
+                    <p:cTn id="24" fill="hold">
+                      <p:stCondLst>
+                        <p:cond delay="indefinite"/>
+                      </p:stCondLst>
+                      <p:childTnLst>
+                        <p:par>
+                          <p:cTn id="25" fill="hold">
+                            <p:stCondLst>
+                              <p:cond delay="0"/>
+                            </p:stCondLst>
+                            <p:childTnLst>
+                              <p:par>
+                                <p:cTn id="26" presetID="10" presetClass="entr" presetSubtype="0" fill="hold" grpId="1" nodeType="clickEffect">
+                                  <p:stCondLst>
+                                    <p:cond delay="0"/>
+                                  </p:stCondLst>
+                                  <p:childTnLst>
+                                    <p:set>
+                                      <p:cBhvr>
+                                        <p:cTn id="27" dur="1" fill="hold">
+                                          <p:stCondLst>
+                                            <p:cond delay="0"/>
+                                          </p:stCondLst>
+                                        </p:cTn>
+                                        <p:tgtEl>
+                                          <p:spTgt spid="13"/>
+                                        </p:tgtEl>
+                                        <p:attrNameLst>
+                                          <p:attrName>style.visibility</p:attrName>
+                                        </p:attrNameLst>
+                                      </p:cBhvr>
+                                      <p:to>
+                                        <p:strVal val="visible"/>
+                                      </p:to>
+                                    </p:set>
+                                    <p:animEffect transition="in" filter="fade">
+                                      <p:cBhvr>
+                                        <p:cTn id="28" dur="500"/>
+                                        <p:tgtEl>
+                                          <p:spTgt spid="13"/>
+                                        </p:tgtEl>
+                                      </p:cBhvr>
+                                    </p:animEffect>
+                                  </p:childTnLst>
+                                </p:cTn>
+                              </p:par>
+                            </p:childTnLst>
+                          </p:cTn>
+                        </p:par>
+                      </p:childTnLst>
+                    </p:cTn>
+                  </p:par>
+                  <p:par>
+                    <p:cTn id="29" fill="hold">
+                      <p:stCondLst>
+                        <p:cond delay="indefinite"/>
+                      </p:stCondLst>
+                      <p:childTnLst>
+                        <p:par>
+                          <p:cTn id="30" fill="hold">
+                            <p:stCondLst>
+                              <p:cond delay="0"/>
+                            </p:stCondLst>
+                            <p:childTnLst>
+                              <p:par>
+                                <p:cTn id="31" presetID="10" presetClass="entr" presetSubtype="0" fill="hold" grpId="0" nodeType="clickEffect">
+                                  <p:stCondLst>
+                                    <p:cond delay="0"/>
+                                  </p:stCondLst>
+                                  <p:childTnLst>
+                                    <p:set>
+                                      <p:cBhvr>
+                                        <p:cTn id="32" dur="1" fill="hold">
+                                          <p:stCondLst>
+                                            <p:cond delay="0"/>
+                                          </p:stCondLst>
+                                        </p:cTn>
+                                        <p:tgtEl>
+                                          <p:spTgt spid="14"/>
+                                        </p:tgtEl>
+                                        <p:attrNameLst>
+                                          <p:attrName>style.visibility</p:attrName>
+                                        </p:attrNameLst>
+                                      </p:cBhvr>
+                                      <p:to>
+                                        <p:strVal val="visible"/>
+                                      </p:to>
+                                    </p:set>
+                                    <p:animEffect transition="in" filter="fade">
+                                      <p:cBhvr>
+                                        <p:cTn id="33" dur="500"/>
+                                        <p:tgtEl>
+                                          <p:spTgt spid="14"/>
                                         </p:tgtEl>
                                       </p:cBhvr>
                                     </p:animEffect>
@@ -6154,14 +13538,86 @@
                                 </p:cTn>
                               </p:par>
                               <p:par>
-                                <p:cTn id="24" presetID="10" presetClass="entr" presetSubtype="0" fill="hold" grpId="0" nodeType="withEffect">
+                                <p:cTn id="34" presetID="1" presetClass="exit" presetSubtype="0" fill="hold" grpId="0" nodeType="withEffect">
                                   <p:stCondLst>
                                     <p:cond delay="0"/>
                                   </p:stCondLst>
                                   <p:childTnLst>
                                     <p:set>
                                       <p:cBhvr>
-                                        <p:cTn id="25" dur="1" fill="hold">
+                                        <p:cTn id="35" dur="1" fill="hold">
+                                          <p:stCondLst>
+                                            <p:cond delay="0"/>
+                                          </p:stCondLst>
+                                        </p:cTn>
+                                        <p:tgtEl>
+                                          <p:spTgt spid="10"/>
+                                        </p:tgtEl>
+                                        <p:attrNameLst>
+                                          <p:attrName>style.visibility</p:attrName>
+                                        </p:attrNameLst>
+                                      </p:cBhvr>
+                                      <p:to>
+                                        <p:strVal val="hidden"/>
+                                      </p:to>
+                                    </p:set>
+                                  </p:childTnLst>
+                                </p:cTn>
+                              </p:par>
+                              <p:par>
+                                <p:cTn id="36" presetID="1" presetClass="exit" presetSubtype="0" fill="hold" grpId="0" nodeType="withEffect">
+                                  <p:stCondLst>
+                                    <p:cond delay="0"/>
+                                  </p:stCondLst>
+                                  <p:childTnLst>
+                                    <p:set>
+                                      <p:cBhvr>
+                                        <p:cTn id="37" dur="1" fill="hold">
+                                          <p:stCondLst>
+                                            <p:cond delay="0"/>
+                                          </p:stCondLst>
+                                        </p:cTn>
+                                        <p:tgtEl>
+                                          <p:spTgt spid="13"/>
+                                        </p:tgtEl>
+                                        <p:attrNameLst>
+                                          <p:attrName>style.visibility</p:attrName>
+                                        </p:attrNameLst>
+                                      </p:cBhvr>
+                                      <p:to>
+                                        <p:strVal val="hidden"/>
+                                      </p:to>
+                                    </p:set>
+                                  </p:childTnLst>
+                                </p:cTn>
+                              </p:par>
+                            </p:childTnLst>
+                          </p:cTn>
+                        </p:par>
+                      </p:childTnLst>
+                    </p:cTn>
+                  </p:par>
+                  <p:par>
+                    <p:cTn id="38" fill="hold">
+                      <p:stCondLst>
+                        <p:cond delay="indefinite"/>
+                      </p:stCondLst>
+                      <p:childTnLst>
+                        <p:par>
+                          <p:cTn id="39" fill="hold">
+                            <p:stCondLst>
+                              <p:cond delay="0"/>
+                            </p:stCondLst>
+                            <p:childTnLst>
+                              <p:par>
+                                <p:cTn id="40" presetID="10" presetClass="entr" presetSubtype="0" fill="hold" nodeType="clickEffect">
+                                  <p:stCondLst>
+                                    <p:cond delay="0"/>
+                                  </p:stCondLst>
+                                  <p:childTnLst>
+                                    <p:set>
+                                      <p:cBhvr>
+                                        <p:cTn id="41" dur="1" fill="hold">
                                           <p:stCondLst>
                                             <p:cond delay="0"/>
                                           </p:stCondLst>
@@ -6179,7 +13635,7 @@
                                     </p:set>
                                     <p:animEffect transition="in" filter="fade">
                                       <p:cBhvr>
-                                        <p:cTn id="26" dur="500"/>
+                                        <p:cTn id="42" dur="500"/>
                                         <p:tgtEl>
                                           <p:spTgt spid="18"/>
                                         </p:tgtEl>
@@ -6216,691 +13672,14 @@
       </p:par>
     </p:tnLst>
     <p:bldLst>
-      <p:bldP spid="15" grpId="0" animBg="1"/>
-      <p:bldP spid="17" grpId="0" animBg="1"/>
-      <p:bldP spid="18" grpId="0" animBg="1"/>
+      <p:bldP spid="20" grpId="0"/>
+      <p:bldP spid="21" grpId="0"/>
+      <p:bldP spid="10" grpId="0"/>
+      <p:bldP spid="10" grpId="1"/>
+      <p:bldP spid="13" grpId="0"/>
+      <p:bldP spid="13" grpId="1"/>
+      <p:bldP spid="14" grpId="0"/>
     </p:bldLst>
-  </p:timing>
-</p:sld>
-</file>
-
-<file path=ppt/slides/slide3.xml><?xml version="1.0" encoding="utf-8"?>
-<p:sld xmlns:a="http://schemas.openxmlformats.org/drawingml/2006/main" xmlns:r="http://schemas.openxmlformats.org/officeDocument/2006/relationships" xmlns:p="http://schemas.openxmlformats.org/presentationml/2006/main">
-  <p:cSld>
-    <p:spTree>
-      <p:nvGrpSpPr>
-        <p:cNvPr id="1" name=""/>
-        <p:cNvGrpSpPr/>
-        <p:nvPr/>
-      </p:nvGrpSpPr>
-      <p:grpSpPr>
-        <a:xfrm>
-          <a:off x="0" y="0"/>
-          <a:ext cx="0" cy="0"/>
-          <a:chOff x="0" y="0"/>
-          <a:chExt cx="0" cy="0"/>
-        </a:xfrm>
-      </p:grpSpPr>
-      <p:sp>
-        <p:nvSpPr>
-          <p:cNvPr id="2" name="Title 1"/>
-          <p:cNvSpPr>
-            <a:spLocks noGrp="1"/>
-          </p:cNvSpPr>
-          <p:nvPr>
-            <p:ph type="title"/>
-          </p:nvPr>
-        </p:nvSpPr>
-        <p:spPr/>
-        <p:txBody>
-          <a:bodyPr/>
-          <a:lstStyle/>
-          <a:p>
-            <a:r>
-              <a:rPr lang="en-US" dirty="0" smtClean="0"/>
-              <a:t>Typical Implementation</a:t>
-            </a:r>
-            <a:endParaRPr lang="ru-RU" dirty="0"/>
-          </a:p>
-        </p:txBody>
-      </p:sp>
-      <p:sp>
-        <p:nvSpPr>
-          <p:cNvPr id="3" name="Date Placeholder 2"/>
-          <p:cNvSpPr>
-            <a:spLocks noGrp="1"/>
-          </p:cNvSpPr>
-          <p:nvPr>
-            <p:ph type="dt" sz="half" idx="10"/>
-          </p:nvPr>
-        </p:nvSpPr>
-        <p:spPr/>
-        <p:txBody>
-          <a:bodyPr/>
-          <a:lstStyle/>
-          <a:p>
-            <a:fld id="{AB18DE3F-9B93-4889-A323-6EC312FABF66}" type="datetime3">
-              <a:rPr lang="en-US" smtClean="0">
-                <a:solidFill>
-                  <a:srgbClr val="A7D86D"/>
-                </a:solidFill>
-              </a:rPr>
-              <a:t>23 February 2019</a:t>
-            </a:fld>
-            <a:endParaRPr lang="ru-RU">
-              <a:solidFill>
-                <a:srgbClr val="A7D86D"/>
-              </a:solidFill>
-            </a:endParaRPr>
-          </a:p>
-        </p:txBody>
-      </p:sp>
-      <p:sp>
-        <p:nvSpPr>
-          <p:cNvPr id="5" name="Slide Number Placeholder 4"/>
-          <p:cNvSpPr>
-            <a:spLocks noGrp="1"/>
-          </p:cNvSpPr>
-          <p:nvPr>
-            <p:ph type="sldNum" sz="quarter" idx="12"/>
-          </p:nvPr>
-        </p:nvSpPr>
-        <p:spPr/>
-        <p:txBody>
-          <a:bodyPr/>
-          <a:lstStyle/>
-          <a:p>
-            <a:r>
-              <a:rPr lang="en-US" dirty="0" smtClean="0">
-                <a:solidFill>
-                  <a:srgbClr val="A7D86D"/>
-                </a:solidFill>
-              </a:rPr>
-              <a:t>2 </a:t>
-            </a:r>
-            <a:r>
-              <a:rPr lang="en-US" dirty="0">
-                <a:solidFill>
-                  <a:srgbClr val="A7D86D"/>
-                </a:solidFill>
-              </a:rPr>
-              <a:t>out of 30</a:t>
-            </a:r>
-          </a:p>
-        </p:txBody>
-      </p:sp>
-    </p:spTree>
-    <p:extLst>
-      <p:ext uri="{BB962C8B-B14F-4D97-AF65-F5344CB8AC3E}">
-        <p14:creationId xmlns:p14="http://schemas.microsoft.com/office/powerpoint/2010/main" val="1276426009"/>
-      </p:ext>
-    </p:extLst>
-  </p:cSld>
-  <p:clrMapOvr>
-    <a:masterClrMapping/>
-  </p:clrMapOvr>
-  <mc:AlternateContent xmlns:mc="http://schemas.openxmlformats.org/markup-compatibility/2006" xmlns:p14="http://schemas.microsoft.com/office/powerpoint/2010/main">
-    <mc:Choice Requires="p14">
-      <p:transition p14:dur="10" advClick="0"/>
-    </mc:Choice>
-    <mc:Fallback xmlns="">
-      <p:transition advClick="0"/>
-    </mc:Fallback>
-  </mc:AlternateContent>
-  <p:timing>
-    <p:tnLst>
-      <p:par>
-        <p:cTn id="1" dur="indefinite" restart="never" nodeType="tmRoot"/>
-      </p:par>
-    </p:tnLst>
-  </p:timing>
-</p:sld>
-</file>
-
-<file path=ppt/slides/slide4.xml><?xml version="1.0" encoding="utf-8"?>
-<p:sld xmlns:a="http://schemas.openxmlformats.org/drawingml/2006/main" xmlns:r="http://schemas.openxmlformats.org/officeDocument/2006/relationships" xmlns:p="http://schemas.openxmlformats.org/presentationml/2006/main">
-  <p:cSld>
-    <p:spTree>
-      <p:nvGrpSpPr>
-        <p:cNvPr id="1" name=""/>
-        <p:cNvGrpSpPr/>
-        <p:nvPr/>
-      </p:nvGrpSpPr>
-      <p:grpSpPr>
-        <a:xfrm>
-          <a:off x="0" y="0"/>
-          <a:ext cx="0" cy="0"/>
-          <a:chOff x="0" y="0"/>
-          <a:chExt cx="0" cy="0"/>
-        </a:xfrm>
-      </p:grpSpPr>
-      <p:sp>
-        <p:nvSpPr>
-          <p:cNvPr id="2" name="Title 1"/>
-          <p:cNvSpPr>
-            <a:spLocks noGrp="1"/>
-          </p:cNvSpPr>
-          <p:nvPr>
-            <p:ph type="title"/>
-          </p:nvPr>
-        </p:nvSpPr>
-        <p:spPr/>
-        <p:txBody>
-          <a:bodyPr/>
-          <a:lstStyle/>
-          <a:p>
-            <a:r>
-              <a:rPr lang="en-US" dirty="0" smtClean="0"/>
-              <a:t>Advantages</a:t>
-            </a:r>
-            <a:endParaRPr lang="ru-RU" dirty="0"/>
-          </a:p>
-        </p:txBody>
-      </p:sp>
-      <p:sp>
-        <p:nvSpPr>
-          <p:cNvPr id="3" name="Date Placeholder 2"/>
-          <p:cNvSpPr>
-            <a:spLocks noGrp="1"/>
-          </p:cNvSpPr>
-          <p:nvPr>
-            <p:ph type="dt" sz="half" idx="10"/>
-          </p:nvPr>
-        </p:nvSpPr>
-        <p:spPr/>
-        <p:txBody>
-          <a:bodyPr/>
-          <a:lstStyle/>
-          <a:p>
-            <a:fld id="{AB18DE3F-9B93-4889-A323-6EC312FABF66}" type="datetime3">
-              <a:rPr lang="en-US" smtClean="0"/>
-              <a:t>23 February 2019</a:t>
-            </a:fld>
-            <a:endParaRPr lang="ru-RU"/>
-          </a:p>
-        </p:txBody>
-      </p:sp>
-      <p:sp>
-        <p:nvSpPr>
-          <p:cNvPr id="4" name="Footer Placeholder 3"/>
-          <p:cNvSpPr>
-            <a:spLocks noGrp="1"/>
-          </p:cNvSpPr>
-          <p:nvPr>
-            <p:ph type="ftr" sz="quarter" idx="11"/>
-          </p:nvPr>
-        </p:nvSpPr>
-        <p:spPr/>
-        <p:txBody>
-          <a:bodyPr/>
-          <a:lstStyle/>
-          <a:p>
-            <a:r>
-              <a:rPr lang="en-US" smtClean="0"/>
-              <a:t>@Bellkross</a:t>
-            </a:r>
-            <a:endParaRPr lang="ru-RU"/>
-          </a:p>
-        </p:txBody>
-      </p:sp>
-      <p:sp>
-        <p:nvSpPr>
-          <p:cNvPr id="5" name="Slide Number Placeholder 4"/>
-          <p:cNvSpPr>
-            <a:spLocks noGrp="1"/>
-          </p:cNvSpPr>
-          <p:nvPr>
-            <p:ph type="sldNum" sz="quarter" idx="12"/>
-          </p:nvPr>
-        </p:nvSpPr>
-        <p:spPr/>
-        <p:txBody>
-          <a:bodyPr/>
-          <a:lstStyle/>
-          <a:p>
-            <a:fld id="{CC773FDF-CFC8-4E8E-9B0A-721751DF8B11}" type="slidenum">
-              <a:rPr lang="ru-RU" smtClean="0"/>
-              <a:t>4</a:t>
-            </a:fld>
-            <a:endParaRPr lang="ru-RU"/>
-          </a:p>
-        </p:txBody>
-      </p:sp>
-    </p:spTree>
-    <p:extLst>
-      <p:ext uri="{BB962C8B-B14F-4D97-AF65-F5344CB8AC3E}">
-        <p14:creationId xmlns:p14="http://schemas.microsoft.com/office/powerpoint/2010/main" val="592343629"/>
-      </p:ext>
-    </p:extLst>
-  </p:cSld>
-  <p:clrMapOvr>
-    <a:masterClrMapping/>
-  </p:clrMapOvr>
-  <mc:AlternateContent xmlns:mc="http://schemas.openxmlformats.org/markup-compatibility/2006" xmlns:p14="http://schemas.microsoft.com/office/powerpoint/2010/main">
-    <mc:Choice Requires="p14">
-      <p:transition p14:dur="10" advClick="0"/>
-    </mc:Choice>
-    <mc:Fallback xmlns="">
-      <p:transition advClick="0"/>
-    </mc:Fallback>
-  </mc:AlternateContent>
-  <p:timing>
-    <p:tnLst>
-      <p:par>
-        <p:cTn id="1" dur="indefinite" restart="never" nodeType="tmRoot"/>
-      </p:par>
-    </p:tnLst>
-  </p:timing>
-</p:sld>
-</file>
-
-<file path=ppt/slides/slide5.xml><?xml version="1.0" encoding="utf-8"?>
-<p:sld xmlns:a="http://schemas.openxmlformats.org/drawingml/2006/main" xmlns:r="http://schemas.openxmlformats.org/officeDocument/2006/relationships" xmlns:p="http://schemas.openxmlformats.org/presentationml/2006/main">
-  <p:cSld>
-    <p:spTree>
-      <p:nvGrpSpPr>
-        <p:cNvPr id="1" name=""/>
-        <p:cNvGrpSpPr/>
-        <p:nvPr/>
-      </p:nvGrpSpPr>
-      <p:grpSpPr>
-        <a:xfrm>
-          <a:off x="0" y="0"/>
-          <a:ext cx="0" cy="0"/>
-          <a:chOff x="0" y="0"/>
-          <a:chExt cx="0" cy="0"/>
-        </a:xfrm>
-      </p:grpSpPr>
-      <p:sp>
-        <p:nvSpPr>
-          <p:cNvPr id="2" name="Title 1"/>
-          <p:cNvSpPr>
-            <a:spLocks noGrp="1"/>
-          </p:cNvSpPr>
-          <p:nvPr>
-            <p:ph type="title"/>
-          </p:nvPr>
-        </p:nvSpPr>
-        <p:spPr/>
-        <p:txBody>
-          <a:bodyPr/>
-          <a:lstStyle/>
-          <a:p>
-            <a:r>
-              <a:rPr lang="en-US" dirty="0" smtClean="0"/>
-              <a:t>Disadvantages</a:t>
-            </a:r>
-            <a:endParaRPr lang="ru-RU" dirty="0"/>
-          </a:p>
-        </p:txBody>
-      </p:sp>
-      <p:sp>
-        <p:nvSpPr>
-          <p:cNvPr id="3" name="Date Placeholder 2"/>
-          <p:cNvSpPr>
-            <a:spLocks noGrp="1"/>
-          </p:cNvSpPr>
-          <p:nvPr>
-            <p:ph type="dt" sz="half" idx="10"/>
-          </p:nvPr>
-        </p:nvSpPr>
-        <p:spPr/>
-        <p:txBody>
-          <a:bodyPr/>
-          <a:lstStyle/>
-          <a:p>
-            <a:fld id="{AB18DE3F-9B93-4889-A323-6EC312FABF66}" type="datetime3">
-              <a:rPr lang="en-US" smtClean="0"/>
-              <a:t>23 February 2019</a:t>
-            </a:fld>
-            <a:endParaRPr lang="ru-RU"/>
-          </a:p>
-        </p:txBody>
-      </p:sp>
-      <p:sp>
-        <p:nvSpPr>
-          <p:cNvPr id="4" name="Footer Placeholder 3"/>
-          <p:cNvSpPr>
-            <a:spLocks noGrp="1"/>
-          </p:cNvSpPr>
-          <p:nvPr>
-            <p:ph type="ftr" sz="quarter" idx="11"/>
-          </p:nvPr>
-        </p:nvSpPr>
-        <p:spPr/>
-        <p:txBody>
-          <a:bodyPr/>
-          <a:lstStyle/>
-          <a:p>
-            <a:r>
-              <a:rPr lang="en-US" smtClean="0"/>
-              <a:t>@Bellkross</a:t>
-            </a:r>
-            <a:endParaRPr lang="ru-RU"/>
-          </a:p>
-        </p:txBody>
-      </p:sp>
-      <p:sp>
-        <p:nvSpPr>
-          <p:cNvPr id="5" name="Slide Number Placeholder 4"/>
-          <p:cNvSpPr>
-            <a:spLocks noGrp="1"/>
-          </p:cNvSpPr>
-          <p:nvPr>
-            <p:ph type="sldNum" sz="quarter" idx="12"/>
-          </p:nvPr>
-        </p:nvSpPr>
-        <p:spPr/>
-        <p:txBody>
-          <a:bodyPr/>
-          <a:lstStyle/>
-          <a:p>
-            <a:fld id="{CC773FDF-CFC8-4E8E-9B0A-721751DF8B11}" type="slidenum">
-              <a:rPr lang="ru-RU" smtClean="0"/>
-              <a:t>5</a:t>
-            </a:fld>
-            <a:endParaRPr lang="ru-RU"/>
-          </a:p>
-        </p:txBody>
-      </p:sp>
-    </p:spTree>
-    <p:extLst>
-      <p:ext uri="{BB962C8B-B14F-4D97-AF65-F5344CB8AC3E}">
-        <p14:creationId xmlns:p14="http://schemas.microsoft.com/office/powerpoint/2010/main" val="2729377704"/>
-      </p:ext>
-    </p:extLst>
-  </p:cSld>
-  <p:clrMapOvr>
-    <a:masterClrMapping/>
-  </p:clrMapOvr>
-  <mc:AlternateContent xmlns:mc="http://schemas.openxmlformats.org/markup-compatibility/2006" xmlns:p14="http://schemas.microsoft.com/office/powerpoint/2010/main">
-    <mc:Choice Requires="p14">
-      <p:transition p14:dur="10" advClick="0"/>
-    </mc:Choice>
-    <mc:Fallback xmlns="">
-      <p:transition advClick="0"/>
-    </mc:Fallback>
-  </mc:AlternateContent>
-  <p:timing>
-    <p:tnLst>
-      <p:par>
-        <p:cTn id="1" dur="indefinite" restart="never" nodeType="tmRoot"/>
-      </p:par>
-    </p:tnLst>
-  </p:timing>
-</p:sld>
-</file>
-
-<file path=ppt/slides/slide6.xml><?xml version="1.0" encoding="utf-8"?>
-<p:sld xmlns:a="http://schemas.openxmlformats.org/drawingml/2006/main" xmlns:r="http://schemas.openxmlformats.org/officeDocument/2006/relationships" xmlns:p="http://schemas.openxmlformats.org/presentationml/2006/main">
-  <p:cSld>
-    <p:spTree>
-      <p:nvGrpSpPr>
-        <p:cNvPr id="1" name=""/>
-        <p:cNvGrpSpPr/>
-        <p:nvPr/>
-      </p:nvGrpSpPr>
-      <p:grpSpPr>
-        <a:xfrm>
-          <a:off x="0" y="0"/>
-          <a:ext cx="0" cy="0"/>
-          <a:chOff x="0" y="0"/>
-          <a:chExt cx="0" cy="0"/>
-        </a:xfrm>
-      </p:grpSpPr>
-      <p:sp>
-        <p:nvSpPr>
-          <p:cNvPr id="2" name="Title 1"/>
-          <p:cNvSpPr>
-            <a:spLocks noGrp="1"/>
-          </p:cNvSpPr>
-          <p:nvPr>
-            <p:ph type="title"/>
-          </p:nvPr>
-        </p:nvSpPr>
-        <p:spPr/>
-        <p:txBody>
-          <a:bodyPr/>
-          <a:lstStyle/>
-          <a:p>
-            <a:r>
-              <a:rPr lang="en-US" dirty="0" err="1" smtClean="0"/>
-              <a:t>Antipatterns</a:t>
-            </a:r>
-            <a:endParaRPr lang="ru-RU" dirty="0"/>
-          </a:p>
-        </p:txBody>
-      </p:sp>
-      <p:sp>
-        <p:nvSpPr>
-          <p:cNvPr id="3" name="Date Placeholder 2"/>
-          <p:cNvSpPr>
-            <a:spLocks noGrp="1"/>
-          </p:cNvSpPr>
-          <p:nvPr>
-            <p:ph type="dt" sz="half" idx="10"/>
-          </p:nvPr>
-        </p:nvSpPr>
-        <p:spPr/>
-        <p:txBody>
-          <a:bodyPr/>
-          <a:lstStyle/>
-          <a:p>
-            <a:fld id="{AB18DE3F-9B93-4889-A323-6EC312FABF66}" type="datetime3">
-              <a:rPr lang="en-US" smtClean="0"/>
-              <a:t>23 February 2019</a:t>
-            </a:fld>
-            <a:endParaRPr lang="ru-RU"/>
-          </a:p>
-        </p:txBody>
-      </p:sp>
-      <p:sp>
-        <p:nvSpPr>
-          <p:cNvPr id="4" name="Footer Placeholder 3"/>
-          <p:cNvSpPr>
-            <a:spLocks noGrp="1"/>
-          </p:cNvSpPr>
-          <p:nvPr>
-            <p:ph type="ftr" sz="quarter" idx="11"/>
-          </p:nvPr>
-        </p:nvSpPr>
-        <p:spPr/>
-        <p:txBody>
-          <a:bodyPr/>
-          <a:lstStyle/>
-          <a:p>
-            <a:r>
-              <a:rPr lang="en-US" smtClean="0"/>
-              <a:t>@Bellkross</a:t>
-            </a:r>
-            <a:endParaRPr lang="ru-RU"/>
-          </a:p>
-        </p:txBody>
-      </p:sp>
-      <p:sp>
-        <p:nvSpPr>
-          <p:cNvPr id="5" name="Slide Number Placeholder 4"/>
-          <p:cNvSpPr>
-            <a:spLocks noGrp="1"/>
-          </p:cNvSpPr>
-          <p:nvPr>
-            <p:ph type="sldNum" sz="quarter" idx="12"/>
-          </p:nvPr>
-        </p:nvSpPr>
-        <p:spPr/>
-        <p:txBody>
-          <a:bodyPr/>
-          <a:lstStyle/>
-          <a:p>
-            <a:fld id="{CC773FDF-CFC8-4E8E-9B0A-721751DF8B11}" type="slidenum">
-              <a:rPr lang="ru-RU" smtClean="0"/>
-              <a:t>6</a:t>
-            </a:fld>
-            <a:endParaRPr lang="ru-RU"/>
-          </a:p>
-        </p:txBody>
-      </p:sp>
-    </p:spTree>
-    <p:extLst>
-      <p:ext uri="{BB962C8B-B14F-4D97-AF65-F5344CB8AC3E}">
-        <p14:creationId xmlns:p14="http://schemas.microsoft.com/office/powerpoint/2010/main" val="2184569926"/>
-      </p:ext>
-    </p:extLst>
-  </p:cSld>
-  <p:clrMapOvr>
-    <a:masterClrMapping/>
-  </p:clrMapOvr>
-  <mc:AlternateContent xmlns:mc="http://schemas.openxmlformats.org/markup-compatibility/2006" xmlns:p14="http://schemas.microsoft.com/office/powerpoint/2010/main">
-    <mc:Choice Requires="p14">
-      <p:transition p14:dur="10" advClick="0"/>
-    </mc:Choice>
-    <mc:Fallback xmlns="">
-      <p:transition advClick="0"/>
-    </mc:Fallback>
-  </mc:AlternateContent>
-  <p:timing>
-    <p:tnLst>
-      <p:par>
-        <p:cTn id="1" dur="indefinite" restart="never" nodeType="tmRoot"/>
-      </p:par>
-    </p:tnLst>
-  </p:timing>
-</p:sld>
-</file>
-
-<file path=ppt/slides/slide7.xml><?xml version="1.0" encoding="utf-8"?>
-<p:sld xmlns:a="http://schemas.openxmlformats.org/drawingml/2006/main" xmlns:r="http://schemas.openxmlformats.org/officeDocument/2006/relationships" xmlns:p="http://schemas.openxmlformats.org/presentationml/2006/main">
-  <p:cSld>
-    <p:spTree>
-      <p:nvGrpSpPr>
-        <p:cNvPr id="1" name=""/>
-        <p:cNvGrpSpPr/>
-        <p:nvPr/>
-      </p:nvGrpSpPr>
-      <p:grpSpPr>
-        <a:xfrm>
-          <a:off x="0" y="0"/>
-          <a:ext cx="0" cy="0"/>
-          <a:chOff x="0" y="0"/>
-          <a:chExt cx="0" cy="0"/>
-        </a:xfrm>
-      </p:grpSpPr>
-      <p:sp>
-        <p:nvSpPr>
-          <p:cNvPr id="2" name="Title 1"/>
-          <p:cNvSpPr>
-            <a:spLocks noGrp="1"/>
-          </p:cNvSpPr>
-          <p:nvPr>
-            <p:ph type="title"/>
-          </p:nvPr>
-        </p:nvSpPr>
-        <p:spPr/>
-        <p:txBody>
-          <a:bodyPr/>
-          <a:lstStyle/>
-          <a:p>
-            <a:r>
-              <a:rPr lang="en-US" dirty="0" smtClean="0"/>
-              <a:t>Relationships</a:t>
-            </a:r>
-            <a:endParaRPr lang="ru-RU" dirty="0"/>
-          </a:p>
-        </p:txBody>
-      </p:sp>
-      <p:sp>
-        <p:nvSpPr>
-          <p:cNvPr id="3" name="Date Placeholder 2"/>
-          <p:cNvSpPr>
-            <a:spLocks noGrp="1"/>
-          </p:cNvSpPr>
-          <p:nvPr>
-            <p:ph type="dt" sz="half" idx="10"/>
-          </p:nvPr>
-        </p:nvSpPr>
-        <p:spPr/>
-        <p:txBody>
-          <a:bodyPr/>
-          <a:lstStyle/>
-          <a:p>
-            <a:fld id="{AB18DE3F-9B93-4889-A323-6EC312FABF66}" type="datetime3">
-              <a:rPr lang="en-US" smtClean="0"/>
-              <a:t>23 February 2019</a:t>
-            </a:fld>
-            <a:endParaRPr lang="ru-RU"/>
-          </a:p>
-        </p:txBody>
-      </p:sp>
-      <p:sp>
-        <p:nvSpPr>
-          <p:cNvPr id="4" name="Footer Placeholder 3"/>
-          <p:cNvSpPr>
-            <a:spLocks noGrp="1"/>
-          </p:cNvSpPr>
-          <p:nvPr>
-            <p:ph type="ftr" sz="quarter" idx="11"/>
-          </p:nvPr>
-        </p:nvSpPr>
-        <p:spPr/>
-        <p:txBody>
-          <a:bodyPr/>
-          <a:lstStyle/>
-          <a:p>
-            <a:r>
-              <a:rPr lang="en-US" smtClean="0"/>
-              <a:t>@Bellkross</a:t>
-            </a:r>
-            <a:endParaRPr lang="ru-RU"/>
-          </a:p>
-        </p:txBody>
-      </p:sp>
-      <p:sp>
-        <p:nvSpPr>
-          <p:cNvPr id="5" name="Slide Number Placeholder 4"/>
-          <p:cNvSpPr>
-            <a:spLocks noGrp="1"/>
-          </p:cNvSpPr>
-          <p:nvPr>
-            <p:ph type="sldNum" sz="quarter" idx="12"/>
-          </p:nvPr>
-        </p:nvSpPr>
-        <p:spPr/>
-        <p:txBody>
-          <a:bodyPr/>
-          <a:lstStyle/>
-          <a:p>
-            <a:fld id="{CC773FDF-CFC8-4E8E-9B0A-721751DF8B11}" type="slidenum">
-              <a:rPr lang="ru-RU" smtClean="0"/>
-              <a:t>7</a:t>
-            </a:fld>
-            <a:endParaRPr lang="ru-RU"/>
-          </a:p>
-        </p:txBody>
-      </p:sp>
-    </p:spTree>
-    <p:extLst>
-      <p:ext uri="{BB962C8B-B14F-4D97-AF65-F5344CB8AC3E}">
-        <p14:creationId xmlns:p14="http://schemas.microsoft.com/office/powerpoint/2010/main" val="2813153146"/>
-      </p:ext>
-    </p:extLst>
-  </p:cSld>
-  <p:clrMapOvr>
-    <a:masterClrMapping/>
-  </p:clrMapOvr>
-  <mc:AlternateContent xmlns:mc="http://schemas.openxmlformats.org/markup-compatibility/2006" xmlns:p14="http://schemas.microsoft.com/office/powerpoint/2010/main">
-    <mc:Choice Requires="p14">
-      <p:transition p14:dur="10" advClick="0"/>
-    </mc:Choice>
-    <mc:Fallback xmlns="">
-      <p:transition advClick="0"/>
-    </mc:Fallback>
-  </mc:AlternateContent>
-  <p:timing>
-    <p:tnLst>
-      <p:par>
-        <p:cTn id="1" dur="indefinite" restart="never" nodeType="tmRoot"/>
-      </p:par>
-    </p:tnLst>
   </p:timing>
 </p:sld>
 </file>

--- a/Presentations/Singleton.pptx
+++ b/Presentations/Singleton.pptx
@@ -5851,11 +5851,11 @@
   <p:clrMapOvr>
     <a:masterClrMapping/>
   </p:clrMapOvr>
-  <mc:AlternateContent xmlns:mc="http://schemas.openxmlformats.org/markup-compatibility/2006">
-    <mc:Choice xmlns:p14="http://schemas.microsoft.com/office/powerpoint/2010/main" Requires="p14">
+  <mc:AlternateContent xmlns:mc="http://schemas.openxmlformats.org/markup-compatibility/2006" xmlns:p14="http://schemas.microsoft.com/office/powerpoint/2010/main">
+    <mc:Choice Requires="p14">
       <p:transition p14:dur="10"/>
     </mc:Choice>
-    <mc:Fallback>
+    <mc:Fallback xmlns="">
       <p:transition/>
     </mc:Fallback>
   </mc:AlternateContent>
@@ -6744,29 +6744,8 @@
                   <a:schemeClr val="tx1"/>
                 </a:solidFill>
               </a:rPr>
-              <a:t>9 </a:t>
-            </a:r>
-            <a:r>
-              <a:rPr lang="en-US" dirty="0" smtClean="0">
-                <a:solidFill>
-                  <a:schemeClr val="tx1"/>
-                </a:solidFill>
-              </a:rPr>
-              <a:t>out </a:t>
-            </a:r>
-            <a:r>
-              <a:rPr lang="en-US" dirty="0" smtClean="0">
-                <a:solidFill>
-                  <a:schemeClr val="tx1"/>
-                </a:solidFill>
-              </a:rPr>
-              <a:t>of 14</a:t>
-            </a:r>
-            <a:endParaRPr lang="en-US" dirty="0" smtClean="0">
-              <a:solidFill>
-                <a:schemeClr val="tx1"/>
-              </a:solidFill>
-            </a:endParaRPr>
+              <a:t>9 out of 14</a:t>
+            </a:r>
           </a:p>
         </p:txBody>
       </p:sp>
@@ -6780,11 +6759,11 @@
   <p:clrMapOvr>
     <a:masterClrMapping/>
   </p:clrMapOvr>
-  <mc:AlternateContent xmlns:mc="http://schemas.openxmlformats.org/markup-compatibility/2006">
-    <mc:Choice xmlns:p14="http://schemas.microsoft.com/office/powerpoint/2010/main" Requires="p14">
+  <mc:AlternateContent xmlns:mc="http://schemas.openxmlformats.org/markup-compatibility/2006" xmlns:p14="http://schemas.microsoft.com/office/powerpoint/2010/main">
+    <mc:Choice Requires="p14">
       <p:transition p14:dur="10"/>
     </mc:Choice>
-    <mc:Fallback>
+    <mc:Fallback xmlns="">
       <p:transition/>
     </mc:Fallback>
   </mc:AlternateContent>
@@ -7288,13 +7267,13 @@
   <p:clrMapOvr>
     <a:masterClrMapping/>
   </p:clrMapOvr>
-  <mc:AlternateContent xmlns:mc="http://schemas.openxmlformats.org/markup-compatibility/2006">
-    <mc:Choice xmlns:p14="http://schemas.microsoft.com/office/powerpoint/2010/main" Requires="p14">
+  <mc:AlternateContent xmlns:mc="http://schemas.openxmlformats.org/markup-compatibility/2006" xmlns:p14="http://schemas.microsoft.com/office/powerpoint/2010/main">
+    <mc:Choice Requires="p14">
       <p:transition spd="slow">
         <p14:flash/>
       </p:transition>
     </mc:Choice>
-    <mc:Fallback>
+    <mc:Fallback xmlns="">
       <p:transition spd="slow">
         <p:fade/>
       </p:transition>
@@ -7633,29 +7612,8 @@
                   <a:schemeClr val="tx1"/>
                 </a:solidFill>
               </a:rPr>
-              <a:t>11 </a:t>
-            </a:r>
-            <a:r>
-              <a:rPr lang="en-US" dirty="0" smtClean="0">
-                <a:solidFill>
-                  <a:schemeClr val="tx1"/>
-                </a:solidFill>
-              </a:rPr>
-              <a:t>out </a:t>
-            </a:r>
-            <a:r>
-              <a:rPr lang="en-US" dirty="0" smtClean="0">
-                <a:solidFill>
-                  <a:schemeClr val="tx1"/>
-                </a:solidFill>
-              </a:rPr>
-              <a:t>of 14</a:t>
-            </a:r>
-            <a:endParaRPr lang="en-US" dirty="0" smtClean="0">
-              <a:solidFill>
-                <a:schemeClr val="tx1"/>
-              </a:solidFill>
-            </a:endParaRPr>
+              <a:t>11 out of 14</a:t>
+            </a:r>
           </a:p>
         </p:txBody>
       </p:sp>
@@ -7669,11 +7627,11 @@
   <p:clrMapOvr>
     <a:masterClrMapping/>
   </p:clrMapOvr>
-  <mc:AlternateContent xmlns:mc="http://schemas.openxmlformats.org/markup-compatibility/2006">
-    <mc:Choice xmlns:p14="http://schemas.microsoft.com/office/powerpoint/2010/main" Requires="p14">
+  <mc:AlternateContent xmlns:mc="http://schemas.openxmlformats.org/markup-compatibility/2006" xmlns:p14="http://schemas.microsoft.com/office/powerpoint/2010/main">
+    <mc:Choice Requires="p14">
       <p:transition p14:dur="10"/>
     </mc:Choice>
-    <mc:Fallback>
+    <mc:Fallback xmlns="">
       <p:transition/>
     </mc:Fallback>
   </mc:AlternateContent>
@@ -8054,13 +8012,13 @@
   <p:clrMapOvr>
     <a:masterClrMapping/>
   </p:clrMapOvr>
-  <mc:AlternateContent xmlns:mc="http://schemas.openxmlformats.org/markup-compatibility/2006">
-    <mc:Choice xmlns:p14="http://schemas.microsoft.com/office/powerpoint/2010/main" Requires="p14">
+  <mc:AlternateContent xmlns:mc="http://schemas.openxmlformats.org/markup-compatibility/2006" xmlns:p14="http://schemas.microsoft.com/office/powerpoint/2010/main">
+    <mc:Choice Requires="p14">
       <p:transition spd="slow">
         <p14:flash/>
       </p:transition>
     </mc:Choice>
-    <mc:Fallback>
+    <mc:Fallback xmlns="">
       <p:transition spd="slow">
         <p:fade/>
       </p:transition>
@@ -8335,7 +8293,7 @@
         </p:nvSpPr>
         <p:spPr>
           <a:xfrm>
-            <a:off x="-60476" y="5369824"/>
+            <a:off x="-2" y="5369824"/>
             <a:ext cx="11325981" cy="646331"/>
           </a:xfrm>
           <a:prstGeom prst="rect">
@@ -8387,29 +8345,8 @@
                   <a:schemeClr val="tx1"/>
                 </a:solidFill>
               </a:rPr>
-              <a:t>13 </a:t>
-            </a:r>
-            <a:r>
-              <a:rPr lang="en-US" dirty="0" smtClean="0">
-                <a:solidFill>
-                  <a:schemeClr val="tx1"/>
-                </a:solidFill>
-              </a:rPr>
-              <a:t>out </a:t>
-            </a:r>
-            <a:r>
-              <a:rPr lang="en-US" dirty="0" smtClean="0">
-                <a:solidFill>
-                  <a:schemeClr val="tx1"/>
-                </a:solidFill>
-              </a:rPr>
-              <a:t>of 14</a:t>
-            </a:r>
-            <a:endParaRPr lang="en-US" dirty="0" smtClean="0">
-              <a:solidFill>
-                <a:schemeClr val="tx1"/>
-              </a:solidFill>
-            </a:endParaRPr>
+              <a:t>13 out of 14</a:t>
+            </a:r>
           </a:p>
         </p:txBody>
       </p:sp>
@@ -8423,11 +8360,11 @@
   <p:clrMapOvr>
     <a:masterClrMapping/>
   </p:clrMapOvr>
-  <mc:AlternateContent xmlns:mc="http://schemas.openxmlformats.org/markup-compatibility/2006">
-    <mc:Choice xmlns:p14="http://schemas.microsoft.com/office/powerpoint/2010/main" Requires="p14">
+  <mc:AlternateContent xmlns:mc="http://schemas.openxmlformats.org/markup-compatibility/2006" xmlns:p14="http://schemas.microsoft.com/office/powerpoint/2010/main">
+    <mc:Choice Requires="p14">
       <p:transition p14:dur="10"/>
     </mc:Choice>
-    <mc:Fallback>
+    <mc:Fallback xmlns="">
       <p:transition/>
     </mc:Fallback>
   </mc:AlternateContent>
@@ -9043,29 +8980,8 @@
                   <a:schemeClr val="tx1"/>
                 </a:solidFill>
               </a:rPr>
-              <a:t>14 </a:t>
-            </a:r>
-            <a:r>
-              <a:rPr lang="en-US" dirty="0" smtClean="0">
-                <a:solidFill>
-                  <a:schemeClr val="tx1"/>
-                </a:solidFill>
-              </a:rPr>
-              <a:t>out </a:t>
-            </a:r>
-            <a:r>
-              <a:rPr lang="en-US" dirty="0" smtClean="0">
-                <a:solidFill>
-                  <a:schemeClr val="tx1"/>
-                </a:solidFill>
-              </a:rPr>
-              <a:t>of 14</a:t>
-            </a:r>
-            <a:endParaRPr lang="en-US" dirty="0" smtClean="0">
-              <a:solidFill>
-                <a:schemeClr val="tx1"/>
-              </a:solidFill>
-            </a:endParaRPr>
+              <a:t>14 out of 14</a:t>
+            </a:r>
           </a:p>
         </p:txBody>
       </p:sp>
@@ -9079,11 +8995,11 @@
   <p:clrMapOvr>
     <a:masterClrMapping/>
   </p:clrMapOvr>
-  <mc:AlternateContent xmlns:mc="http://schemas.openxmlformats.org/markup-compatibility/2006">
-    <mc:Choice xmlns:p14="http://schemas.microsoft.com/office/powerpoint/2010/main" Requires="p14">
+  <mc:AlternateContent xmlns:mc="http://schemas.openxmlformats.org/markup-compatibility/2006" xmlns:p14="http://schemas.microsoft.com/office/powerpoint/2010/main">
+    <mc:Choice Requires="p14">
       <p:transition p14:dur="10"/>
     </mc:Choice>
-    <mc:Fallback>
+    <mc:Fallback xmlns="">
       <p:transition/>
     </mc:Fallback>
   </mc:AlternateContent>
@@ -9703,11 +9619,11 @@
   <p:clrMapOvr>
     <a:masterClrMapping/>
   </p:clrMapOvr>
-  <mc:AlternateContent xmlns:mc="http://schemas.openxmlformats.org/markup-compatibility/2006">
-    <mc:Choice xmlns:p14="http://schemas.microsoft.com/office/powerpoint/2010/main" Requires="p14">
+  <mc:AlternateContent xmlns:mc="http://schemas.openxmlformats.org/markup-compatibility/2006" xmlns:p14="http://schemas.microsoft.com/office/powerpoint/2010/main">
+    <mc:Choice Requires="p14">
       <p:transition p14:dur="10"/>
     </mc:Choice>
-    <mc:Fallback>
+    <mc:Fallback xmlns="">
       <p:transition/>
     </mc:Fallback>
   </mc:AlternateContent>
@@ -9779,13 +9695,13 @@
   <p:clrMapOvr>
     <a:masterClrMapping/>
   </p:clrMapOvr>
-  <mc:AlternateContent xmlns:mc="http://schemas.openxmlformats.org/markup-compatibility/2006">
-    <mc:Choice xmlns:p14="http://schemas.microsoft.com/office/powerpoint/2010/main" Requires="p14">
+  <mc:AlternateContent xmlns:mc="http://schemas.openxmlformats.org/markup-compatibility/2006" xmlns:p14="http://schemas.microsoft.com/office/powerpoint/2010/main">
+    <mc:Choice Requires="p14">
       <p:transition spd="slow">
         <p14:flash/>
       </p:transition>
     </mc:Choice>
-    <mc:Fallback>
+    <mc:Fallback xmlns="">
       <p:transition spd="slow">
         <p:fade/>
       </p:transition>
@@ -10012,21 +9928,8 @@
                   <a:schemeClr val="tx1"/>
                 </a:solidFill>
               </a:rPr>
-              <a:t>1 out </a:t>
-            </a:r>
-            <a:r>
-              <a:rPr lang="en-US" dirty="0" smtClean="0">
-                <a:solidFill>
-                  <a:schemeClr val="tx1"/>
-                </a:solidFill>
-              </a:rPr>
-              <a:t>of 14</a:t>
-            </a:r>
-            <a:endParaRPr lang="en-US" dirty="0" smtClean="0">
-              <a:solidFill>
-                <a:schemeClr val="tx1"/>
-              </a:solidFill>
-            </a:endParaRPr>
+              <a:t>1 out of 14</a:t>
+            </a:r>
           </a:p>
         </p:txBody>
       </p:sp>
@@ -10099,13 +10002,13 @@
   <p:clrMapOvr>
     <a:masterClrMapping/>
   </p:clrMapOvr>
-  <mc:AlternateContent xmlns:mc="http://schemas.openxmlformats.org/markup-compatibility/2006">
-    <mc:Choice xmlns:p14="http://schemas.microsoft.com/office/powerpoint/2010/main" Requires="p14">
+  <mc:AlternateContent xmlns:mc="http://schemas.openxmlformats.org/markup-compatibility/2006" xmlns:p14="http://schemas.microsoft.com/office/powerpoint/2010/main">
+    <mc:Choice Requires="p14">
       <p:transition spd="slow">
         <p14:flash/>
       </p:transition>
     </mc:Choice>
-    <mc:Fallback>
+    <mc:Fallback xmlns="">
       <p:transition spd="slow">
         <p:fade/>
       </p:transition>
@@ -10841,29 +10744,8 @@
                   <a:schemeClr val="tx1"/>
                 </a:solidFill>
               </a:rPr>
-              <a:t>2 </a:t>
-            </a:r>
-            <a:r>
-              <a:rPr lang="en-US" dirty="0" smtClean="0">
-                <a:solidFill>
-                  <a:schemeClr val="tx1"/>
-                </a:solidFill>
-              </a:rPr>
-              <a:t>out </a:t>
-            </a:r>
-            <a:r>
-              <a:rPr lang="en-US" dirty="0" smtClean="0">
-                <a:solidFill>
-                  <a:schemeClr val="tx1"/>
-                </a:solidFill>
-              </a:rPr>
-              <a:t>of 14</a:t>
-            </a:r>
-            <a:endParaRPr lang="en-US" dirty="0" smtClean="0">
-              <a:solidFill>
-                <a:schemeClr val="tx1"/>
-              </a:solidFill>
-            </a:endParaRPr>
+              <a:t>2 out of 14</a:t>
+            </a:r>
           </a:p>
         </p:txBody>
       </p:sp>
@@ -10877,11 +10759,11 @@
   <p:clrMapOvr>
     <a:masterClrMapping/>
   </p:clrMapOvr>
-  <mc:AlternateContent xmlns:mc="http://schemas.openxmlformats.org/markup-compatibility/2006">
-    <mc:Choice xmlns:p14="http://schemas.microsoft.com/office/powerpoint/2010/main" Requires="p14">
+  <mc:AlternateContent xmlns:mc="http://schemas.openxmlformats.org/markup-compatibility/2006" xmlns:p14="http://schemas.microsoft.com/office/powerpoint/2010/main">
+    <mc:Choice Requires="p14">
       <p:transition p14:dur="0"/>
     </mc:Choice>
-    <mc:Fallback>
+    <mc:Fallback xmlns="">
       <p:transition/>
     </mc:Fallback>
   </mc:AlternateContent>
@@ -11472,13 +11354,13 @@
   <p:clrMapOvr>
     <a:masterClrMapping/>
   </p:clrMapOvr>
-  <mc:AlternateContent xmlns:mc="http://schemas.openxmlformats.org/markup-compatibility/2006">
-    <mc:Choice xmlns:p14="http://schemas.microsoft.com/office/powerpoint/2010/main" Requires="p14">
+  <mc:AlternateContent xmlns:mc="http://schemas.openxmlformats.org/markup-compatibility/2006" xmlns:p14="http://schemas.microsoft.com/office/powerpoint/2010/main">
+    <mc:Choice Requires="p14">
       <p:transition spd="slow">
         <p14:flash/>
       </p:transition>
     </mc:Choice>
-    <mc:Fallback>
+    <mc:Fallback xmlns="">
       <p:transition spd="slow">
         <p:fade/>
       </p:transition>
@@ -11626,11 +11508,11 @@
   <p:clrMapOvr>
     <a:masterClrMapping/>
   </p:clrMapOvr>
-  <mc:AlternateContent xmlns:mc="http://schemas.openxmlformats.org/markup-compatibility/2006">
-    <mc:Choice xmlns:p14="http://schemas.microsoft.com/office/powerpoint/2010/main" Requires="p14">
+  <mc:AlternateContent xmlns:mc="http://schemas.openxmlformats.org/markup-compatibility/2006" xmlns:p14="http://schemas.microsoft.com/office/powerpoint/2010/main">
+    <mc:Choice Requires="p14">
       <p:transition p14:dur="0"/>
     </mc:Choice>
-    <mc:Fallback>
+    <mc:Fallback xmlns="">
       <p:transition/>
     </mc:Fallback>
   </mc:AlternateContent>
@@ -11702,13 +11584,13 @@
   <p:clrMapOvr>
     <a:masterClrMapping/>
   </p:clrMapOvr>
-  <mc:AlternateContent xmlns:mc="http://schemas.openxmlformats.org/markup-compatibility/2006">
-    <mc:Choice xmlns:p14="http://schemas.microsoft.com/office/powerpoint/2010/main" Requires="p14">
+  <mc:AlternateContent xmlns:mc="http://schemas.openxmlformats.org/markup-compatibility/2006" xmlns:p14="http://schemas.microsoft.com/office/powerpoint/2010/main">
+    <mc:Choice Requires="p14">
       <p:transition spd="slow">
         <p14:flash/>
       </p:transition>
     </mc:Choice>
-    <mc:Fallback>
+    <mc:Fallback xmlns="">
       <p:transition spd="slow">
         <p:fade/>
       </p:transition>
@@ -11955,37 +11837,8 @@
                   <a:schemeClr val="tx1"/>
                 </a:solidFill>
               </a:rPr>
-              <a:t>6</a:t>
-            </a:r>
-            <a:r>
-              <a:rPr lang="en-US" dirty="0" smtClean="0">
-                <a:solidFill>
-                  <a:schemeClr val="tx1"/>
-                </a:solidFill>
-              </a:rPr>
-              <a:t> </a:t>
-            </a:r>
-            <a:r>
-              <a:rPr lang="en-US" dirty="0" smtClean="0">
-                <a:solidFill>
-                  <a:schemeClr val="tx1"/>
-                </a:solidFill>
-              </a:rPr>
-              <a:t>out </a:t>
-            </a:r>
-            <a:r>
-              <a:rPr lang="en-US" dirty="0" smtClean="0">
-                <a:solidFill>
-                  <a:schemeClr val="tx1"/>
-                </a:solidFill>
-              </a:rPr>
-              <a:t>of 14</a:t>
-            </a:r>
-            <a:endParaRPr lang="en-US" dirty="0" smtClean="0">
-              <a:solidFill>
-                <a:schemeClr val="tx1"/>
-              </a:solidFill>
-            </a:endParaRPr>
+              <a:t>6 out of 14</a:t>
+            </a:r>
           </a:p>
         </p:txBody>
       </p:sp>
@@ -11999,11 +11852,11 @@
   <p:clrMapOvr>
     <a:masterClrMapping/>
   </p:clrMapOvr>
-  <mc:AlternateContent xmlns:mc="http://schemas.openxmlformats.org/markup-compatibility/2006">
-    <mc:Choice xmlns:p14="http://schemas.microsoft.com/office/powerpoint/2010/main" Requires="p14">
+  <mc:AlternateContent xmlns:mc="http://schemas.openxmlformats.org/markup-compatibility/2006" xmlns:p14="http://schemas.microsoft.com/office/powerpoint/2010/main">
+    <mc:Choice Requires="p14">
       <p:transition p14:dur="10"/>
     </mc:Choice>
-    <mc:Fallback>
+    <mc:Fallback xmlns="">
       <p:transition/>
     </mc:Fallback>
   </mc:AlternateContent>
@@ -12483,29 +12336,8 @@
                   <a:schemeClr val="tx1"/>
                 </a:solidFill>
               </a:rPr>
-              <a:t> </a:t>
-            </a:r>
-            <a:r>
-              <a:rPr lang="en-US" dirty="0" smtClean="0">
-                <a:solidFill>
-                  <a:schemeClr val="tx1"/>
-                </a:solidFill>
-              </a:rPr>
-              <a:t>out </a:t>
-            </a:r>
-            <a:r>
-              <a:rPr lang="en-US" dirty="0" smtClean="0">
-                <a:solidFill>
-                  <a:schemeClr val="tx1"/>
-                </a:solidFill>
-              </a:rPr>
-              <a:t>of 14</a:t>
-            </a:r>
-            <a:endParaRPr lang="en-US" dirty="0" smtClean="0">
-              <a:solidFill>
-                <a:schemeClr val="tx1"/>
-              </a:solidFill>
-            </a:endParaRPr>
+              <a:t> out of 14</a:t>
+            </a:r>
           </a:p>
         </p:txBody>
       </p:sp>
@@ -12519,11 +12351,11 @@
   <p:clrMapOvr>
     <a:masterClrMapping/>
   </p:clrMapOvr>
-  <mc:AlternateContent xmlns:mc="http://schemas.openxmlformats.org/markup-compatibility/2006">
-    <mc:Choice xmlns:p14="http://schemas.microsoft.com/office/powerpoint/2010/main" Requires="p14">
+  <mc:AlternateContent xmlns:mc="http://schemas.openxmlformats.org/markup-compatibility/2006" xmlns:p14="http://schemas.microsoft.com/office/powerpoint/2010/main">
+    <mc:Choice Requires="p14">
       <p:transition p14:dur="10"/>
     </mc:Choice>
-    <mc:Fallback>
+    <mc:Fallback xmlns="">
       <p:transition/>
     </mc:Fallback>
   </mc:AlternateContent>
@@ -13127,37 +12959,8 @@
                   <a:schemeClr val="tx1"/>
                 </a:solidFill>
               </a:rPr>
-              <a:t>8</a:t>
-            </a:r>
-            <a:r>
-              <a:rPr lang="en-US" dirty="0" smtClean="0">
-                <a:solidFill>
-                  <a:schemeClr val="tx1"/>
-                </a:solidFill>
-              </a:rPr>
-              <a:t> </a:t>
-            </a:r>
-            <a:r>
-              <a:rPr lang="en-US" dirty="0" smtClean="0">
-                <a:solidFill>
-                  <a:schemeClr val="tx1"/>
-                </a:solidFill>
-              </a:rPr>
-              <a:t>out </a:t>
-            </a:r>
-            <a:r>
-              <a:rPr lang="en-US" dirty="0" smtClean="0">
-                <a:solidFill>
-                  <a:schemeClr val="tx1"/>
-                </a:solidFill>
-              </a:rPr>
-              <a:t>of 14</a:t>
-            </a:r>
-            <a:endParaRPr lang="en-US" dirty="0" smtClean="0">
-              <a:solidFill>
-                <a:schemeClr val="tx1"/>
-              </a:solidFill>
-            </a:endParaRPr>
+              <a:t>8 out of 14</a:t>
+            </a:r>
           </a:p>
         </p:txBody>
       </p:sp>
@@ -13171,11 +12974,11 @@
   <p:clrMapOvr>
     <a:masterClrMapping/>
   </p:clrMapOvr>
-  <mc:AlternateContent xmlns:mc="http://schemas.openxmlformats.org/markup-compatibility/2006">
-    <mc:Choice xmlns:p14="http://schemas.microsoft.com/office/powerpoint/2010/main" Requires="p14">
+  <mc:AlternateContent xmlns:mc="http://schemas.openxmlformats.org/markup-compatibility/2006" xmlns:p14="http://schemas.microsoft.com/office/powerpoint/2010/main">
+    <mc:Choice Requires="p14">
       <p:transition p14:dur="10"/>
     </mc:Choice>
-    <mc:Fallback>
+    <mc:Fallback xmlns="">
       <p:transition/>
     </mc:Fallback>
   </mc:AlternateContent>

--- a/Presentations/Singleton.pptx
+++ b/Presentations/Singleton.pptx
@@ -239,7 +239,7 @@
           <a:p>
             <a:fld id="{7DA61AE2-9EF6-415B-9BBA-5F4A98ACC92C}" type="datetimeFigureOut">
               <a:rPr lang="ru-RU" smtClean="0"/>
-              <a:t>23.02.2019</a:t>
+              <a:t>24.02.2019</a:t>
             </a:fld>
             <a:endParaRPr lang="ru-RU"/>
           </a:p>
@@ -405,7 +405,7 @@
           <a:p>
             <a:fld id="{764A51CA-9947-44BA-9AA7-66724FE8E627}" type="datetimeFigureOut">
               <a:rPr lang="ru-RU" smtClean="0"/>
-              <a:t>23.02.2019</a:t>
+              <a:t>24.02.2019</a:t>
             </a:fld>
             <a:endParaRPr lang="ru-RU"/>
           </a:p>
@@ -979,7 +979,23 @@
           <a:p>
             <a:r>
               <a:rPr lang="en-US" dirty="0" smtClean="0"/>
-              <a:t>But in most of the scenarios, Singleton classes are created for resources such as File System, Database connections etc. </a:t>
+              <a:t>But in </a:t>
+            </a:r>
+            <a:r>
+              <a:rPr lang="en-US" dirty="0" smtClean="0"/>
+              <a:t>most</a:t>
+            </a:r>
+            <a:r>
+              <a:rPr lang="en-US" baseline="0" dirty="0" smtClean="0"/>
+              <a:t> </a:t>
+            </a:r>
+            <a:r>
+              <a:rPr lang="en-US" dirty="0" smtClean="0"/>
+              <a:t>scenarios</a:t>
+            </a:r>
+            <a:r>
+              <a:rPr lang="en-US" dirty="0" smtClean="0"/>
+              <a:t>, Singleton classes are created for resources such as File System, Database connections etc. </a:t>
             </a:r>
           </a:p>
           <a:p>
@@ -1570,7 +1586,7 @@
           <a:p>
             <a:fld id="{7B55B851-DE93-4D4A-A8CA-11031B51EA79}" type="datetime3">
               <a:rPr lang="en-US" smtClean="0"/>
-              <a:t>23 February 2019</a:t>
+              <a:t>24 February 2019</a:t>
             </a:fld>
             <a:endParaRPr lang="ru-RU"/>
           </a:p>
@@ -1759,7 +1775,7 @@
           <a:p>
             <a:fld id="{E86EBA65-FBEF-4E78-B3EC-E0E9A1688544}" type="datetime3">
               <a:rPr lang="en-US" smtClean="0"/>
-              <a:t>23 February 2019</a:t>
+              <a:t>24 February 2019</a:t>
             </a:fld>
             <a:endParaRPr lang="ru-RU"/>
           </a:p>
@@ -1951,7 +1967,7 @@
           <a:p>
             <a:fld id="{B7F9F018-6DB4-4741-B32F-EC558344D423}" type="datetime3">
               <a:rPr lang="en-US" smtClean="0"/>
-              <a:t>23 February 2019</a:t>
+              <a:t>24 February 2019</a:t>
             </a:fld>
             <a:endParaRPr lang="ru-RU"/>
           </a:p>
@@ -2133,7 +2149,7 @@
           <a:p>
             <a:fld id="{F3E29414-314B-4BBC-90EC-F581425B44D3}" type="datetime3">
               <a:rPr lang="en-US" smtClean="0"/>
-              <a:t>23 February 2019</a:t>
+              <a:t>24 February 2019</a:t>
             </a:fld>
             <a:endParaRPr lang="ru-RU"/>
           </a:p>
@@ -2398,7 +2414,7 @@
           <a:p>
             <a:fld id="{C197B7D8-4027-4BC0-B809-A55EFBE429E1}" type="datetime3">
               <a:rPr lang="en-US" smtClean="0"/>
-              <a:t>23 February 2019</a:t>
+              <a:t>24 February 2019</a:t>
             </a:fld>
             <a:endParaRPr lang="ru-RU"/>
           </a:p>
@@ -2642,7 +2658,7 @@
           <a:p>
             <a:fld id="{B7C170E9-6698-4598-956D-28CDE8856D34}" type="datetime3">
               <a:rPr lang="en-US" smtClean="0"/>
-              <a:t>23 February 2019</a:t>
+              <a:t>24 February 2019</a:t>
             </a:fld>
             <a:endParaRPr lang="ru-RU"/>
           </a:p>
@@ -3028,7 +3044,7 @@
           <a:p>
             <a:fld id="{D06DAEBC-00FB-43E2-9A62-728BCC36BCDE}" type="datetime3">
               <a:rPr lang="en-US" smtClean="0"/>
-              <a:t>23 February 2019</a:t>
+              <a:t>24 February 2019</a:t>
             </a:fld>
             <a:endParaRPr lang="ru-RU"/>
           </a:p>
@@ -3165,7 +3181,7 @@
           <a:p>
             <a:fld id="{AB18DE3F-9B93-4889-A323-6EC312FABF66}" type="datetime3">
               <a:rPr lang="en-US" smtClean="0"/>
-              <a:t>23 February 2019</a:t>
+              <a:t>24 February 2019</a:t>
             </a:fld>
             <a:endParaRPr lang="ru-RU"/>
           </a:p>
@@ -3279,7 +3295,7 @@
           <a:p>
             <a:fld id="{E8316F82-631A-4238-BABA-C9B8B6C4F978}" type="datetime3">
               <a:rPr lang="en-US" smtClean="0"/>
-              <a:t>23 February 2019</a:t>
+              <a:t>24 February 2019</a:t>
             </a:fld>
             <a:endParaRPr lang="ru-RU"/>
           </a:p>
@@ -3575,7 +3591,7 @@
           <a:p>
             <a:fld id="{ABB24B70-A4CD-4445-BB16-669A3264FA19}" type="datetime3">
               <a:rPr lang="en-US" smtClean="0"/>
-              <a:t>23 February 2019</a:t>
+              <a:t>24 February 2019</a:t>
             </a:fld>
             <a:endParaRPr lang="ru-RU"/>
           </a:p>
@@ -3840,7 +3856,7 @@
           <a:p>
             <a:fld id="{CF014D9A-44C2-4A81-AA5B-B49ED5839460}" type="datetime3">
               <a:rPr lang="en-US" smtClean="0"/>
-              <a:t>23 February 2019</a:t>
+              <a:t>24 February 2019</a:t>
             </a:fld>
             <a:endParaRPr lang="ru-RU"/>
           </a:p>
@@ -4065,7 +4081,7 @@
           <a:p>
             <a:fld id="{9B43955C-E4C2-41B5-8098-ADB300087B42}" type="datetime3">
               <a:rPr lang="en-US" smtClean="0"/>
-              <a:t>23 February 2019</a:t>
+              <a:t>24 February 2019</a:t>
             </a:fld>
             <a:endParaRPr lang="ru-RU"/>
           </a:p>
@@ -6515,7 +6531,7 @@
                   <a:schemeClr val="tx1"/>
                 </a:solidFill>
               </a:rPr>
-              <a:t>23 February 2019</a:t>
+              <a:t>24 February 2019</a:t>
             </a:fld>
             <a:endParaRPr lang="ru-RU">
               <a:solidFill>
@@ -7327,7 +7343,7 @@
                   <a:schemeClr val="tx1"/>
                 </a:solidFill>
               </a:rPr>
-              <a:t>23 February 2019</a:t>
+              <a:t>24 February 2019</a:t>
             </a:fld>
             <a:endParaRPr lang="ru-RU">
               <a:solidFill>
@@ -7576,11 +7592,11 @@
             </a:pPr>
             <a:r>
               <a:rPr lang="en-US" sz="3200" dirty="0"/>
-              <a:t>How about creating non-thread </a:t>
+              <a:t>How about creating </a:t>
             </a:r>
             <a:r>
               <a:rPr lang="en-US" sz="3200" dirty="0" smtClean="0"/>
-              <a:t>safe implementation?</a:t>
+              <a:t>a friend class?</a:t>
             </a:r>
             <a:endParaRPr lang="ru-RU" sz="3200" dirty="0"/>
           </a:p>
@@ -8072,7 +8088,7 @@
                   <a:schemeClr val="tx1"/>
                 </a:solidFill>
               </a:rPr>
-              <a:t>23 February 2019</a:t>
+              <a:t>24 February 2019</a:t>
             </a:fld>
             <a:endParaRPr lang="ru-RU">
               <a:solidFill>
@@ -8711,7 +8727,7 @@
                   <a:schemeClr val="tx1"/>
                 </a:solidFill>
               </a:rPr>
-              <a:t>23 February 2019</a:t>
+              <a:t>24 February 2019</a:t>
             </a:fld>
             <a:endParaRPr lang="ru-RU">
               <a:solidFill>
@@ -8789,7 +8805,7 @@
         <p:spPr>
           <a:xfrm>
             <a:off x="0" y="1494896"/>
-            <a:ext cx="11524343" cy="646331"/>
+            <a:ext cx="11930743" cy="646331"/>
           </a:xfrm>
           <a:prstGeom prst="rect">
             <a:avLst/>
@@ -8812,7 +8828,11 @@
             </a:r>
             <a:r>
               <a:rPr lang="en-US" sz="3600" b="1" dirty="0" smtClean="0"/>
-              <a:t>resource contention</a:t>
+              <a:t>resource </a:t>
+            </a:r>
+            <a:r>
+              <a:rPr lang="en-US" sz="3600" b="1" dirty="0" smtClean="0"/>
+              <a:t>management</a:t>
             </a:r>
             <a:endParaRPr lang="ru-RU" sz="3600" b="1" dirty="0"/>
           </a:p>
@@ -9755,7 +9775,7 @@
                   <a:schemeClr val="tx1"/>
                 </a:solidFill>
               </a:rPr>
-              <a:t>23 February 2019</a:t>
+              <a:t>24 February 2019</a:t>
             </a:fld>
             <a:endParaRPr lang="ru-RU">
               <a:solidFill>
@@ -10580,7 +10600,7 @@
                   <a:schemeClr val="tx1"/>
                 </a:solidFill>
               </a:rPr>
-              <a:t>23 February 2019</a:t>
+              <a:t>24 February 2019</a:t>
             </a:fld>
             <a:endParaRPr lang="ru-RU">
               <a:solidFill>
@@ -11644,7 +11664,7 @@
                   <a:schemeClr val="tx1"/>
                 </a:solidFill>
               </a:rPr>
-              <a:t>23 February 2019</a:t>
+              <a:t>24 February 2019</a:t>
             </a:fld>
             <a:endParaRPr lang="ru-RU">
               <a:solidFill>
@@ -12132,7 +12152,7 @@
                   <a:schemeClr val="tx1"/>
                 </a:solidFill>
               </a:rPr>
-              <a:t>23 February 2019</a:t>
+              <a:t>24 February 2019</a:t>
             </a:fld>
             <a:endParaRPr lang="ru-RU">
               <a:solidFill>
@@ -12631,7 +12651,7 @@
                   <a:schemeClr val="tx1"/>
                 </a:solidFill>
               </a:rPr>
-              <a:t>23 February 2019</a:t>
+              <a:t>24 February 2019</a:t>
             </a:fld>
             <a:endParaRPr lang="ru-RU">
               <a:solidFill>
